--- a/docs/part_3/production_3.pptx
+++ b/docs/part_3/production_3.pptx
@@ -1,11 +1,11 @@
 
 <file path=ppt/presentation.xml><?xml version="1.0" encoding="utf-8"?>
-<p:presentation xmlns:a="http://schemas.openxmlformats.org/drawingml/2006/main" xmlns:r="http://schemas.openxmlformats.org/officeDocument/2006/relationships" xmlns:p="http://schemas.openxmlformats.org/presentationml/2006/main" showSpecialPlsOnTitleSld="0" saveSubsetFonts="1">
+<p:presentation xmlns:a="http://schemas.openxmlformats.org/drawingml/2006/main" xmlns:r="http://schemas.openxmlformats.org/officeDocument/2006/relationships" xmlns:p="http://schemas.openxmlformats.org/presentationml/2006/main" saveSubsetFonts="1">
   <p:sldMasterIdLst>
     <p:sldMasterId id="2147484296" r:id="rId1"/>
   </p:sldMasterIdLst>
   <p:notesMasterIdLst>
-    <p:notesMasterId r:id="rId26"/>
+    <p:notesMasterId r:id="rId30"/>
   </p:notesMasterIdLst>
   <p:sldIdLst>
     <p:sldId id="256" r:id="rId2"/>
@@ -32,6 +32,10 @@
     <p:sldId id="277" r:id="rId23"/>
     <p:sldId id="278" r:id="rId24"/>
     <p:sldId id="279" r:id="rId25"/>
+    <p:sldId id="280" r:id="rId26"/>
+    <p:sldId id="281" r:id="rId27"/>
+    <p:sldId id="282" r:id="rId28"/>
+    <p:sldId id="283" r:id="rId29"/>
   </p:sldIdLst>
   <p:sldSz cx="12192000" cy="6858000"/>
   <p:notesSz cx="6858000" cy="9144000"/>
@@ -218,9 +222,9 @@
             </a:lvl1pPr>
           </a:lstStyle>
           <a:p>
-            <a:fld id="{52EF1B29-FB69-4EE7-80E4-D3C8FBDCD09D}" type="datetimeFigureOut">
+            <a:fld id="{4DEC14F1-C84C-4E57-8590-34CC3711E422}" type="datetimeFigureOut">
               <a:rPr lang="en-CA" smtClean="0"/>
-              <a:t>2024-02-08</a:t>
+              <a:t>2024-02-19</a:t>
             </a:fld>
             <a:endParaRPr lang="en-CA"/>
           </a:p>
@@ -377,7 +381,7 @@
             </a:lvl1pPr>
           </a:lstStyle>
           <a:p>
-            <a:fld id="{D6AA3BB4-D729-479C-ACEE-0530E9F63A9A}" type="slidenum">
+            <a:fld id="{1171C915-153A-429F-B38E-4C3A17107511}" type="slidenum">
               <a:rPr lang="en-CA" smtClean="0"/>
               <a:t>‹#›</a:t>
             </a:fld>
@@ -388,7 +392,7 @@
     </p:spTree>
     <p:extLst>
       <p:ext uri="{BB962C8B-B14F-4D97-AF65-F5344CB8AC3E}">
-        <p14:creationId xmlns:p14="http://schemas.microsoft.com/office/powerpoint/2010/main" val="966174140"/>
+        <p14:creationId xmlns:p14="http://schemas.microsoft.com/office/powerpoint/2010/main" val="491423340"/>
       </p:ext>
     </p:extLst>
   </p:cSld>
@@ -685,10 +689,9 @@
           </a:lstStyle>
           <a:p>
             <a:r>
-              <a:rPr lang="en-US"/>
-              <a:t>Februrary 2024</a:t>
-            </a:r>
-            <a:endParaRPr lang="en-CA"/>
+              <a:rPr lang="en-CA"/>
+              <a:t>February 2024</a:t>
+            </a:r>
           </a:p>
         </p:txBody>
       </p:sp>
@@ -879,10 +882,9 @@
           <a:lstStyle/>
           <a:p>
             <a:r>
-              <a:rPr lang="en-US"/>
-              <a:t>Februrary 2024</a:t>
-            </a:r>
-            <a:endParaRPr lang="en-CA"/>
+              <a:rPr lang="en-CA"/>
+              <a:t>February 2024</a:t>
+            </a:r>
           </a:p>
         </p:txBody>
       </p:sp>
@@ -1063,10 +1065,9 @@
           <a:lstStyle/>
           <a:p>
             <a:r>
-              <a:rPr lang="en-US"/>
-              <a:t>Februrary 2024</a:t>
-            </a:r>
-            <a:endParaRPr lang="en-CA"/>
+              <a:rPr lang="en-CA"/>
+              <a:t>February 2024</a:t>
+            </a:r>
           </a:p>
         </p:txBody>
       </p:sp>
@@ -1237,10 +1238,9 @@
           <a:lstStyle/>
           <a:p>
             <a:r>
-              <a:rPr lang="en-US"/>
-              <a:t>Februrary 2024</a:t>
-            </a:r>
-            <a:endParaRPr lang="en-CA"/>
+              <a:rPr lang="en-CA"/>
+              <a:t>February 2024</a:t>
+            </a:r>
           </a:p>
         </p:txBody>
       </p:sp>
@@ -1497,10 +1497,9 @@
           <a:lstStyle/>
           <a:p>
             <a:r>
-              <a:rPr lang="en-US"/>
-              <a:t>Februrary 2024</a:t>
-            </a:r>
-            <a:endParaRPr lang="en-CA"/>
+              <a:rPr lang="en-CA"/>
+              <a:t>February 2024</a:t>
+            </a:r>
           </a:p>
         </p:txBody>
       </p:sp>
@@ -1789,10 +1788,9 @@
           <a:lstStyle/>
           <a:p>
             <a:r>
-              <a:rPr lang="en-US"/>
-              <a:t>Februrary 2024</a:t>
-            </a:r>
-            <a:endParaRPr lang="en-CA"/>
+              <a:rPr lang="en-CA"/>
+              <a:t>February 2024</a:t>
+            </a:r>
           </a:p>
         </p:txBody>
       </p:sp>
@@ -2231,10 +2229,9 @@
           <a:lstStyle/>
           <a:p>
             <a:r>
-              <a:rPr lang="en-US"/>
-              <a:t>Februrary 2024</a:t>
-            </a:r>
-            <a:endParaRPr lang="en-CA"/>
+              <a:rPr lang="en-CA"/>
+              <a:t>February 2024</a:t>
+            </a:r>
           </a:p>
         </p:txBody>
       </p:sp>
@@ -2353,10 +2350,9 @@
           <a:lstStyle/>
           <a:p>
             <a:r>
-              <a:rPr lang="en-US"/>
-              <a:t>Februrary 2024</a:t>
-            </a:r>
-            <a:endParaRPr lang="en-CA"/>
+              <a:rPr lang="en-CA"/>
+              <a:t>February 2024</a:t>
+            </a:r>
           </a:p>
         </p:txBody>
       </p:sp>
@@ -2452,10 +2448,9 @@
           <a:lstStyle/>
           <a:p>
             <a:r>
-              <a:rPr lang="en-US"/>
-              <a:t>Februrary 2024</a:t>
-            </a:r>
-            <a:endParaRPr lang="en-CA"/>
+              <a:rPr lang="en-CA"/>
+              <a:t>February 2024</a:t>
+            </a:r>
           </a:p>
         </p:txBody>
       </p:sp>
@@ -2812,10 +2807,9 @@
           <a:lstStyle/>
           <a:p>
             <a:r>
-              <a:rPr lang="en-US"/>
-              <a:t>Februrary 2024</a:t>
-            </a:r>
-            <a:endParaRPr lang="en-CA"/>
+              <a:rPr lang="en-CA"/>
+              <a:t>February 2024</a:t>
+            </a:r>
           </a:p>
         </p:txBody>
       </p:sp>
@@ -3132,10 +3126,9 @@
           </a:lstStyle>
           <a:p>
             <a:r>
-              <a:rPr lang="en-US"/>
-              <a:t>Februrary 2024</a:t>
-            </a:r>
-            <a:endParaRPr lang="en-CA"/>
+              <a:rPr lang="en-CA"/>
+              <a:t>February 2024</a:t>
+            </a:r>
           </a:p>
         </p:txBody>
       </p:sp>
@@ -3367,10 +3360,9 @@
           </a:lstStyle>
           <a:p>
             <a:r>
-              <a:rPr lang="en-US"/>
-              <a:t>Februrary 2024</a:t>
-            </a:r>
-            <a:endParaRPr lang="en-CA"/>
+              <a:rPr lang="en-CA"/>
+              <a:t>February 2024</a:t>
+            </a:r>
           </a:p>
         </p:txBody>
       </p:sp>
@@ -3872,6 +3864,92 @@
           </a:p>
         </p:txBody>
       </p:sp>
+      <p:sp>
+        <p:nvSpPr>
+          <p:cNvPr id="4" name="Date Placeholder 3">
+            <a:extLst>
+              <a:ext uri="{FF2B5EF4-FFF2-40B4-BE49-F238E27FC236}">
+                <a16:creationId xmlns:a16="http://schemas.microsoft.com/office/drawing/2014/main" id="{29B9C8CE-0FB1-F92F-B39C-C3D9C797E2DB}"/>
+              </a:ext>
+            </a:extLst>
+          </p:cNvPr>
+          <p:cNvSpPr>
+            <a:spLocks noGrp="1"/>
+          </p:cNvSpPr>
+          <p:nvPr>
+            <p:ph type="dt" sz="half" idx="10"/>
+          </p:nvPr>
+        </p:nvSpPr>
+        <p:spPr/>
+        <p:txBody>
+          <a:bodyPr/>
+          <a:lstStyle/>
+          <a:p>
+            <a:r>
+              <a:rPr lang="en-CA"/>
+              <a:t>February 2024</a:t>
+            </a:r>
+          </a:p>
+        </p:txBody>
+      </p:sp>
+      <p:sp>
+        <p:nvSpPr>
+          <p:cNvPr id="5" name="Footer Placeholder 4">
+            <a:extLst>
+              <a:ext uri="{FF2B5EF4-FFF2-40B4-BE49-F238E27FC236}">
+                <a16:creationId xmlns:a16="http://schemas.microsoft.com/office/drawing/2014/main" id="{65F66110-9BB9-889E-2511-8EE65BF6EB5C}"/>
+              </a:ext>
+            </a:extLst>
+          </p:cNvPr>
+          <p:cNvSpPr>
+            <a:spLocks noGrp="1"/>
+          </p:cNvSpPr>
+          <p:nvPr>
+            <p:ph type="ftr" sz="quarter" idx="11"/>
+          </p:nvPr>
+        </p:nvSpPr>
+        <p:spPr/>
+        <p:txBody>
+          <a:bodyPr/>
+          <a:lstStyle/>
+          <a:p>
+            <a:r>
+              <a:rPr lang="en-US"/>
+              <a:t>Production 3 - Working with Training Data</a:t>
+            </a:r>
+            <a:endParaRPr lang="en-CA"/>
+          </a:p>
+        </p:txBody>
+      </p:sp>
+      <p:sp>
+        <p:nvSpPr>
+          <p:cNvPr id="6" name="Slide Number Placeholder 5">
+            <a:extLst>
+              <a:ext uri="{FF2B5EF4-FFF2-40B4-BE49-F238E27FC236}">
+                <a16:creationId xmlns:a16="http://schemas.microsoft.com/office/drawing/2014/main" id="{8787D03B-BA09-F7DA-2C32-10FF618E85B8}"/>
+              </a:ext>
+            </a:extLst>
+          </p:cNvPr>
+          <p:cNvSpPr>
+            <a:spLocks noGrp="1"/>
+          </p:cNvSpPr>
+          <p:nvPr>
+            <p:ph type="sldNum" sz="quarter" idx="12"/>
+          </p:nvPr>
+        </p:nvSpPr>
+        <p:spPr/>
+        <p:txBody>
+          <a:bodyPr/>
+          <a:lstStyle/>
+          <a:p>
+            <a:fld id="{4F4BDF5D-830C-4829-B676-EE421164B1C8}" type="slidenum">
+              <a:rPr lang="en-CA" smtClean="0"/>
+              <a:t>1</a:t>
+            </a:fld>
+            <a:endParaRPr lang="en-CA"/>
+          </a:p>
+        </p:txBody>
+      </p:sp>
     </p:spTree>
   </p:cSld>
   <p:clrMapOvr>
@@ -3907,12 +3985,7 @@
             <p:ph type="title"/>
           </p:nvPr>
         </p:nvSpPr>
-        <p:spPr>
-          <a:xfrm>
-            <a:off x="603504" y="767419"/>
-            <a:ext cx="10780776" cy="3355848"/>
-          </a:xfrm>
-        </p:spPr>
+        <p:spPr/>
         <p:txBody>
           <a:bodyPr/>
           <a:lstStyle/>
@@ -3921,17 +3994,188 @@
               <a:buNone/>
             </a:pPr>
             <a:r>
-              <a:t>Labeling</a:t>
-            </a:r>
-          </a:p>
-        </p:txBody>
-      </p:sp>
-      <p:sp>
-        <p:nvSpPr>
-          <p:cNvPr id="3" name="Date Placeholder 2">
+              <a:t>Random Sampling</a:t>
+            </a:r>
+          </a:p>
+        </p:txBody>
+      </p:sp>
+      <p:sp>
+        <p:nvSpPr>
+          <p:cNvPr id="3" name="Content Placeholder 2"/>
+          <p:cNvSpPr>
+            <a:spLocks noGrp="1"/>
+          </p:cNvSpPr>
+          <p:nvPr>
+            <p:ph sz="half" idx="1"/>
+          </p:nvPr>
+        </p:nvSpPr>
+        <p:spPr/>
+        <p:txBody>
+          <a:bodyPr>
+            <a:normAutofit fontScale="55000" lnSpcReduction="20000"/>
+          </a:bodyPr>
+          <a:lstStyle/>
+          <a:p>
+            <a:pPr lvl="0"/>
+            <a:r>
+              <a:rPr dirty="0"/>
+              <a:t>Simple Random Sampling</a:t>
+            </a:r>
+          </a:p>
+          <a:p>
+            <a:pPr lvl="1"/>
+            <a:r>
+              <a:rPr dirty="0"/>
+              <a:t>All potential samples in the population have equal probabilities of being selected.</a:t>
+            </a:r>
+          </a:p>
+          <a:p>
+            <a:pPr lvl="1"/>
+            <a:r>
+              <a:rPr dirty="0"/>
+              <a:t>Advantage: Easy to implement.</a:t>
+            </a:r>
+          </a:p>
+          <a:p>
+            <a:pPr lvl="1"/>
+            <a:r>
+              <a:rPr dirty="0"/>
+              <a:t>Disadvantage: Rare categories of data may not appear in the selection: if a class appears in 0.01% of the data and we randomly select 1% of the population, we may not get a representation of this minority class.</a:t>
+            </a:r>
+          </a:p>
+          <a:p>
+            <a:pPr lvl="0"/>
+            <a:r>
+              <a:rPr dirty="0"/>
+              <a:t>Stratified Sampling</a:t>
+            </a:r>
+          </a:p>
+          <a:p>
+            <a:pPr lvl="1"/>
+            <a:r>
+              <a:rPr dirty="0"/>
+              <a:t>First, divide the population into groups we care about, then sample from each group separately.</a:t>
+            </a:r>
+          </a:p>
+          <a:p>
+            <a:pPr lvl="1"/>
+            <a:r>
+              <a:rPr dirty="0"/>
+              <a:t>Each group is called a </a:t>
+            </a:r>
+            <a:r>
+              <a:rPr i="1" dirty="0"/>
+              <a:t>stratum</a:t>
+            </a:r>
+            <a:r>
+              <a:rPr dirty="0"/>
+              <a:t> and this method is called </a:t>
+            </a:r>
+            <a:r>
+              <a:rPr i="1" dirty="0"/>
+              <a:t>stratified sampling</a:t>
+            </a:r>
+            <a:r>
+              <a:rPr dirty="0"/>
+              <a:t>.</a:t>
+            </a:r>
+          </a:p>
+          <a:p>
+            <a:pPr lvl="1"/>
+            <a:r>
+              <a:rPr dirty="0"/>
+              <a:t>Advantage: the distribution of groups in the population is reflected in the sample.</a:t>
+            </a:r>
+          </a:p>
+          <a:p>
+            <a:pPr lvl="1"/>
+            <a:r>
+              <a:rPr dirty="0"/>
+              <a:t>Particularly important for selecting training, validation, and test sets.</a:t>
+            </a:r>
+          </a:p>
+          <a:p>
+            <a:pPr lvl="1"/>
+            <a:r>
+              <a:rPr dirty="0"/>
+              <a:t>This method is only sometimes possible (multilabel cases, for example, may not be treated).</a:t>
+            </a:r>
+          </a:p>
+        </p:txBody>
+      </p:sp>
+      <p:sp>
+        <p:nvSpPr>
+          <p:cNvPr id="4" name="Content Placeholder 3"/>
+          <p:cNvSpPr>
+            <a:spLocks noGrp="1"/>
+          </p:cNvSpPr>
+          <p:nvPr>
+            <p:ph sz="half" idx="2"/>
+          </p:nvPr>
+        </p:nvSpPr>
+        <p:spPr/>
+        <p:txBody>
+          <a:bodyPr>
+            <a:normAutofit fontScale="55000" lnSpcReduction="20000"/>
+          </a:bodyPr>
+          <a:lstStyle/>
+          <a:p>
+            <a:pPr lvl="0"/>
+            <a:r>
+              <a:rPr dirty="0"/>
+              <a:t>Weighted Sampling</a:t>
+            </a:r>
+          </a:p>
+          <a:p>
+            <a:pPr lvl="1"/>
+            <a:r>
+              <a:rPr dirty="0"/>
+              <a:t>Each sample is given a weight, determining the probability of being selected.</a:t>
+            </a:r>
+          </a:p>
+          <a:p>
+            <a:pPr lvl="1"/>
+            <a:r>
+              <a:rPr dirty="0"/>
+              <a:t>This method allows us to leverage domain expertise.</a:t>
+            </a:r>
+          </a:p>
+          <a:p>
+            <a:pPr lvl="1"/>
+            <a:r>
+              <a:rPr dirty="0"/>
+              <a:t>Can be used to adjust samples that are coming from a different distribution than the original data:</a:t>
+            </a:r>
+          </a:p>
+          <a:p>
+            <a:pPr lvl="2"/>
+            <a:r>
+              <a:rPr dirty="0"/>
+              <a:t>Assume the data contains 25% red samples and 75% blue samples.</a:t>
+            </a:r>
+          </a:p>
+          <a:p>
+            <a:pPr lvl="2"/>
+            <a:r>
+              <a:rPr dirty="0"/>
+              <a:t>We know the actual distribution is closer to 50% red and 50% blue.</a:t>
+            </a:r>
+          </a:p>
+          <a:p>
+            <a:pPr lvl="2"/>
+            <a:r>
+              <a:rPr dirty="0"/>
+              <a:t>We can apply red weights that are three times higher than blue weights.</a:t>
+            </a:r>
+          </a:p>
+        </p:txBody>
+      </p:sp>
+      <p:sp>
+        <p:nvSpPr>
+          <p:cNvPr id="5" name="Date Placeholder 4">
             <a:extLst>
               <a:ext uri="{FF2B5EF4-FFF2-40B4-BE49-F238E27FC236}">
-                <a16:creationId xmlns:a16="http://schemas.microsoft.com/office/drawing/2014/main" id="{759CD190-7639-86F9-4A01-4CDC7796F25F}"/>
+                <a16:creationId xmlns:a16="http://schemas.microsoft.com/office/drawing/2014/main" id="{F6971D45-5F26-DF33-9454-45C27336CBED}"/>
               </a:ext>
             </a:extLst>
           </p:cNvPr>
@@ -3948,19 +4192,18 @@
           <a:lstStyle/>
           <a:p>
             <a:r>
-              <a:rPr lang="en-US"/>
-              <a:t>Februrary 2024</a:t>
-            </a:r>
-            <a:endParaRPr lang="en-CA"/>
-          </a:p>
-        </p:txBody>
-      </p:sp>
-      <p:sp>
-        <p:nvSpPr>
-          <p:cNvPr id="4" name="Footer Placeholder 3">
+              <a:rPr lang="en-CA"/>
+              <a:t>February 2024</a:t>
+            </a:r>
+          </a:p>
+        </p:txBody>
+      </p:sp>
+      <p:sp>
+        <p:nvSpPr>
+          <p:cNvPr id="6" name="Footer Placeholder 5">
             <a:extLst>
               <a:ext uri="{FF2B5EF4-FFF2-40B4-BE49-F238E27FC236}">
-                <a16:creationId xmlns:a16="http://schemas.microsoft.com/office/drawing/2014/main" id="{9533E825-5242-38A1-1BD0-29C8591416B9}"/>
+                <a16:creationId xmlns:a16="http://schemas.microsoft.com/office/drawing/2014/main" id="{70B27EEE-7EFE-72E8-938B-338AE71B4D7E}"/>
               </a:ext>
             </a:extLst>
           </p:cNvPr>
@@ -3986,10 +4229,10 @@
       </p:sp>
       <p:sp>
         <p:nvSpPr>
-          <p:cNvPr id="5" name="Slide Number Placeholder 4">
+          <p:cNvPr id="7" name="Slide Number Placeholder 6">
             <a:extLst>
               <a:ext uri="{FF2B5EF4-FFF2-40B4-BE49-F238E27FC236}">
-                <a16:creationId xmlns:a16="http://schemas.microsoft.com/office/drawing/2014/main" id="{25316A9C-C899-9991-028F-4B20A885422D}"/>
+                <a16:creationId xmlns:a16="http://schemas.microsoft.com/office/drawing/2014/main" id="{818E4312-F3C3-9E25-1299-6EBC41A337C8}"/>
               </a:ext>
             </a:extLst>
           </p:cNvPr>
@@ -4057,7 +4300,7 @@
               <a:buNone/>
             </a:pPr>
             <a:r>
-              <a:t>Hand Labels</a:t>
+              <a:t>Reservoir Sampling</a:t>
             </a:r>
           </a:p>
         </p:txBody>
@@ -4072,100 +4315,195 @@
             <p:ph sz="half" idx="1"/>
           </p:nvPr>
         </p:nvSpPr>
-        <p:spPr/>
+        <p:spPr>
+          <a:xfrm>
+            <a:off x="676656" y="1562101"/>
+            <a:ext cx="3952494" cy="4850346"/>
+          </a:xfrm>
+        </p:spPr>
         <p:txBody>
           <a:bodyPr>
-            <a:normAutofit fontScale="77500" lnSpcReduction="20000"/>
+            <a:normAutofit fontScale="62500" lnSpcReduction="20000"/>
           </a:bodyPr>
           <a:lstStyle/>
           <a:p>
             <a:pPr lvl="0"/>
             <a:r>
-              <a:t>Getting hand-labelled data takes a lot of work.</a:t>
-            </a:r>
-            <a:br/>
-            <a:endParaRPr/>
+              <a:rPr dirty="0"/>
+              <a:t>Useful for streaming data where the concept of “universe” is difficult to implement.</a:t>
+            </a:r>
           </a:p>
           <a:p>
             <a:pPr lvl="0"/>
             <a:r>
-              <a:t>It is expensive, particularly if subject matter expertise is required. For instance, compare:</a:t>
+              <a:rPr dirty="0"/>
+              <a:t>Motivation: we want samples from a Tweeter feed with equal probability.</a:t>
+            </a:r>
+          </a:p>
+          <a:p>
+            <a:pPr lvl="0"/>
+            <a:r>
+              <a:rPr dirty="0"/>
+              <a:t>Objectives:</a:t>
             </a:r>
           </a:p>
           <a:p>
             <a:pPr lvl="1"/>
             <a:r>
-              <a:t>Hand label a sentiment data set.</a:t>
+              <a:rPr dirty="0"/>
+              <a:t>Every tweet has an equal probability of being selected.</a:t>
             </a:r>
           </a:p>
           <a:p>
             <a:pPr lvl="1"/>
             <a:r>
-              <a:t>Hand label a medical diagnosis data set.</a:t>
+              <a:rPr dirty="0"/>
+              <a:t>You can stop the algorithm at any time, and the tweets are sampled with the correct probability.</a:t>
             </a:r>
           </a:p>
           <a:p>
             <a:pPr lvl="0"/>
             <a:r>
-              <a:t>It may be invasive: hand labelling data requires someone to see the data.</a:t>
+              <a:rPr dirty="0"/>
+              <a:t>Reservoir sampling:</a:t>
+            </a:r>
+          </a:p>
+          <a:p>
+            <a:pPr lvl="1"/>
+            <a:r>
+              <a:rPr dirty="0"/>
+              <a:t>Put the first k elements into the reservoir.</a:t>
+            </a:r>
+          </a:p>
+          <a:p>
+            <a:pPr lvl="1"/>
+            <a:r>
+              <a:rPr dirty="0"/>
+              <a:t>For each incoming nth element, generate a random number </a:t>
+            </a:r>
+            <a:r>
+              <a:rPr dirty="0" err="1"/>
+              <a:t>i</a:t>
+            </a:r>
+            <a:r>
+              <a:rPr dirty="0"/>
+              <a:t> such that 1 ≤ </a:t>
+            </a:r>
+            <a:r>
+              <a:rPr dirty="0" err="1"/>
+              <a:t>i</a:t>
+            </a:r>
+            <a:r>
+              <a:rPr dirty="0"/>
+              <a:t> ≤ n.</a:t>
+            </a:r>
+          </a:p>
+          <a:p>
+            <a:pPr lvl="1"/>
+            <a:r>
+              <a:rPr dirty="0"/>
+              <a:t>If 1 ≤ </a:t>
+            </a:r>
+            <a:r>
+              <a:rPr dirty="0" err="1"/>
+              <a:t>i</a:t>
+            </a:r>
+            <a:r>
+              <a:rPr dirty="0"/>
+              <a:t> ≤ k: replace the </a:t>
+            </a:r>
+            <a:r>
+              <a:rPr dirty="0" err="1"/>
+              <a:t>ith</a:t>
+            </a:r>
+            <a:r>
+              <a:rPr dirty="0"/>
+              <a:t> element in the reservoir with the nth element. Else, do nothing.</a:t>
             </a:r>
           </a:p>
           <a:p>
             <a:pPr lvl="0"/>
             <a:r>
-              <a:t>Hand labelling is slow.</a:t>
-            </a:r>
-          </a:p>
-        </p:txBody>
-      </p:sp>
-      <p:sp>
-        <p:nvSpPr>
-          <p:cNvPr id="4" name="Content Placeholder 3"/>
-          <p:cNvSpPr>
-            <a:spLocks noGrp="1"/>
-          </p:cNvSpPr>
-          <p:nvPr>
-            <p:ph sz="half" idx="2"/>
-          </p:nvPr>
-        </p:nvSpPr>
-        <p:spPr/>
-        <p:txBody>
-          <a:bodyPr>
-            <a:normAutofit fontScale="77500" lnSpcReduction="20000"/>
-          </a:bodyPr>
-          <a:lstStyle/>
-          <a:p>
-            <a:pPr lvl="0"/>
-            <a:r>
-              <a:t>Label ambiguity or label multiplicity occurs when multiple conflicting labels exist for a data instance.</a:t>
-            </a:r>
-          </a:p>
-          <a:p>
-            <a:pPr lvl="0"/>
-            <a:r>
-              <a:t>Label multiplicity may occur when labels are input by multiple annotators or data comes from different sources.</a:t>
-            </a:r>
-          </a:p>
-          <a:p>
-            <a:pPr lvl="0"/>
-            <a:r>
-              <a:t>Disagreements among annotators are common, particularly as the need for subject matter expertise increases.</a:t>
-            </a:r>
-          </a:p>
-          <a:p>
-            <a:pPr lvl="0"/>
-            <a:r>
-              <a:t>A potential solution is to have a clear problem definition and task guidance.</a:t>
-            </a:r>
-          </a:p>
-        </p:txBody>
-      </p:sp>
-      <p:sp>
-        <p:nvSpPr>
-          <p:cNvPr id="5" name="Date Placeholder 4">
+              <a:rPr dirty="0"/>
+              <a:t>Each incoming nth element has a k/n probability of being in the reservoir.</a:t>
+            </a:r>
+          </a:p>
+        </p:txBody>
+      </p:sp>
+      <p:pic>
+        <p:nvPicPr>
+          <p:cNvPr id="4" name="Picture 1" descr="./img/reservoir.png"/>
+          <p:cNvPicPr>
+            <a:picLocks noGrp="1" noChangeAspect="1"/>
+          </p:cNvPicPr>
+          <p:nvPr/>
+        </p:nvPicPr>
+        <p:blipFill>
+          <a:blip r:embed="rId2"/>
+          <a:stretch>
+            <a:fillRect/>
+          </a:stretch>
+        </p:blipFill>
+        <p:spPr bwMode="auto">
+          <a:xfrm>
+            <a:off x="4946263" y="2898736"/>
+            <a:ext cx="6782574" cy="1441528"/>
+          </a:xfrm>
+          <a:prstGeom prst="rect">
+            <a:avLst/>
+          </a:prstGeom>
+          <a:noFill/>
+          <a:ln w="9525">
+            <a:noFill/>
+            <a:headEnd/>
+            <a:tailEnd/>
+          </a:ln>
+        </p:spPr>
+      </p:pic>
+      <p:sp>
+        <p:nvSpPr>
+          <p:cNvPr id="5" name="TextBox 3"/>
+          <p:cNvSpPr txBox="1"/>
+          <p:nvPr/>
+        </p:nvSpPr>
+        <p:spPr>
+          <a:xfrm>
+            <a:off x="5715000" y="4600338"/>
+            <a:ext cx="4660900" cy="508000"/>
+          </a:xfrm>
+          <a:prstGeom prst="rect">
+            <a:avLst/>
+          </a:prstGeom>
+          <a:noFill/>
+        </p:spPr>
+        <p:txBody>
+          <a:bodyPr/>
+          <a:lstStyle/>
+          <a:p>
+            <a:pPr marL="0" lvl="0" indent="0" algn="ctr">
+              <a:buNone/>
+            </a:pPr>
+            <a:r>
+              <a:rPr sz="1100" dirty="0"/>
+              <a:t>Reservoir Sampling (</a:t>
+            </a:r>
+            <a:r>
+              <a:rPr sz="1100" dirty="0" err="1"/>
+              <a:t>Huyen</a:t>
+            </a:r>
+            <a:r>
+              <a:rPr sz="1100" dirty="0"/>
+              <a:t>, 2021)</a:t>
+            </a:r>
+          </a:p>
+        </p:txBody>
+      </p:sp>
+      <p:sp>
+        <p:nvSpPr>
+          <p:cNvPr id="6" name="Date Placeholder 5">
             <a:extLst>
               <a:ext uri="{FF2B5EF4-FFF2-40B4-BE49-F238E27FC236}">
-                <a16:creationId xmlns:a16="http://schemas.microsoft.com/office/drawing/2014/main" id="{DB5B244A-FC2B-6974-E7B5-1DDC102A222C}"/>
+                <a16:creationId xmlns:a16="http://schemas.microsoft.com/office/drawing/2014/main" id="{272D5959-0791-32D4-F2D9-A5BE301551B5}"/>
               </a:ext>
             </a:extLst>
           </p:cNvPr>
@@ -4182,19 +4520,18 @@
           <a:lstStyle/>
           <a:p>
             <a:r>
-              <a:rPr lang="en-US"/>
-              <a:t>Februrary 2024</a:t>
-            </a:r>
-            <a:endParaRPr lang="en-CA"/>
-          </a:p>
-        </p:txBody>
-      </p:sp>
-      <p:sp>
-        <p:nvSpPr>
-          <p:cNvPr id="6" name="Footer Placeholder 5">
+              <a:rPr lang="en-CA"/>
+              <a:t>February 2024</a:t>
+            </a:r>
+          </a:p>
+        </p:txBody>
+      </p:sp>
+      <p:sp>
+        <p:nvSpPr>
+          <p:cNvPr id="7" name="Footer Placeholder 6">
             <a:extLst>
               <a:ext uri="{FF2B5EF4-FFF2-40B4-BE49-F238E27FC236}">
-                <a16:creationId xmlns:a16="http://schemas.microsoft.com/office/drawing/2014/main" id="{135F224A-E891-8434-A82F-57681EF073F8}"/>
+                <a16:creationId xmlns:a16="http://schemas.microsoft.com/office/drawing/2014/main" id="{3E3A2914-5466-330A-E2BE-17D5FD03E8C5}"/>
               </a:ext>
             </a:extLst>
           </p:cNvPr>
@@ -4220,10 +4557,10 @@
       </p:sp>
       <p:sp>
         <p:nvSpPr>
-          <p:cNvPr id="7" name="Slide Number Placeholder 6">
+          <p:cNvPr id="8" name="Slide Number Placeholder 7">
             <a:extLst>
               <a:ext uri="{FF2B5EF4-FFF2-40B4-BE49-F238E27FC236}">
-                <a16:creationId xmlns:a16="http://schemas.microsoft.com/office/drawing/2014/main" id="{5CA44D4D-2926-D997-FDD1-B5D906085C90}"/>
+                <a16:creationId xmlns:a16="http://schemas.microsoft.com/office/drawing/2014/main" id="{965BD43D-75B6-62BB-5921-650C5718496C}"/>
               </a:ext>
             </a:extLst>
           </p:cNvPr>
@@ -4282,6 +4619,400 @@
             <p:ph type="title"/>
           </p:nvPr>
         </p:nvSpPr>
+        <p:spPr>
+          <a:xfrm>
+            <a:off x="603504" y="767419"/>
+            <a:ext cx="10780776" cy="3355848"/>
+          </a:xfrm>
+        </p:spPr>
+        <p:txBody>
+          <a:bodyPr/>
+          <a:lstStyle/>
+          <a:p>
+            <a:pPr marL="0" lvl="0" indent="0">
+              <a:buNone/>
+            </a:pPr>
+            <a:r>
+              <a:t>Labeling</a:t>
+            </a:r>
+          </a:p>
+        </p:txBody>
+      </p:sp>
+      <p:sp>
+        <p:nvSpPr>
+          <p:cNvPr id="3" name="Date Placeholder 2">
+            <a:extLst>
+              <a:ext uri="{FF2B5EF4-FFF2-40B4-BE49-F238E27FC236}">
+                <a16:creationId xmlns:a16="http://schemas.microsoft.com/office/drawing/2014/main" id="{82D65F7E-E1D2-2DC4-3977-C1878149C0C8}"/>
+              </a:ext>
+            </a:extLst>
+          </p:cNvPr>
+          <p:cNvSpPr>
+            <a:spLocks noGrp="1"/>
+          </p:cNvSpPr>
+          <p:nvPr>
+            <p:ph type="dt" sz="half" idx="10"/>
+          </p:nvPr>
+        </p:nvSpPr>
+        <p:spPr/>
+        <p:txBody>
+          <a:bodyPr/>
+          <a:lstStyle/>
+          <a:p>
+            <a:r>
+              <a:rPr lang="en-CA"/>
+              <a:t>February 2024</a:t>
+            </a:r>
+          </a:p>
+        </p:txBody>
+      </p:sp>
+      <p:sp>
+        <p:nvSpPr>
+          <p:cNvPr id="4" name="Footer Placeholder 3">
+            <a:extLst>
+              <a:ext uri="{FF2B5EF4-FFF2-40B4-BE49-F238E27FC236}">
+                <a16:creationId xmlns:a16="http://schemas.microsoft.com/office/drawing/2014/main" id="{9041600E-A959-75ED-3FA6-1C43D5DD4805}"/>
+              </a:ext>
+            </a:extLst>
+          </p:cNvPr>
+          <p:cNvSpPr>
+            <a:spLocks noGrp="1"/>
+          </p:cNvSpPr>
+          <p:nvPr>
+            <p:ph type="ftr" sz="quarter" idx="11"/>
+          </p:nvPr>
+        </p:nvSpPr>
+        <p:spPr/>
+        <p:txBody>
+          <a:bodyPr/>
+          <a:lstStyle/>
+          <a:p>
+            <a:r>
+              <a:rPr lang="en-US"/>
+              <a:t>Production 3 - Working with Training Data</a:t>
+            </a:r>
+            <a:endParaRPr lang="en-CA"/>
+          </a:p>
+        </p:txBody>
+      </p:sp>
+      <p:sp>
+        <p:nvSpPr>
+          <p:cNvPr id="5" name="Slide Number Placeholder 4">
+            <a:extLst>
+              <a:ext uri="{FF2B5EF4-FFF2-40B4-BE49-F238E27FC236}">
+                <a16:creationId xmlns:a16="http://schemas.microsoft.com/office/drawing/2014/main" id="{C0BC126E-F9C6-8527-4361-B68381118190}"/>
+              </a:ext>
+            </a:extLst>
+          </p:cNvPr>
+          <p:cNvSpPr>
+            <a:spLocks noGrp="1"/>
+          </p:cNvSpPr>
+          <p:nvPr>
+            <p:ph type="sldNum" sz="quarter" idx="12"/>
+          </p:nvPr>
+        </p:nvSpPr>
+        <p:spPr/>
+        <p:txBody>
+          <a:bodyPr/>
+          <a:lstStyle/>
+          <a:p>
+            <a:fld id="{4F4BDF5D-830C-4829-B676-EE421164B1C8}" type="slidenum">
+              <a:rPr lang="en-CA" smtClean="0"/>
+              <a:t>12</a:t>
+            </a:fld>
+            <a:endParaRPr lang="en-CA"/>
+          </a:p>
+        </p:txBody>
+      </p:sp>
+    </p:spTree>
+  </p:cSld>
+  <p:clrMapOvr>
+    <a:masterClrMapping/>
+  </p:clrMapOvr>
+</p:sld>
+</file>
+
+<file path=ppt/slides/slide13.xml><?xml version="1.0" encoding="utf-8"?>
+<p:sld xmlns:a="http://schemas.openxmlformats.org/drawingml/2006/main" xmlns:r="http://schemas.openxmlformats.org/officeDocument/2006/relationships" xmlns:p="http://schemas.openxmlformats.org/presentationml/2006/main">
+  <p:cSld>
+    <p:spTree>
+      <p:nvGrpSpPr>
+        <p:cNvPr id="1" name=""/>
+        <p:cNvGrpSpPr/>
+        <p:nvPr/>
+      </p:nvGrpSpPr>
+      <p:grpSpPr>
+        <a:xfrm>
+          <a:off x="0" y="0"/>
+          <a:ext cx="0" cy="0"/>
+          <a:chOff x="0" y="0"/>
+          <a:chExt cx="0" cy="0"/>
+        </a:xfrm>
+      </p:grpSpPr>
+      <p:sp>
+        <p:nvSpPr>
+          <p:cNvPr id="2" name="Title 1"/>
+          <p:cNvSpPr>
+            <a:spLocks noGrp="1"/>
+          </p:cNvSpPr>
+          <p:nvPr>
+            <p:ph type="title"/>
+          </p:nvPr>
+        </p:nvSpPr>
+        <p:spPr/>
+        <p:txBody>
+          <a:bodyPr/>
+          <a:lstStyle/>
+          <a:p>
+            <a:pPr marL="0" lvl="0" indent="0">
+              <a:buNone/>
+            </a:pPr>
+            <a:r>
+              <a:t>Hand Labels</a:t>
+            </a:r>
+          </a:p>
+        </p:txBody>
+      </p:sp>
+      <p:sp>
+        <p:nvSpPr>
+          <p:cNvPr id="3" name="Content Placeholder 2"/>
+          <p:cNvSpPr>
+            <a:spLocks noGrp="1"/>
+          </p:cNvSpPr>
+          <p:nvPr>
+            <p:ph sz="half" idx="1"/>
+          </p:nvPr>
+        </p:nvSpPr>
+        <p:spPr/>
+        <p:txBody>
+          <a:bodyPr>
+            <a:normAutofit fontScale="85000" lnSpcReduction="20000"/>
+          </a:bodyPr>
+          <a:lstStyle/>
+          <a:p>
+            <a:pPr lvl="0"/>
+            <a:r>
+              <a:rPr dirty="0"/>
+              <a:t>Getting hand-labelled data takes </a:t>
+            </a:r>
+            <a:r>
+              <a:rPr lang="en-US" dirty="0"/>
+              <a:t>much</a:t>
+            </a:r>
+            <a:r>
+              <a:rPr dirty="0"/>
+              <a:t> work.</a:t>
+            </a:r>
+            <a:endParaRPr lang="en-US" dirty="0"/>
+          </a:p>
+          <a:p>
+            <a:pPr lvl="0"/>
+            <a:r>
+              <a:rPr lang="en-US" dirty="0"/>
+              <a:t>It is expensive, particularly if subject matter expertise is required. For instance, compare:</a:t>
+            </a:r>
+          </a:p>
+          <a:p>
+            <a:pPr lvl="1"/>
+            <a:r>
+              <a:rPr dirty="0"/>
+              <a:t>Hand label a sentiment data set.</a:t>
+            </a:r>
+          </a:p>
+          <a:p>
+            <a:pPr lvl="1"/>
+            <a:r>
+              <a:rPr dirty="0"/>
+              <a:t>Hand label a medical diagnosis data set.</a:t>
+            </a:r>
+          </a:p>
+          <a:p>
+            <a:pPr lvl="0"/>
+            <a:r>
+              <a:rPr dirty="0"/>
+              <a:t>It may be invasive: hand labelling data requires someone to see </a:t>
+            </a:r>
+            <a:r>
+              <a:rPr lang="en-US" dirty="0"/>
+              <a:t>it</a:t>
+            </a:r>
+            <a:r>
+              <a:rPr dirty="0"/>
+              <a:t>.</a:t>
+            </a:r>
+          </a:p>
+          <a:p>
+            <a:pPr lvl="0"/>
+            <a:r>
+              <a:rPr dirty="0"/>
+              <a:t>Hand labelling is slow.</a:t>
+            </a:r>
+          </a:p>
+        </p:txBody>
+      </p:sp>
+      <p:sp>
+        <p:nvSpPr>
+          <p:cNvPr id="4" name="Content Placeholder 3"/>
+          <p:cNvSpPr>
+            <a:spLocks noGrp="1"/>
+          </p:cNvSpPr>
+          <p:nvPr>
+            <p:ph sz="half" idx="2"/>
+          </p:nvPr>
+        </p:nvSpPr>
+        <p:spPr/>
+        <p:txBody>
+          <a:bodyPr>
+            <a:normAutofit fontScale="85000" lnSpcReduction="20000"/>
+          </a:bodyPr>
+          <a:lstStyle/>
+          <a:p>
+            <a:pPr lvl="0"/>
+            <a:r>
+              <a:t>Label ambiguity or label multiplicity occurs when multiple conflicting labels exist for a data instance.</a:t>
+            </a:r>
+          </a:p>
+          <a:p>
+            <a:pPr lvl="0"/>
+            <a:r>
+              <a:t>Label multiplicity may occur when labels are input by multiple annotators or data comes from different sources.</a:t>
+            </a:r>
+          </a:p>
+          <a:p>
+            <a:pPr lvl="0"/>
+            <a:r>
+              <a:t>Disagreements among annotators are common, particularly as the need for subject matter expertise increases.</a:t>
+            </a:r>
+          </a:p>
+          <a:p>
+            <a:pPr lvl="0"/>
+            <a:r>
+              <a:t>A potential solution is to have a clear problem definition and task guidance.</a:t>
+            </a:r>
+          </a:p>
+        </p:txBody>
+      </p:sp>
+      <p:sp>
+        <p:nvSpPr>
+          <p:cNvPr id="5" name="Date Placeholder 4">
+            <a:extLst>
+              <a:ext uri="{FF2B5EF4-FFF2-40B4-BE49-F238E27FC236}">
+                <a16:creationId xmlns:a16="http://schemas.microsoft.com/office/drawing/2014/main" id="{87DD385E-E585-B440-0CAE-0F2CB74DCB23}"/>
+              </a:ext>
+            </a:extLst>
+          </p:cNvPr>
+          <p:cNvSpPr>
+            <a:spLocks noGrp="1"/>
+          </p:cNvSpPr>
+          <p:nvPr>
+            <p:ph type="dt" sz="half" idx="10"/>
+          </p:nvPr>
+        </p:nvSpPr>
+        <p:spPr/>
+        <p:txBody>
+          <a:bodyPr/>
+          <a:lstStyle/>
+          <a:p>
+            <a:r>
+              <a:rPr lang="en-CA"/>
+              <a:t>February 2024</a:t>
+            </a:r>
+          </a:p>
+        </p:txBody>
+      </p:sp>
+      <p:sp>
+        <p:nvSpPr>
+          <p:cNvPr id="6" name="Footer Placeholder 5">
+            <a:extLst>
+              <a:ext uri="{FF2B5EF4-FFF2-40B4-BE49-F238E27FC236}">
+                <a16:creationId xmlns:a16="http://schemas.microsoft.com/office/drawing/2014/main" id="{EE80B650-DA47-94E3-E03E-7F94DF116712}"/>
+              </a:ext>
+            </a:extLst>
+          </p:cNvPr>
+          <p:cNvSpPr>
+            <a:spLocks noGrp="1"/>
+          </p:cNvSpPr>
+          <p:nvPr>
+            <p:ph type="ftr" sz="quarter" idx="11"/>
+          </p:nvPr>
+        </p:nvSpPr>
+        <p:spPr/>
+        <p:txBody>
+          <a:bodyPr/>
+          <a:lstStyle/>
+          <a:p>
+            <a:r>
+              <a:rPr lang="en-US"/>
+              <a:t>Production 3 - Working with Training Data</a:t>
+            </a:r>
+            <a:endParaRPr lang="en-CA"/>
+          </a:p>
+        </p:txBody>
+      </p:sp>
+      <p:sp>
+        <p:nvSpPr>
+          <p:cNvPr id="7" name="Slide Number Placeholder 6">
+            <a:extLst>
+              <a:ext uri="{FF2B5EF4-FFF2-40B4-BE49-F238E27FC236}">
+                <a16:creationId xmlns:a16="http://schemas.microsoft.com/office/drawing/2014/main" id="{75CF25F0-6158-91D6-C364-867410B52D86}"/>
+              </a:ext>
+            </a:extLst>
+          </p:cNvPr>
+          <p:cNvSpPr>
+            <a:spLocks noGrp="1"/>
+          </p:cNvSpPr>
+          <p:nvPr>
+            <p:ph type="sldNum" sz="quarter" idx="12"/>
+          </p:nvPr>
+        </p:nvSpPr>
+        <p:spPr/>
+        <p:txBody>
+          <a:bodyPr/>
+          <a:lstStyle/>
+          <a:p>
+            <a:fld id="{4F4BDF5D-830C-4829-B676-EE421164B1C8}" type="slidenum">
+              <a:rPr lang="en-CA" smtClean="0"/>
+              <a:t>13</a:t>
+            </a:fld>
+            <a:endParaRPr lang="en-CA"/>
+          </a:p>
+        </p:txBody>
+      </p:sp>
+    </p:spTree>
+  </p:cSld>
+  <p:clrMapOvr>
+    <a:masterClrMapping/>
+  </p:clrMapOvr>
+</p:sld>
+</file>
+
+<file path=ppt/slides/slide14.xml><?xml version="1.0" encoding="utf-8"?>
+<p:sld xmlns:a="http://schemas.openxmlformats.org/drawingml/2006/main" xmlns:r="http://schemas.openxmlformats.org/officeDocument/2006/relationships" xmlns:p="http://schemas.openxmlformats.org/presentationml/2006/main">
+  <p:cSld>
+    <p:spTree>
+      <p:nvGrpSpPr>
+        <p:cNvPr id="1" name=""/>
+        <p:cNvGrpSpPr/>
+        <p:nvPr/>
+      </p:nvGrpSpPr>
+      <p:grpSpPr>
+        <a:xfrm>
+          <a:off x="0" y="0"/>
+          <a:ext cx="0" cy="0"/>
+          <a:chOff x="0" y="0"/>
+          <a:chExt cx="0" cy="0"/>
+        </a:xfrm>
+      </p:grpSpPr>
+      <p:sp>
+        <p:nvSpPr>
+          <p:cNvPr id="2" name="Title 1"/>
+          <p:cNvSpPr>
+            <a:spLocks noGrp="1"/>
+          </p:cNvSpPr>
+          <p:nvPr>
+            <p:ph type="title"/>
+          </p:nvPr>
+        </p:nvSpPr>
         <p:spPr/>
         <p:txBody>
           <a:bodyPr/>
@@ -4306,14 +5037,14 @@
             <p:ph idx="1"/>
             <p:extLst>
               <p:ext uri="{D42A27DB-BD31-4B8C-83A1-F6EECF244321}">
-                <p14:modId xmlns:p14="http://schemas.microsoft.com/office/powerpoint/2010/main" val="3796482183"/>
+                <p14:modId xmlns:p14="http://schemas.microsoft.com/office/powerpoint/2010/main" val="867359813"/>
               </p:ext>
             </p:extLst>
           </p:nvPr>
         </p:nvGraphicFramePr>
         <p:xfrm>
           <a:off x="673100" y="2006600"/>
-          <a:ext cx="10744200" cy="2286000"/>
+          <a:ext cx="10744200" cy="3517900"/>
         </p:xfrm>
         <a:graphic>
           <a:graphicData uri="http://schemas.openxmlformats.org/drawingml/2006/table">
@@ -4322,21 +5053,21 @@
                 <a:tableStyleId>{5C22544A-7EE6-4342-B048-85BDC9FD1C3A}</a:tableStyleId>
               </a:tblPr>
               <a:tblGrid>
-                <a:gridCol w="1203325">
+                <a:gridCol w="1431925">
                   <a:extLst>
                     <a:ext uri="{9D8B030D-6E8A-4147-A177-3AD203B41FA5}">
                       <a16:colId xmlns:a16="http://schemas.microsoft.com/office/drawing/2014/main" val="20000"/>
                     </a:ext>
                   </a:extLst>
                 </a:gridCol>
-                <a:gridCol w="1390650">
+                <a:gridCol w="1809750">
                   <a:extLst>
                     <a:ext uri="{9D8B030D-6E8A-4147-A177-3AD203B41FA5}">
                       <a16:colId xmlns:a16="http://schemas.microsoft.com/office/drawing/2014/main" val="20001"/>
                     </a:ext>
                   </a:extLst>
                 </a:gridCol>
-                <a:gridCol w="8150225">
+                <a:gridCol w="7502525">
                   <a:extLst>
                     <a:ext uri="{9D8B030D-6E8A-4147-A177-3AD203B41FA5}">
                       <a16:colId xmlns:a16="http://schemas.microsoft.com/office/drawing/2014/main" val="20002"/>
@@ -4344,7 +5075,7 @@
                   </a:extLst>
                 </a:gridCol>
               </a:tblGrid>
-              <a:tr h="0">
+              <a:tr h="502557">
                 <a:tc>
                   <a:txBody>
                     <a:bodyPr/>
@@ -4396,7 +5127,7 @@
                   </a:ext>
                 </a:extLst>
               </a:tr>
-              <a:tr h="0">
+              <a:tr h="879475">
                 <a:tc>
                   <a:txBody>
                     <a:bodyPr/>
@@ -4421,6 +5152,7 @@
                         <a:buNone/>
                       </a:pPr>
                       <a:r>
+                        <a:rPr dirty="0"/>
                         <a:t>3</a:t>
                       </a:r>
                     </a:p>
@@ -4449,7 +5181,7 @@
                   </a:ext>
                 </a:extLst>
               </a:tr>
-              <a:tr h="0">
+              <a:tr h="1256393">
                 <a:tc>
                   <a:txBody>
                     <a:bodyPr/>
@@ -4474,7 +5206,6 @@
                         <a:buNone/>
                       </a:pPr>
                       <a:r>
-                        <a:rPr dirty="0"/>
                         <a:t>6</a:t>
                       </a:r>
                     </a:p>
@@ -4490,6 +5221,7 @@
                         <a:buNone/>
                       </a:pPr>
                       <a:r>
+                        <a:rPr dirty="0"/>
                         <a:t>[Darth Sidious], known simply as the [Emperor], was a [Dark Lord] of the [Sith] who reigned over the galaxy as [Galactic Emperor] of the [First Galactic Empire].</a:t>
                       </a:r>
                     </a:p>
@@ -4502,7 +5234,7 @@
                   </a:ext>
                 </a:extLst>
               </a:tr>
-              <a:tr h="0">
+              <a:tr h="879475">
                 <a:tc>
                   <a:txBody>
                     <a:bodyPr/>
@@ -4564,7 +5296,7 @@
           <p:cNvPr id="3" name="Date Placeholder 2">
             <a:extLst>
               <a:ext uri="{FF2B5EF4-FFF2-40B4-BE49-F238E27FC236}">
-                <a16:creationId xmlns:a16="http://schemas.microsoft.com/office/drawing/2014/main" id="{15795D54-2D41-A5E1-C8D9-201376DCCC29}"/>
+                <a16:creationId xmlns:a16="http://schemas.microsoft.com/office/drawing/2014/main" id="{19A56780-6D99-4140-6CEB-9C2F61A989A2}"/>
               </a:ext>
             </a:extLst>
           </p:cNvPr>
@@ -4581,10 +5313,9 @@
           <a:lstStyle/>
           <a:p>
             <a:r>
-              <a:rPr lang="en-US"/>
-              <a:t>Februrary 2024</a:t>
-            </a:r>
-            <a:endParaRPr lang="en-CA"/>
+              <a:rPr lang="en-CA"/>
+              <a:t>February 2024</a:t>
+            </a:r>
           </a:p>
         </p:txBody>
       </p:sp>
@@ -4593,7 +5324,7 @@
           <p:cNvPr id="4" name="Footer Placeholder 3">
             <a:extLst>
               <a:ext uri="{FF2B5EF4-FFF2-40B4-BE49-F238E27FC236}">
-                <a16:creationId xmlns:a16="http://schemas.microsoft.com/office/drawing/2014/main" id="{D0BC382F-94C1-86E2-9792-A679F0C310D6}"/>
+                <a16:creationId xmlns:a16="http://schemas.microsoft.com/office/drawing/2014/main" id="{19E1EC5C-8B30-9020-97A9-EC7F5C843E8D}"/>
               </a:ext>
             </a:extLst>
           </p:cNvPr>
@@ -4622,7 +5353,7 @@
           <p:cNvPr id="5" name="Slide Number Placeholder 4">
             <a:extLst>
               <a:ext uri="{FF2B5EF4-FFF2-40B4-BE49-F238E27FC236}">
-                <a16:creationId xmlns:a16="http://schemas.microsoft.com/office/drawing/2014/main" id="{566F9552-1562-9310-28A7-C928A701E9F8}"/>
+                <a16:creationId xmlns:a16="http://schemas.microsoft.com/office/drawing/2014/main" id="{DF3D9825-1C26-2AB1-E5F6-3C73D0AC5EE6}"/>
               </a:ext>
             </a:extLst>
           </p:cNvPr>
@@ -4640,9 +5371,53 @@
           <a:p>
             <a:fld id="{4F4BDF5D-830C-4829-B676-EE421164B1C8}" type="slidenum">
               <a:rPr lang="en-CA" smtClean="0"/>
-              <a:t>12</a:t>
+              <a:t>14</a:t>
             </a:fld>
             <a:endParaRPr lang="en-CA"/>
+          </a:p>
+        </p:txBody>
+      </p:sp>
+      <p:sp>
+        <p:nvSpPr>
+          <p:cNvPr id="7" name="TextBox 3">
+            <a:extLst>
+              <a:ext uri="{FF2B5EF4-FFF2-40B4-BE49-F238E27FC236}">
+                <a16:creationId xmlns:a16="http://schemas.microsoft.com/office/drawing/2014/main" id="{4F87AF94-9293-5A1F-46B3-499BC8C4825D}"/>
+              </a:ext>
+            </a:extLst>
+          </p:cNvPr>
+          <p:cNvSpPr txBox="1"/>
+          <p:nvPr/>
+        </p:nvSpPr>
+        <p:spPr>
+          <a:xfrm>
+            <a:off x="9982200" y="5622412"/>
+            <a:ext cx="1447799" cy="508000"/>
+          </a:xfrm>
+          <a:prstGeom prst="rect">
+            <a:avLst/>
+          </a:prstGeom>
+          <a:noFill/>
+        </p:spPr>
+        <p:txBody>
+          <a:bodyPr/>
+          <a:lstStyle/>
+          <a:p>
+            <a:pPr marL="0" lvl="0" indent="0" algn="ctr">
+              <a:buNone/>
+            </a:pPr>
+            <a:r>
+              <a:rPr sz="1100" dirty="0"/>
+              <a:t>(</a:t>
+            </a:r>
+            <a:r>
+              <a:rPr sz="1100" dirty="0" err="1"/>
+              <a:t>Huyen</a:t>
+            </a:r>
+            <a:r>
+              <a:rPr sz="1100" dirty="0"/>
+              <a:t>, 2021)</a:t>
+            </a:r>
           </a:p>
         </p:txBody>
       </p:sp>
@@ -4654,7 +5429,7 @@
 </p:sld>
 </file>
 
-<file path=ppt/slides/slide13.xml><?xml version="1.0" encoding="utf-8"?>
+<file path=ppt/slides/slide15.xml><?xml version="1.0" encoding="utf-8"?>
 <p:sld xmlns:a="http://schemas.openxmlformats.org/drawingml/2006/main" xmlns:r="http://schemas.openxmlformats.org/officeDocument/2006/relationships" xmlns:p="http://schemas.openxmlformats.org/presentationml/2006/main">
   <p:cSld>
     <p:spTree>
@@ -4796,7 +5571,7 @@
           <p:cNvPr id="5" name="Date Placeholder 4">
             <a:extLst>
               <a:ext uri="{FF2B5EF4-FFF2-40B4-BE49-F238E27FC236}">
-                <a16:creationId xmlns:a16="http://schemas.microsoft.com/office/drawing/2014/main" id="{62E0733C-7378-9CE1-7A94-F691A562B74A}"/>
+                <a16:creationId xmlns:a16="http://schemas.microsoft.com/office/drawing/2014/main" id="{879E922C-6720-457B-53F9-A7D64C7203C3}"/>
               </a:ext>
             </a:extLst>
           </p:cNvPr>
@@ -4813,10 +5588,9 @@
           <a:lstStyle/>
           <a:p>
             <a:r>
-              <a:rPr lang="en-US"/>
-              <a:t>Februrary 2024</a:t>
-            </a:r>
-            <a:endParaRPr lang="en-CA"/>
+              <a:rPr lang="en-CA"/>
+              <a:t>February 2024</a:t>
+            </a:r>
           </a:p>
         </p:txBody>
       </p:sp>
@@ -4825,7 +5599,7 @@
           <p:cNvPr id="6" name="Footer Placeholder 5">
             <a:extLst>
               <a:ext uri="{FF2B5EF4-FFF2-40B4-BE49-F238E27FC236}">
-                <a16:creationId xmlns:a16="http://schemas.microsoft.com/office/drawing/2014/main" id="{45597353-FB7F-6173-4599-2C4F660E8FD9}"/>
+                <a16:creationId xmlns:a16="http://schemas.microsoft.com/office/drawing/2014/main" id="{A56E79CA-77C1-D906-6356-E562DA006C6F}"/>
               </a:ext>
             </a:extLst>
           </p:cNvPr>
@@ -4854,7 +5628,7 @@
           <p:cNvPr id="7" name="Slide Number Placeholder 6">
             <a:extLst>
               <a:ext uri="{FF2B5EF4-FFF2-40B4-BE49-F238E27FC236}">
-                <a16:creationId xmlns:a16="http://schemas.microsoft.com/office/drawing/2014/main" id="{486F73F3-1434-BF78-0CC6-50099BF7EF31}"/>
+                <a16:creationId xmlns:a16="http://schemas.microsoft.com/office/drawing/2014/main" id="{4EB5B540-0A14-5BDB-EA88-C4FE6AA7CD6B}"/>
               </a:ext>
             </a:extLst>
           </p:cNvPr>
@@ -4872,7 +5646,7 @@
           <a:p>
             <a:fld id="{4F4BDF5D-830C-4829-B676-EE421164B1C8}" type="slidenum">
               <a:rPr lang="en-CA" smtClean="0"/>
-              <a:t>13</a:t>
+              <a:t>15</a:t>
             </a:fld>
             <a:endParaRPr lang="en-CA"/>
           </a:p>
@@ -4886,7 +5660,7 @@
 </p:sld>
 </file>
 
-<file path=ppt/slides/slide14.xml><?xml version="1.0" encoding="utf-8"?>
+<file path=ppt/slides/slide16.xml><?xml version="1.0" encoding="utf-8"?>
 <p:sld xmlns:a="http://schemas.openxmlformats.org/drawingml/2006/main" xmlns:r="http://schemas.openxmlformats.org/officeDocument/2006/relationships" xmlns:p="http://schemas.openxmlformats.org/presentationml/2006/main">
   <p:cSld>
     <p:spTree>
@@ -4935,15 +5709,10 @@
           </p:cNvGraphicFramePr>
           <p:nvPr>
             <p:ph idx="1"/>
-            <p:extLst>
-              <p:ext uri="{D42A27DB-BD31-4B8C-83A1-F6EECF244321}">
-                <p14:modId xmlns:p14="http://schemas.microsoft.com/office/powerpoint/2010/main" val="1689003696"/>
-              </p:ext>
-            </p:extLst>
           </p:nvPr>
         </p:nvGraphicFramePr>
         <p:xfrm>
-          <a:off x="673100" y="2016125"/>
+          <a:off x="673100" y="2006600"/>
           <a:ext cx="10744200" cy="4297680"/>
         </p:xfrm>
         <a:graphic>
@@ -4975,7 +5744,7 @@
                   </a:extLst>
                 </a:gridCol>
               </a:tblGrid>
-              <a:tr h="268591">
+              <a:tr h="0">
                 <a:tc>
                   <a:txBody>
                     <a:bodyPr/>
@@ -5027,7 +5796,7 @@
                   </a:ext>
                 </a:extLst>
               </a:tr>
-              <a:tr h="671479">
+              <a:tr h="0">
                 <a:tc>
                   <a:txBody>
                     <a:bodyPr/>
@@ -5079,7 +5848,7 @@
                   </a:ext>
                 </a:extLst>
               </a:tr>
-              <a:tr h="470035">
+              <a:tr h="0">
                 <a:tc>
                   <a:txBody>
                     <a:bodyPr/>
@@ -5131,7 +5900,7 @@
                   </a:ext>
                 </a:extLst>
               </a:tr>
-              <a:tr h="1275810">
+              <a:tr h="0">
                 <a:tc>
                   <a:txBody>
                     <a:bodyPr/>
@@ -5171,7 +5940,6 @@
                         <a:buNone/>
                       </a:pPr>
                       <a:r>
-                        <a:rPr dirty="0"/>
                         <a:t>No for zero-shot learning. Yes for fine-tuning, though the number of ground truths required is often much smaller than what would be needed if you train the model from scratch</a:t>
                       </a:r>
                     </a:p>
@@ -5184,7 +5952,7 @@
                   </a:ext>
                 </a:extLst>
               </a:tr>
-              <a:tr h="470035">
+              <a:tr h="0">
                 <a:tc>
                   <a:txBody>
                     <a:bodyPr/>
@@ -5224,7 +5992,6 @@
                         <a:buNone/>
                       </a:pPr>
                       <a:r>
-                        <a:rPr dirty="0"/>
                         <a:t>Yes</a:t>
                       </a:r>
                     </a:p>
@@ -5246,7 +6013,7 @@
           <p:cNvPr id="3" name="Date Placeholder 2">
             <a:extLst>
               <a:ext uri="{FF2B5EF4-FFF2-40B4-BE49-F238E27FC236}">
-                <a16:creationId xmlns:a16="http://schemas.microsoft.com/office/drawing/2014/main" id="{8C3AA6F2-A396-0858-D1C3-8F69A2755B0A}"/>
+                <a16:creationId xmlns:a16="http://schemas.microsoft.com/office/drawing/2014/main" id="{3EC569BD-36F6-D7AC-9EA4-CEEBBE1AEFAB}"/>
               </a:ext>
             </a:extLst>
           </p:cNvPr>
@@ -5263,10 +6030,9 @@
           <a:lstStyle/>
           <a:p>
             <a:r>
-              <a:rPr lang="en-US"/>
-              <a:t>Februrary 2024</a:t>
-            </a:r>
-            <a:endParaRPr lang="en-CA"/>
+              <a:rPr lang="en-CA"/>
+              <a:t>February 2024</a:t>
+            </a:r>
           </a:p>
         </p:txBody>
       </p:sp>
@@ -5275,7 +6041,7 @@
           <p:cNvPr id="4" name="Footer Placeholder 3">
             <a:extLst>
               <a:ext uri="{FF2B5EF4-FFF2-40B4-BE49-F238E27FC236}">
-                <a16:creationId xmlns:a16="http://schemas.microsoft.com/office/drawing/2014/main" id="{BC37F507-B166-630B-EE3C-1E12A04ED73F}"/>
+                <a16:creationId xmlns:a16="http://schemas.microsoft.com/office/drawing/2014/main" id="{548DB0D0-73C0-FC8C-58C1-6BEFB9D9931C}"/>
               </a:ext>
             </a:extLst>
           </p:cNvPr>
@@ -5304,7 +6070,7 @@
           <p:cNvPr id="5" name="Slide Number Placeholder 4">
             <a:extLst>
               <a:ext uri="{FF2B5EF4-FFF2-40B4-BE49-F238E27FC236}">
-                <a16:creationId xmlns:a16="http://schemas.microsoft.com/office/drawing/2014/main" id="{161F9DE5-2D77-889C-9ED1-B9FC924B02A3}"/>
+                <a16:creationId xmlns:a16="http://schemas.microsoft.com/office/drawing/2014/main" id="{67FF3660-8C73-C08C-1E74-8A8DF1FB98B6}"/>
               </a:ext>
             </a:extLst>
           </p:cNvPr>
@@ -5322,7 +6088,7 @@
           <a:p>
             <a:fld id="{4F4BDF5D-830C-4829-B676-EE421164B1C8}" type="slidenum">
               <a:rPr lang="en-CA" smtClean="0"/>
-              <a:t>14</a:t>
+              <a:t>16</a:t>
             </a:fld>
             <a:endParaRPr lang="en-CA"/>
           </a:p>
@@ -5336,7 +6102,7 @@
 </p:sld>
 </file>
 
-<file path=ppt/slides/slide15.xml><?xml version="1.0" encoding="utf-8"?>
+<file path=ppt/slides/slide17.xml><?xml version="1.0" encoding="utf-8"?>
 <p:sld xmlns:a="http://schemas.openxmlformats.org/drawingml/2006/main" xmlns:r="http://schemas.openxmlformats.org/officeDocument/2006/relationships" xmlns:p="http://schemas.openxmlformats.org/presentationml/2006/main">
   <p:cSld>
     <p:spTree>
@@ -5507,7 +6273,7 @@
           <p:cNvPr id="6" name="Date Placeholder 5">
             <a:extLst>
               <a:ext uri="{FF2B5EF4-FFF2-40B4-BE49-F238E27FC236}">
-                <a16:creationId xmlns:a16="http://schemas.microsoft.com/office/drawing/2014/main" id="{ED828932-EFFB-9579-CB28-6ACA9BC5A5E0}"/>
+                <a16:creationId xmlns:a16="http://schemas.microsoft.com/office/drawing/2014/main" id="{56A54D44-A078-51C2-30D0-F2FDFCD812E7}"/>
               </a:ext>
             </a:extLst>
           </p:cNvPr>
@@ -5524,10 +6290,9 @@
           <a:lstStyle/>
           <a:p>
             <a:r>
-              <a:rPr lang="en-US"/>
-              <a:t>Februrary 2024</a:t>
-            </a:r>
-            <a:endParaRPr lang="en-CA"/>
+              <a:rPr lang="en-CA"/>
+              <a:t>February 2024</a:t>
+            </a:r>
           </a:p>
         </p:txBody>
       </p:sp>
@@ -5536,7 +6301,7 @@
           <p:cNvPr id="7" name="Footer Placeholder 6">
             <a:extLst>
               <a:ext uri="{FF2B5EF4-FFF2-40B4-BE49-F238E27FC236}">
-                <a16:creationId xmlns:a16="http://schemas.microsoft.com/office/drawing/2014/main" id="{6FFA8DD4-AB7E-A2F3-3322-510336AC0BC4}"/>
+                <a16:creationId xmlns:a16="http://schemas.microsoft.com/office/drawing/2014/main" id="{60C90A31-1D4E-A8A6-299D-11E06D9FA704}"/>
               </a:ext>
             </a:extLst>
           </p:cNvPr>
@@ -5565,392 +6330,7 @@
           <p:cNvPr id="8" name="Slide Number Placeholder 7">
             <a:extLst>
               <a:ext uri="{FF2B5EF4-FFF2-40B4-BE49-F238E27FC236}">
-                <a16:creationId xmlns:a16="http://schemas.microsoft.com/office/drawing/2014/main" id="{A2FFE1EB-B81A-58BF-66EB-3FB9BD83F0FD}"/>
-              </a:ext>
-            </a:extLst>
-          </p:cNvPr>
-          <p:cNvSpPr>
-            <a:spLocks noGrp="1"/>
-          </p:cNvSpPr>
-          <p:nvPr>
-            <p:ph type="sldNum" sz="quarter" idx="12"/>
-          </p:nvPr>
-        </p:nvSpPr>
-        <p:spPr/>
-        <p:txBody>
-          <a:bodyPr/>
-          <a:lstStyle/>
-          <a:p>
-            <a:fld id="{4F4BDF5D-830C-4829-B676-EE421164B1C8}" type="slidenum">
-              <a:rPr lang="en-CA" smtClean="0"/>
-              <a:t>15</a:t>
-            </a:fld>
-            <a:endParaRPr lang="en-CA"/>
-          </a:p>
-        </p:txBody>
-      </p:sp>
-    </p:spTree>
-  </p:cSld>
-  <p:clrMapOvr>
-    <a:masterClrMapping/>
-  </p:clrMapOvr>
-</p:sld>
-</file>
-
-<file path=ppt/slides/slide16.xml><?xml version="1.0" encoding="utf-8"?>
-<p:sld xmlns:a="http://schemas.openxmlformats.org/drawingml/2006/main" xmlns:r="http://schemas.openxmlformats.org/officeDocument/2006/relationships" xmlns:p="http://schemas.openxmlformats.org/presentationml/2006/main">
-  <p:cSld>
-    <p:spTree>
-      <p:nvGrpSpPr>
-        <p:cNvPr id="1" name=""/>
-        <p:cNvGrpSpPr/>
-        <p:nvPr/>
-      </p:nvGrpSpPr>
-      <p:grpSpPr>
-        <a:xfrm>
-          <a:off x="0" y="0"/>
-          <a:ext cx="0" cy="0"/>
-          <a:chOff x="0" y="0"/>
-          <a:chExt cx="0" cy="0"/>
-        </a:xfrm>
-      </p:grpSpPr>
-      <p:sp>
-        <p:nvSpPr>
-          <p:cNvPr id="2" name="Title 1"/>
-          <p:cNvSpPr>
-            <a:spLocks noGrp="1"/>
-          </p:cNvSpPr>
-          <p:nvPr>
-            <p:ph type="title"/>
-          </p:nvPr>
-        </p:nvSpPr>
-        <p:spPr/>
-        <p:txBody>
-          <a:bodyPr/>
-          <a:lstStyle/>
-          <a:p>
-            <a:pPr marL="0" lvl="0" indent="0">
-              <a:buNone/>
-            </a:pPr>
-            <a:r>
-              <a:t>Semi-Supervision</a:t>
-            </a:r>
-          </a:p>
-        </p:txBody>
-      </p:sp>
-      <p:sp>
-        <p:nvSpPr>
-          <p:cNvPr id="3" name="Content Placeholder 2"/>
-          <p:cNvSpPr>
-            <a:spLocks noGrp="1"/>
-          </p:cNvSpPr>
-          <p:nvPr>
-            <p:ph sz="half" idx="1"/>
-          </p:nvPr>
-        </p:nvSpPr>
-        <p:spPr/>
-        <p:txBody>
-          <a:bodyPr>
-            <a:normAutofit fontScale="77500" lnSpcReduction="20000"/>
-          </a:bodyPr>
-          <a:lstStyle/>
-          <a:p>
-            <a:pPr lvl="0"/>
-            <a:r>
-              <a:t>Leverages structural assumptions to generate new labels based on a small set of initial labels.</a:t>
-            </a:r>
-          </a:p>
-          <a:p>
-            <a:pPr lvl="0"/>
-            <a:r>
-              <a:t>Useful when the number of labels is limited.</a:t>
-            </a:r>
-          </a:p>
-          <a:p>
-            <a:pPr lvl="0"/>
-            <a:r>
-              <a:t>Approach 1: self-training.</a:t>
-            </a:r>
-          </a:p>
-          <a:p>
-            <a:pPr lvl="1"/>
-            <a:r>
-              <a:t>Train a model on an existing set of labelled data.</a:t>
-            </a:r>
-          </a:p>
-          <a:p>
-            <a:pPr lvl="1"/>
-            <a:r>
-              <a:t>Make predictions for unlabeled samples; keep only the ones with high raw probability scores.4</a:t>
-            </a:r>
-          </a:p>
-          <a:p>
-            <a:pPr lvl="1"/>
-            <a:r>
-              <a:t>Train a new model on an expanded set of labels.</a:t>
-            </a:r>
-          </a:p>
-        </p:txBody>
-      </p:sp>
-      <p:sp>
-        <p:nvSpPr>
-          <p:cNvPr id="4" name="Content Placeholder 3"/>
-          <p:cNvSpPr>
-            <a:spLocks noGrp="1"/>
-          </p:cNvSpPr>
-          <p:nvPr>
-            <p:ph sz="half" idx="2"/>
-          </p:nvPr>
-        </p:nvSpPr>
-        <p:spPr/>
-        <p:txBody>
-          <a:bodyPr>
-            <a:normAutofit fontScale="77500" lnSpcReduction="20000"/>
-          </a:bodyPr>
-          <a:lstStyle/>
-          <a:p>
-            <a:pPr lvl="0"/>
-            <a:r>
-              <a:t>Approach 2: similarity.</a:t>
-            </a:r>
-          </a:p>
-          <a:p>
-            <a:pPr lvl="1"/>
-            <a:r>
-              <a:t>Assume that data samples that share similar characteristics share the same labels.</a:t>
-            </a:r>
-          </a:p>
-          <a:p>
-            <a:pPr lvl="1"/>
-            <a:r>
-              <a:t>Similarity is established by more complex methods (clustering, k-nn, etc.)</a:t>
-            </a:r>
-          </a:p>
-          <a:p>
-            <a:pPr lvl="0"/>
-            <a:r>
-              <a:t>Approach 3: perturbation.</a:t>
-            </a:r>
-          </a:p>
-          <a:p>
-            <a:pPr lvl="1"/>
-            <a:r>
-              <a:t>Assume that small perturbations to a sample do not change its label.</a:t>
-            </a:r>
-          </a:p>
-          <a:p>
-            <a:pPr lvl="1"/>
-            <a:r>
-              <a:t>Apply small perturbations to your training instances to obtain new training instances.</a:t>
-            </a:r>
-          </a:p>
-        </p:txBody>
-      </p:sp>
-      <p:sp>
-        <p:nvSpPr>
-          <p:cNvPr id="5" name="Date Placeholder 4">
-            <a:extLst>
-              <a:ext uri="{FF2B5EF4-FFF2-40B4-BE49-F238E27FC236}">
-                <a16:creationId xmlns:a16="http://schemas.microsoft.com/office/drawing/2014/main" id="{E1D5C558-6841-1B34-31BB-FCD7A9AD7D17}"/>
-              </a:ext>
-            </a:extLst>
-          </p:cNvPr>
-          <p:cNvSpPr>
-            <a:spLocks noGrp="1"/>
-          </p:cNvSpPr>
-          <p:nvPr>
-            <p:ph type="dt" sz="half" idx="10"/>
-          </p:nvPr>
-        </p:nvSpPr>
-        <p:spPr/>
-        <p:txBody>
-          <a:bodyPr/>
-          <a:lstStyle/>
-          <a:p>
-            <a:r>
-              <a:rPr lang="en-US"/>
-              <a:t>Februrary 2024</a:t>
-            </a:r>
-            <a:endParaRPr lang="en-CA"/>
-          </a:p>
-        </p:txBody>
-      </p:sp>
-      <p:sp>
-        <p:nvSpPr>
-          <p:cNvPr id="6" name="Footer Placeholder 5">
-            <a:extLst>
-              <a:ext uri="{FF2B5EF4-FFF2-40B4-BE49-F238E27FC236}">
-                <a16:creationId xmlns:a16="http://schemas.microsoft.com/office/drawing/2014/main" id="{DADC41A2-803D-D11F-7EA8-A345A56B7710}"/>
-              </a:ext>
-            </a:extLst>
-          </p:cNvPr>
-          <p:cNvSpPr>
-            <a:spLocks noGrp="1"/>
-          </p:cNvSpPr>
-          <p:nvPr>
-            <p:ph type="ftr" sz="quarter" idx="11"/>
-          </p:nvPr>
-        </p:nvSpPr>
-        <p:spPr/>
-        <p:txBody>
-          <a:bodyPr/>
-          <a:lstStyle/>
-          <a:p>
-            <a:r>
-              <a:rPr lang="en-US"/>
-              <a:t>Production 3 - Working with Training Data</a:t>
-            </a:r>
-            <a:endParaRPr lang="en-CA"/>
-          </a:p>
-        </p:txBody>
-      </p:sp>
-      <p:sp>
-        <p:nvSpPr>
-          <p:cNvPr id="7" name="Slide Number Placeholder 6">
-            <a:extLst>
-              <a:ext uri="{FF2B5EF4-FFF2-40B4-BE49-F238E27FC236}">
-                <a16:creationId xmlns:a16="http://schemas.microsoft.com/office/drawing/2014/main" id="{76892A2A-8603-5699-A0BE-15380D6138FE}"/>
-              </a:ext>
-            </a:extLst>
-          </p:cNvPr>
-          <p:cNvSpPr>
-            <a:spLocks noGrp="1"/>
-          </p:cNvSpPr>
-          <p:nvPr>
-            <p:ph type="sldNum" sz="quarter" idx="12"/>
-          </p:nvPr>
-        </p:nvSpPr>
-        <p:spPr/>
-        <p:txBody>
-          <a:bodyPr/>
-          <a:lstStyle/>
-          <a:p>
-            <a:fld id="{4F4BDF5D-830C-4829-B676-EE421164B1C8}" type="slidenum">
-              <a:rPr lang="en-CA" smtClean="0"/>
-              <a:t>16</a:t>
-            </a:fld>
-            <a:endParaRPr lang="en-CA"/>
-          </a:p>
-        </p:txBody>
-      </p:sp>
-    </p:spTree>
-  </p:cSld>
-  <p:clrMapOvr>
-    <a:masterClrMapping/>
-  </p:clrMapOvr>
-</p:sld>
-</file>
-
-<file path=ppt/slides/slide17.xml><?xml version="1.0" encoding="utf-8"?>
-<p:sld xmlns:a="http://schemas.openxmlformats.org/drawingml/2006/main" xmlns:r="http://schemas.openxmlformats.org/officeDocument/2006/relationships" xmlns:p="http://schemas.openxmlformats.org/presentationml/2006/main">
-  <p:cSld>
-    <p:spTree>
-      <p:nvGrpSpPr>
-        <p:cNvPr id="1" name=""/>
-        <p:cNvGrpSpPr/>
-        <p:nvPr/>
-      </p:nvGrpSpPr>
-      <p:grpSpPr>
-        <a:xfrm>
-          <a:off x="0" y="0"/>
-          <a:ext cx="0" cy="0"/>
-          <a:chOff x="0" y="0"/>
-          <a:chExt cx="0" cy="0"/>
-        </a:xfrm>
-      </p:grpSpPr>
-      <p:sp>
-        <p:nvSpPr>
-          <p:cNvPr id="2" name="Title 1"/>
-          <p:cNvSpPr>
-            <a:spLocks noGrp="1"/>
-          </p:cNvSpPr>
-          <p:nvPr>
-            <p:ph type="title"/>
-          </p:nvPr>
-        </p:nvSpPr>
-        <p:spPr>
-          <a:xfrm>
-            <a:off x="603504" y="767419"/>
-            <a:ext cx="10780776" cy="3355848"/>
-          </a:xfrm>
-        </p:spPr>
-        <p:txBody>
-          <a:bodyPr/>
-          <a:lstStyle/>
-          <a:p>
-            <a:pPr marL="0" lvl="0" indent="0">
-              <a:buNone/>
-            </a:pPr>
-            <a:r>
-              <a:t>Class Imbalance</a:t>
-            </a:r>
-          </a:p>
-        </p:txBody>
-      </p:sp>
-      <p:sp>
-        <p:nvSpPr>
-          <p:cNvPr id="3" name="Date Placeholder 2">
-            <a:extLst>
-              <a:ext uri="{FF2B5EF4-FFF2-40B4-BE49-F238E27FC236}">
-                <a16:creationId xmlns:a16="http://schemas.microsoft.com/office/drawing/2014/main" id="{E763B640-4B9C-C42F-F739-94D79C7D4BAA}"/>
-              </a:ext>
-            </a:extLst>
-          </p:cNvPr>
-          <p:cNvSpPr>
-            <a:spLocks noGrp="1"/>
-          </p:cNvSpPr>
-          <p:nvPr>
-            <p:ph type="dt" sz="half" idx="10"/>
-          </p:nvPr>
-        </p:nvSpPr>
-        <p:spPr/>
-        <p:txBody>
-          <a:bodyPr/>
-          <a:lstStyle/>
-          <a:p>
-            <a:r>
-              <a:rPr lang="en-US"/>
-              <a:t>Februrary 2024</a:t>
-            </a:r>
-            <a:endParaRPr lang="en-CA"/>
-          </a:p>
-        </p:txBody>
-      </p:sp>
-      <p:sp>
-        <p:nvSpPr>
-          <p:cNvPr id="4" name="Footer Placeholder 3">
-            <a:extLst>
-              <a:ext uri="{FF2B5EF4-FFF2-40B4-BE49-F238E27FC236}">
-                <a16:creationId xmlns:a16="http://schemas.microsoft.com/office/drawing/2014/main" id="{78CDAFB0-9013-D3D6-1CC0-9477C3ACD214}"/>
-              </a:ext>
-            </a:extLst>
-          </p:cNvPr>
-          <p:cNvSpPr>
-            <a:spLocks noGrp="1"/>
-          </p:cNvSpPr>
-          <p:nvPr>
-            <p:ph type="ftr" sz="quarter" idx="11"/>
-          </p:nvPr>
-        </p:nvSpPr>
-        <p:spPr/>
-        <p:txBody>
-          <a:bodyPr/>
-          <a:lstStyle/>
-          <a:p>
-            <a:r>
-              <a:rPr lang="en-US"/>
-              <a:t>Production 3 - Working with Training Data</a:t>
-            </a:r>
-            <a:endParaRPr lang="en-CA"/>
-          </a:p>
-        </p:txBody>
-      </p:sp>
-      <p:sp>
-        <p:nvSpPr>
-          <p:cNvPr id="5" name="Slide Number Placeholder 4">
-            <a:extLst>
-              <a:ext uri="{FF2B5EF4-FFF2-40B4-BE49-F238E27FC236}">
-                <a16:creationId xmlns:a16="http://schemas.microsoft.com/office/drawing/2014/main" id="{2B19B7F4-CBFE-DF99-3195-6CD0972F087F}"/>
+                <a16:creationId xmlns:a16="http://schemas.microsoft.com/office/drawing/2014/main" id="{46BC4E10-4406-23AD-0B7C-E57690BBB376}"/>
               </a:ext>
             </a:extLst>
           </p:cNvPr>
@@ -6018,7 +6398,7 @@
               <a:buNone/>
             </a:pPr>
             <a:r>
-              <a:t>What is Class Imbalance?</a:t>
+              <a:t>Semi-Supervision</a:t>
             </a:r>
           </a:p>
         </p:txBody>
@@ -6030,95 +6410,113 @@
             <a:spLocks noGrp="1"/>
           </p:cNvSpPr>
           <p:nvPr>
-            <p:ph idx="1"/>
+            <p:ph sz="half" idx="1"/>
           </p:nvPr>
         </p:nvSpPr>
         <p:spPr/>
         <p:txBody>
           <a:bodyPr>
-            <a:normAutofit fontScale="92500" lnSpcReduction="10000"/>
+            <a:normAutofit fontScale="77500" lnSpcReduction="20000"/>
           </a:bodyPr>
           <a:lstStyle/>
           <a:p>
             <a:pPr lvl="0"/>
             <a:r>
-              <a:t>Class imbalance occurs when one or more classes have significantly lower proportions in the data than other classes.</a:t>
+              <a:t>Leverages structural assumptions to generate new labels based on a small set of initial labels.</a:t>
             </a:r>
           </a:p>
           <a:p>
             <a:pPr lvl="0"/>
             <a:r>
-              <a:t>The majority class dominates, but interest is generally in the minority class (e.g., default, fraud, or market crash).</a:t>
+              <a:t>Useful when the number of labels is limited.</a:t>
             </a:r>
           </a:p>
           <a:p>
             <a:pPr lvl="0"/>
             <a:r>
-              <a:t>Models trained on imbalanced data will tend to be under-fitted; they will not be able to classify the minority class successfully.</a:t>
-            </a:r>
-          </a:p>
+              <a:t>Approach 1: self-training.</a:t>
+            </a:r>
+          </a:p>
+          <a:p>
+            <a:pPr lvl="1"/>
+            <a:r>
+              <a:t>Train a model on an existing set of labelled data.</a:t>
+            </a:r>
+          </a:p>
+          <a:p>
+            <a:pPr lvl="1"/>
+            <a:r>
+              <a:t>Make predictions for unlabeled samples; keep only the ones with high raw probability scores.</a:t>
+            </a:r>
+          </a:p>
+          <a:p>
+            <a:pPr lvl="1"/>
+            <a:r>
+              <a:t>Train a new model on an expanded set of labels.</a:t>
+            </a:r>
+          </a:p>
+        </p:txBody>
+      </p:sp>
+      <p:sp>
+        <p:nvSpPr>
+          <p:cNvPr id="4" name="Content Placeholder 3"/>
+          <p:cNvSpPr>
+            <a:spLocks noGrp="1"/>
+          </p:cNvSpPr>
+          <p:nvPr>
+            <p:ph sz="half" idx="2"/>
+          </p:nvPr>
+        </p:nvSpPr>
+        <p:spPr/>
+        <p:txBody>
+          <a:bodyPr>
+            <a:normAutofit fontScale="77500" lnSpcReduction="20000"/>
+          </a:bodyPr>
+          <a:lstStyle/>
           <a:p>
             <a:pPr lvl="0"/>
             <a:r>
-              <a:t>ML (particularly deep learning) works well when the class distribution is balanced. At the same time, performance decreases with class imbalance because:</a:t>
+              <a:t>Approach 2: similarity.</a:t>
             </a:r>
           </a:p>
           <a:p>
             <a:pPr lvl="1"/>
             <a:r>
-              <a:t>There is insufficient signal for the model to learn to detect the minority class.</a:t>
+              <a:t>Assume that data samples that share similar characteristics share the same labels.</a:t>
             </a:r>
           </a:p>
           <a:p>
             <a:pPr lvl="1"/>
             <a:r>
-              <a:t>It is easier for a model to find a suboptimal solution by exploiting a simple heuristic instead of learning anything useful about the underlying pattern.</a:t>
+              <a:t>Similarity is established by more complex methods (clustering, k-nn, etc.)</a:t>
+            </a:r>
+          </a:p>
+          <a:p>
+            <a:pPr lvl="0"/>
+            <a:r>
+              <a:t>Approach 3: perturbation.</a:t>
             </a:r>
           </a:p>
           <a:p>
             <a:pPr lvl="1"/>
             <a:r>
-              <a:t>Asymmetric costs of error.</a:t>
-            </a:r>
-          </a:p>
-          <a:p>
-            <a:pPr lvl="0"/>
-            <a:r>
-              <a:t>Class imbalance is the norm in many subject domains.</a:t>
-            </a:r>
-          </a:p>
-          <a:p>
-            <a:pPr lvl="0"/>
-            <a:r>
-              <a:t>To handle class imbalance:</a:t>
+              <a:t>Assume that small perturbations to a sample do not change its label.</a:t>
             </a:r>
           </a:p>
           <a:p>
             <a:pPr lvl="1"/>
             <a:r>
-              <a:t>Choose the right performance metric.</a:t>
-            </a:r>
-          </a:p>
-          <a:p>
-            <a:pPr lvl="1"/>
-            <a:r>
-              <a:t>Data-level methods: change the data distribution to reduce the imbalance.</a:t>
-            </a:r>
-          </a:p>
-          <a:p>
-            <a:pPr lvl="1"/>
-            <a:r>
-              <a:t>Algorithm level methods: change the learning method to make it more robust to class imbalance.</a:t>
-            </a:r>
-          </a:p>
-        </p:txBody>
-      </p:sp>
-      <p:sp>
-        <p:nvSpPr>
-          <p:cNvPr id="4" name="Date Placeholder 3">
+              <a:t>Apply small perturbations to your training instances to obtain new training instances.</a:t>
+            </a:r>
+          </a:p>
+        </p:txBody>
+      </p:sp>
+      <p:sp>
+        <p:nvSpPr>
+          <p:cNvPr id="5" name="Date Placeholder 4">
             <a:extLst>
               <a:ext uri="{FF2B5EF4-FFF2-40B4-BE49-F238E27FC236}">
-                <a16:creationId xmlns:a16="http://schemas.microsoft.com/office/drawing/2014/main" id="{1A83B90B-6FF4-698C-0955-06B7DA325FBE}"/>
+                <a16:creationId xmlns:a16="http://schemas.microsoft.com/office/drawing/2014/main" id="{4B76C57D-FEAA-1ACC-98AA-B260ABDBE33C}"/>
               </a:ext>
             </a:extLst>
           </p:cNvPr>
@@ -6135,19 +6533,18 @@
           <a:lstStyle/>
           <a:p>
             <a:r>
-              <a:rPr lang="en-US"/>
-              <a:t>Februrary 2024</a:t>
-            </a:r>
-            <a:endParaRPr lang="en-CA"/>
-          </a:p>
-        </p:txBody>
-      </p:sp>
-      <p:sp>
-        <p:nvSpPr>
-          <p:cNvPr id="5" name="Footer Placeholder 4">
+              <a:rPr lang="en-CA"/>
+              <a:t>February 2024</a:t>
+            </a:r>
+          </a:p>
+        </p:txBody>
+      </p:sp>
+      <p:sp>
+        <p:nvSpPr>
+          <p:cNvPr id="6" name="Footer Placeholder 5">
             <a:extLst>
               <a:ext uri="{FF2B5EF4-FFF2-40B4-BE49-F238E27FC236}">
-                <a16:creationId xmlns:a16="http://schemas.microsoft.com/office/drawing/2014/main" id="{F53346B2-4AFC-213F-4C49-ACF89DF83F14}"/>
+                <a16:creationId xmlns:a16="http://schemas.microsoft.com/office/drawing/2014/main" id="{A0BB84A5-209C-E3EA-2A80-B6C41A611370}"/>
               </a:ext>
             </a:extLst>
           </p:cNvPr>
@@ -6173,10 +6570,10 @@
       </p:sp>
       <p:sp>
         <p:nvSpPr>
-          <p:cNvPr id="6" name="Slide Number Placeholder 5">
+          <p:cNvPr id="7" name="Slide Number Placeholder 6">
             <a:extLst>
               <a:ext uri="{FF2B5EF4-FFF2-40B4-BE49-F238E27FC236}">
-                <a16:creationId xmlns:a16="http://schemas.microsoft.com/office/drawing/2014/main" id="{A0F6E722-A988-4E01-59CD-6A836E33612C}"/>
+                <a16:creationId xmlns:a16="http://schemas.microsoft.com/office/drawing/2014/main" id="{43CAEDE7-40A6-A602-CCB9-39AE52570F4B}"/>
               </a:ext>
             </a:extLst>
           </p:cNvPr>
@@ -6209,6 +6606,511 @@
 </file>
 
 <file path=ppt/slides/slide19.xml><?xml version="1.0" encoding="utf-8"?>
+<p:sld xmlns:a="http://schemas.openxmlformats.org/drawingml/2006/main" xmlns:r="http://schemas.openxmlformats.org/officeDocument/2006/relationships" xmlns:p="http://schemas.openxmlformats.org/presentationml/2006/main">
+  <p:cSld>
+    <p:spTree>
+      <p:nvGrpSpPr>
+        <p:cNvPr id="1" name=""/>
+        <p:cNvGrpSpPr/>
+        <p:nvPr/>
+      </p:nvGrpSpPr>
+      <p:grpSpPr>
+        <a:xfrm>
+          <a:off x="0" y="0"/>
+          <a:ext cx="0" cy="0"/>
+          <a:chOff x="0" y="0"/>
+          <a:chExt cx="0" cy="0"/>
+        </a:xfrm>
+      </p:grpSpPr>
+      <p:sp>
+        <p:nvSpPr>
+          <p:cNvPr id="2" name="Title 1"/>
+          <p:cNvSpPr>
+            <a:spLocks noGrp="1"/>
+          </p:cNvSpPr>
+          <p:nvPr>
+            <p:ph type="title"/>
+          </p:nvPr>
+        </p:nvSpPr>
+        <p:spPr>
+          <a:xfrm>
+            <a:off x="603504" y="767419"/>
+            <a:ext cx="10780776" cy="3355848"/>
+          </a:xfrm>
+        </p:spPr>
+        <p:txBody>
+          <a:bodyPr/>
+          <a:lstStyle/>
+          <a:p>
+            <a:pPr marL="0" lvl="0" indent="0">
+              <a:buNone/>
+            </a:pPr>
+            <a:r>
+              <a:t>Class Imbalance</a:t>
+            </a:r>
+          </a:p>
+        </p:txBody>
+      </p:sp>
+      <p:sp>
+        <p:nvSpPr>
+          <p:cNvPr id="3" name="Date Placeholder 2">
+            <a:extLst>
+              <a:ext uri="{FF2B5EF4-FFF2-40B4-BE49-F238E27FC236}">
+                <a16:creationId xmlns:a16="http://schemas.microsoft.com/office/drawing/2014/main" id="{0F952E47-E2C3-930D-A96D-25B2990F74D9}"/>
+              </a:ext>
+            </a:extLst>
+          </p:cNvPr>
+          <p:cNvSpPr>
+            <a:spLocks noGrp="1"/>
+          </p:cNvSpPr>
+          <p:nvPr>
+            <p:ph type="dt" sz="half" idx="10"/>
+          </p:nvPr>
+        </p:nvSpPr>
+        <p:spPr/>
+        <p:txBody>
+          <a:bodyPr/>
+          <a:lstStyle/>
+          <a:p>
+            <a:r>
+              <a:rPr lang="en-CA"/>
+              <a:t>February 2024</a:t>
+            </a:r>
+          </a:p>
+        </p:txBody>
+      </p:sp>
+      <p:sp>
+        <p:nvSpPr>
+          <p:cNvPr id="4" name="Footer Placeholder 3">
+            <a:extLst>
+              <a:ext uri="{FF2B5EF4-FFF2-40B4-BE49-F238E27FC236}">
+                <a16:creationId xmlns:a16="http://schemas.microsoft.com/office/drawing/2014/main" id="{A156EA69-4498-5D28-0AC5-A364E92DAF06}"/>
+              </a:ext>
+            </a:extLst>
+          </p:cNvPr>
+          <p:cNvSpPr>
+            <a:spLocks noGrp="1"/>
+          </p:cNvSpPr>
+          <p:nvPr>
+            <p:ph type="ftr" sz="quarter" idx="11"/>
+          </p:nvPr>
+        </p:nvSpPr>
+        <p:spPr/>
+        <p:txBody>
+          <a:bodyPr/>
+          <a:lstStyle/>
+          <a:p>
+            <a:r>
+              <a:rPr lang="en-US"/>
+              <a:t>Production 3 - Working with Training Data</a:t>
+            </a:r>
+            <a:endParaRPr lang="en-CA"/>
+          </a:p>
+        </p:txBody>
+      </p:sp>
+      <p:sp>
+        <p:nvSpPr>
+          <p:cNvPr id="5" name="Slide Number Placeholder 4">
+            <a:extLst>
+              <a:ext uri="{FF2B5EF4-FFF2-40B4-BE49-F238E27FC236}">
+                <a16:creationId xmlns:a16="http://schemas.microsoft.com/office/drawing/2014/main" id="{A4840E74-A8D5-420D-5581-EB619B9D18E8}"/>
+              </a:ext>
+            </a:extLst>
+          </p:cNvPr>
+          <p:cNvSpPr>
+            <a:spLocks noGrp="1"/>
+          </p:cNvSpPr>
+          <p:nvPr>
+            <p:ph type="sldNum" sz="quarter" idx="12"/>
+          </p:nvPr>
+        </p:nvSpPr>
+        <p:spPr/>
+        <p:txBody>
+          <a:bodyPr/>
+          <a:lstStyle/>
+          <a:p>
+            <a:fld id="{4F4BDF5D-830C-4829-B676-EE421164B1C8}" type="slidenum">
+              <a:rPr lang="en-CA" smtClean="0"/>
+              <a:t>19</a:t>
+            </a:fld>
+            <a:endParaRPr lang="en-CA"/>
+          </a:p>
+        </p:txBody>
+      </p:sp>
+    </p:spTree>
+  </p:cSld>
+  <p:clrMapOvr>
+    <a:masterClrMapping/>
+  </p:clrMapOvr>
+</p:sld>
+</file>
+
+<file path=ppt/slides/slide2.xml><?xml version="1.0" encoding="utf-8"?>
+<p:sld xmlns:a="http://schemas.openxmlformats.org/drawingml/2006/main" xmlns:r="http://schemas.openxmlformats.org/officeDocument/2006/relationships" xmlns:p="http://schemas.openxmlformats.org/presentationml/2006/main">
+  <p:cSld>
+    <p:spTree>
+      <p:nvGrpSpPr>
+        <p:cNvPr id="1" name=""/>
+        <p:cNvGrpSpPr/>
+        <p:nvPr/>
+      </p:nvGrpSpPr>
+      <p:grpSpPr>
+        <a:xfrm>
+          <a:off x="0" y="0"/>
+          <a:ext cx="0" cy="0"/>
+          <a:chOff x="0" y="0"/>
+          <a:chExt cx="0" cy="0"/>
+        </a:xfrm>
+      </p:grpSpPr>
+      <p:sp>
+        <p:nvSpPr>
+          <p:cNvPr id="2" name="Title 1"/>
+          <p:cNvSpPr>
+            <a:spLocks noGrp="1"/>
+          </p:cNvSpPr>
+          <p:nvPr>
+            <p:ph type="title"/>
+          </p:nvPr>
+        </p:nvSpPr>
+        <p:spPr>
+          <a:xfrm>
+            <a:off x="603504" y="767419"/>
+            <a:ext cx="10780776" cy="3355848"/>
+          </a:xfrm>
+        </p:spPr>
+        <p:txBody>
+          <a:bodyPr/>
+          <a:lstStyle/>
+          <a:p>
+            <a:pPr marL="0" lvl="0" indent="0">
+              <a:buNone/>
+            </a:pPr>
+            <a:r>
+              <a:t>Introduction</a:t>
+            </a:r>
+          </a:p>
+        </p:txBody>
+      </p:sp>
+      <p:sp>
+        <p:nvSpPr>
+          <p:cNvPr id="3" name="Date Placeholder 2">
+            <a:extLst>
+              <a:ext uri="{FF2B5EF4-FFF2-40B4-BE49-F238E27FC236}">
+                <a16:creationId xmlns:a16="http://schemas.microsoft.com/office/drawing/2014/main" id="{6CB8787F-81A9-75A4-789A-5BB714531569}"/>
+              </a:ext>
+            </a:extLst>
+          </p:cNvPr>
+          <p:cNvSpPr>
+            <a:spLocks noGrp="1"/>
+          </p:cNvSpPr>
+          <p:nvPr>
+            <p:ph type="dt" sz="half" idx="10"/>
+          </p:nvPr>
+        </p:nvSpPr>
+        <p:spPr/>
+        <p:txBody>
+          <a:bodyPr/>
+          <a:lstStyle/>
+          <a:p>
+            <a:r>
+              <a:rPr lang="en-CA"/>
+              <a:t>February 2024</a:t>
+            </a:r>
+          </a:p>
+        </p:txBody>
+      </p:sp>
+      <p:sp>
+        <p:nvSpPr>
+          <p:cNvPr id="4" name="Footer Placeholder 3">
+            <a:extLst>
+              <a:ext uri="{FF2B5EF4-FFF2-40B4-BE49-F238E27FC236}">
+                <a16:creationId xmlns:a16="http://schemas.microsoft.com/office/drawing/2014/main" id="{ACF22622-D62C-D0E2-01FE-71A16EAF2FC0}"/>
+              </a:ext>
+            </a:extLst>
+          </p:cNvPr>
+          <p:cNvSpPr>
+            <a:spLocks noGrp="1"/>
+          </p:cNvSpPr>
+          <p:nvPr>
+            <p:ph type="ftr" sz="quarter" idx="11"/>
+          </p:nvPr>
+        </p:nvSpPr>
+        <p:spPr/>
+        <p:txBody>
+          <a:bodyPr/>
+          <a:lstStyle/>
+          <a:p>
+            <a:r>
+              <a:rPr lang="en-US"/>
+              <a:t>Production 3 - Working with Training Data</a:t>
+            </a:r>
+            <a:endParaRPr lang="en-CA"/>
+          </a:p>
+        </p:txBody>
+      </p:sp>
+      <p:sp>
+        <p:nvSpPr>
+          <p:cNvPr id="5" name="Slide Number Placeholder 4">
+            <a:extLst>
+              <a:ext uri="{FF2B5EF4-FFF2-40B4-BE49-F238E27FC236}">
+                <a16:creationId xmlns:a16="http://schemas.microsoft.com/office/drawing/2014/main" id="{DD9BD2FE-7899-3341-A4C1-9A2964A28C44}"/>
+              </a:ext>
+            </a:extLst>
+          </p:cNvPr>
+          <p:cNvSpPr>
+            <a:spLocks noGrp="1"/>
+          </p:cNvSpPr>
+          <p:nvPr>
+            <p:ph type="sldNum" sz="quarter" idx="12"/>
+          </p:nvPr>
+        </p:nvSpPr>
+        <p:spPr/>
+        <p:txBody>
+          <a:bodyPr/>
+          <a:lstStyle/>
+          <a:p>
+            <a:fld id="{4F4BDF5D-830C-4829-B676-EE421164B1C8}" type="slidenum">
+              <a:rPr lang="en-CA" smtClean="0"/>
+              <a:t>2</a:t>
+            </a:fld>
+            <a:endParaRPr lang="en-CA"/>
+          </a:p>
+        </p:txBody>
+      </p:sp>
+    </p:spTree>
+  </p:cSld>
+  <p:clrMapOvr>
+    <a:masterClrMapping/>
+  </p:clrMapOvr>
+</p:sld>
+</file>
+
+<file path=ppt/slides/slide20.xml><?xml version="1.0" encoding="utf-8"?>
+<p:sld xmlns:a="http://schemas.openxmlformats.org/drawingml/2006/main" xmlns:r="http://schemas.openxmlformats.org/officeDocument/2006/relationships" xmlns:p="http://schemas.openxmlformats.org/presentationml/2006/main">
+  <p:cSld>
+    <p:spTree>
+      <p:nvGrpSpPr>
+        <p:cNvPr id="1" name=""/>
+        <p:cNvGrpSpPr/>
+        <p:nvPr/>
+      </p:nvGrpSpPr>
+      <p:grpSpPr>
+        <a:xfrm>
+          <a:off x="0" y="0"/>
+          <a:ext cx="0" cy="0"/>
+          <a:chOff x="0" y="0"/>
+          <a:chExt cx="0" cy="0"/>
+        </a:xfrm>
+      </p:grpSpPr>
+      <p:sp>
+        <p:nvSpPr>
+          <p:cNvPr id="2" name="Title 1"/>
+          <p:cNvSpPr>
+            <a:spLocks noGrp="1"/>
+          </p:cNvSpPr>
+          <p:nvPr>
+            <p:ph type="title"/>
+          </p:nvPr>
+        </p:nvSpPr>
+        <p:spPr/>
+        <p:txBody>
+          <a:bodyPr/>
+          <a:lstStyle/>
+          <a:p>
+            <a:pPr marL="0" lvl="0" indent="0">
+              <a:buNone/>
+            </a:pPr>
+            <a:r>
+              <a:t>What is Class Imbalance?</a:t>
+            </a:r>
+          </a:p>
+        </p:txBody>
+      </p:sp>
+      <p:sp>
+        <p:nvSpPr>
+          <p:cNvPr id="3" name="Content Placeholder 2"/>
+          <p:cNvSpPr>
+            <a:spLocks noGrp="1"/>
+          </p:cNvSpPr>
+          <p:nvPr>
+            <p:ph idx="1"/>
+          </p:nvPr>
+        </p:nvSpPr>
+        <p:spPr/>
+        <p:txBody>
+          <a:bodyPr>
+            <a:normAutofit fontScale="92500" lnSpcReduction="10000"/>
+          </a:bodyPr>
+          <a:lstStyle/>
+          <a:p>
+            <a:pPr lvl="0"/>
+            <a:r>
+              <a:t>Class imbalance occurs when one or more classes have significantly lower proportions in the data than other classes.</a:t>
+            </a:r>
+          </a:p>
+          <a:p>
+            <a:pPr lvl="0"/>
+            <a:r>
+              <a:t>The majority class dominates, but interest is generally in the minority class (e.g., default, fraud, or market crash).</a:t>
+            </a:r>
+          </a:p>
+          <a:p>
+            <a:pPr lvl="0"/>
+            <a:r>
+              <a:t>Models trained on imbalanced data will tend to be under-fitted; they will not be able to classify the minority class successfully.</a:t>
+            </a:r>
+          </a:p>
+          <a:p>
+            <a:pPr lvl="0"/>
+            <a:r>
+              <a:t>ML (particularly deep learning) works well when the class distribution is balanced. At the same time, performance decreases with class imbalance because:</a:t>
+            </a:r>
+          </a:p>
+          <a:p>
+            <a:pPr lvl="1"/>
+            <a:r>
+              <a:t>There is insufficient signal for the model to learn to detect the minority class.</a:t>
+            </a:r>
+          </a:p>
+          <a:p>
+            <a:pPr lvl="1"/>
+            <a:r>
+              <a:t>It is easier for a model to find a suboptimal solution by exploiting a simple heuristic instead of learning anything useful about the underlying pattern.</a:t>
+            </a:r>
+          </a:p>
+          <a:p>
+            <a:pPr lvl="1"/>
+            <a:r>
+              <a:t>Asymmetric costs of error.</a:t>
+            </a:r>
+          </a:p>
+          <a:p>
+            <a:pPr lvl="0"/>
+            <a:r>
+              <a:t>Class imbalance is the norm in many subject domains.</a:t>
+            </a:r>
+          </a:p>
+          <a:p>
+            <a:pPr lvl="0"/>
+            <a:r>
+              <a:t>To handle class imbalance:</a:t>
+            </a:r>
+          </a:p>
+          <a:p>
+            <a:pPr lvl="1"/>
+            <a:r>
+              <a:t>Choose the right performance metric.</a:t>
+            </a:r>
+          </a:p>
+          <a:p>
+            <a:pPr lvl="1"/>
+            <a:r>
+              <a:t>Data-level methods: change the data distribution to reduce the imbalance.</a:t>
+            </a:r>
+          </a:p>
+          <a:p>
+            <a:pPr lvl="1"/>
+            <a:r>
+              <a:t>Algorithm level methods: change the learning method to make it more robust to class imbalance.</a:t>
+            </a:r>
+          </a:p>
+        </p:txBody>
+      </p:sp>
+      <p:sp>
+        <p:nvSpPr>
+          <p:cNvPr id="4" name="Date Placeholder 3">
+            <a:extLst>
+              <a:ext uri="{FF2B5EF4-FFF2-40B4-BE49-F238E27FC236}">
+                <a16:creationId xmlns:a16="http://schemas.microsoft.com/office/drawing/2014/main" id="{0AEF1434-C795-3D2B-ABEB-463B072D4885}"/>
+              </a:ext>
+            </a:extLst>
+          </p:cNvPr>
+          <p:cNvSpPr>
+            <a:spLocks noGrp="1"/>
+          </p:cNvSpPr>
+          <p:nvPr>
+            <p:ph type="dt" sz="half" idx="10"/>
+          </p:nvPr>
+        </p:nvSpPr>
+        <p:spPr/>
+        <p:txBody>
+          <a:bodyPr/>
+          <a:lstStyle/>
+          <a:p>
+            <a:r>
+              <a:rPr lang="en-CA"/>
+              <a:t>February 2024</a:t>
+            </a:r>
+          </a:p>
+        </p:txBody>
+      </p:sp>
+      <p:sp>
+        <p:nvSpPr>
+          <p:cNvPr id="5" name="Footer Placeholder 4">
+            <a:extLst>
+              <a:ext uri="{FF2B5EF4-FFF2-40B4-BE49-F238E27FC236}">
+                <a16:creationId xmlns:a16="http://schemas.microsoft.com/office/drawing/2014/main" id="{9B28A821-F69E-8FB4-8779-1F3AB19CEAED}"/>
+              </a:ext>
+            </a:extLst>
+          </p:cNvPr>
+          <p:cNvSpPr>
+            <a:spLocks noGrp="1"/>
+          </p:cNvSpPr>
+          <p:nvPr>
+            <p:ph type="ftr" sz="quarter" idx="11"/>
+          </p:nvPr>
+        </p:nvSpPr>
+        <p:spPr/>
+        <p:txBody>
+          <a:bodyPr/>
+          <a:lstStyle/>
+          <a:p>
+            <a:r>
+              <a:rPr lang="en-US"/>
+              <a:t>Production 3 - Working with Training Data</a:t>
+            </a:r>
+            <a:endParaRPr lang="en-CA"/>
+          </a:p>
+        </p:txBody>
+      </p:sp>
+      <p:sp>
+        <p:nvSpPr>
+          <p:cNvPr id="6" name="Slide Number Placeholder 5">
+            <a:extLst>
+              <a:ext uri="{FF2B5EF4-FFF2-40B4-BE49-F238E27FC236}">
+                <a16:creationId xmlns:a16="http://schemas.microsoft.com/office/drawing/2014/main" id="{E1AF7CF4-2D0B-8BF3-A387-7D2D91B274C7}"/>
+              </a:ext>
+            </a:extLst>
+          </p:cNvPr>
+          <p:cNvSpPr>
+            <a:spLocks noGrp="1"/>
+          </p:cNvSpPr>
+          <p:nvPr>
+            <p:ph type="sldNum" sz="quarter" idx="12"/>
+          </p:nvPr>
+        </p:nvSpPr>
+        <p:spPr/>
+        <p:txBody>
+          <a:bodyPr/>
+          <a:lstStyle/>
+          <a:p>
+            <a:fld id="{4F4BDF5D-830C-4829-B676-EE421164B1C8}" type="slidenum">
+              <a:rPr lang="en-CA" smtClean="0"/>
+              <a:t>20</a:t>
+            </a:fld>
+            <a:endParaRPr lang="en-CA"/>
+          </a:p>
+        </p:txBody>
+      </p:sp>
+    </p:spTree>
+  </p:cSld>
+  <p:clrMapOvr>
+    <a:masterClrMapping/>
+  </p:clrMapOvr>
+</p:sld>
+</file>
+
+<file path=ppt/slides/slide21.xml><?xml version="1.0" encoding="utf-8"?>
 <p:sld xmlns:a="http://schemas.openxmlformats.org/drawingml/2006/main" xmlns:r="http://schemas.openxmlformats.org/officeDocument/2006/relationships" xmlns:p="http://schemas.openxmlformats.org/presentationml/2006/main">
   <p:cSld>
     <p:spTree>
@@ -6314,7 +7216,7 @@
           <p:cNvPr id="5" name="Date Placeholder 4">
             <a:extLst>
               <a:ext uri="{FF2B5EF4-FFF2-40B4-BE49-F238E27FC236}">
-                <a16:creationId xmlns:a16="http://schemas.microsoft.com/office/drawing/2014/main" id="{92101A93-413E-1CA4-1DBB-8642DE0A3370}"/>
+                <a16:creationId xmlns:a16="http://schemas.microsoft.com/office/drawing/2014/main" id="{5C7EFA52-97BF-2713-6A23-4636CE1855B0}"/>
               </a:ext>
             </a:extLst>
           </p:cNvPr>
@@ -6331,10 +7233,9 @@
           <a:lstStyle/>
           <a:p>
             <a:r>
-              <a:rPr lang="en-US"/>
-              <a:t>Februrary 2024</a:t>
-            </a:r>
-            <a:endParaRPr lang="en-CA"/>
+              <a:rPr lang="en-CA"/>
+              <a:t>February 2024</a:t>
+            </a:r>
           </a:p>
         </p:txBody>
       </p:sp>
@@ -6343,7 +7244,7 @@
           <p:cNvPr id="6" name="Footer Placeholder 5">
             <a:extLst>
               <a:ext uri="{FF2B5EF4-FFF2-40B4-BE49-F238E27FC236}">
-                <a16:creationId xmlns:a16="http://schemas.microsoft.com/office/drawing/2014/main" id="{007108F5-8907-648A-1724-C09458F250D5}"/>
+                <a16:creationId xmlns:a16="http://schemas.microsoft.com/office/drawing/2014/main" id="{0EC4A8EF-ED79-644D-3FD9-3041BCF09B3F}"/>
               </a:ext>
             </a:extLst>
           </p:cNvPr>
@@ -6372,7 +7273,7 @@
           <p:cNvPr id="7" name="Slide Number Placeholder 6">
             <a:extLst>
               <a:ext uri="{FF2B5EF4-FFF2-40B4-BE49-F238E27FC236}">
-                <a16:creationId xmlns:a16="http://schemas.microsoft.com/office/drawing/2014/main" id="{D7E6931D-D35C-27A1-ED39-A6FE86F86C60}"/>
+                <a16:creationId xmlns:a16="http://schemas.microsoft.com/office/drawing/2014/main" id="{6F963A1E-23DB-F296-71E1-E19DAF1205FA}"/>
               </a:ext>
             </a:extLst>
           </p:cNvPr>
@@ -6390,7 +7291,7 @@
           <a:p>
             <a:fld id="{4F4BDF5D-830C-4829-B676-EE421164B1C8}" type="slidenum">
               <a:rPr lang="en-CA" smtClean="0"/>
-              <a:t>19</a:t>
+              <a:t>21</a:t>
             </a:fld>
             <a:endParaRPr lang="en-CA"/>
           </a:p>
@@ -6404,148 +7305,7 @@
 </p:sld>
 </file>
 
-<file path=ppt/slides/slide2.xml><?xml version="1.0" encoding="utf-8"?>
-<p:sld xmlns:a="http://schemas.openxmlformats.org/drawingml/2006/main" xmlns:r="http://schemas.openxmlformats.org/officeDocument/2006/relationships" xmlns:p="http://schemas.openxmlformats.org/presentationml/2006/main">
-  <p:cSld>
-    <p:spTree>
-      <p:nvGrpSpPr>
-        <p:cNvPr id="1" name=""/>
-        <p:cNvGrpSpPr/>
-        <p:nvPr/>
-      </p:nvGrpSpPr>
-      <p:grpSpPr>
-        <a:xfrm>
-          <a:off x="0" y="0"/>
-          <a:ext cx="0" cy="0"/>
-          <a:chOff x="0" y="0"/>
-          <a:chExt cx="0" cy="0"/>
-        </a:xfrm>
-      </p:grpSpPr>
-      <p:sp>
-        <p:nvSpPr>
-          <p:cNvPr id="2" name="Title 1"/>
-          <p:cNvSpPr>
-            <a:spLocks noGrp="1"/>
-          </p:cNvSpPr>
-          <p:nvPr>
-            <p:ph type="title"/>
-          </p:nvPr>
-        </p:nvSpPr>
-        <p:spPr>
-          <a:xfrm>
-            <a:off x="603504" y="767419"/>
-            <a:ext cx="10780776" cy="3355848"/>
-          </a:xfrm>
-        </p:spPr>
-        <p:txBody>
-          <a:bodyPr/>
-          <a:lstStyle/>
-          <a:p>
-            <a:pPr marL="0" lvl="0" indent="0">
-              <a:buNone/>
-            </a:pPr>
-            <a:r>
-              <a:t>Introduction</a:t>
-            </a:r>
-          </a:p>
-        </p:txBody>
-      </p:sp>
-      <p:sp>
-        <p:nvSpPr>
-          <p:cNvPr id="3" name="Date Placeholder 2">
-            <a:extLst>
-              <a:ext uri="{FF2B5EF4-FFF2-40B4-BE49-F238E27FC236}">
-                <a16:creationId xmlns:a16="http://schemas.microsoft.com/office/drawing/2014/main" id="{0164D8E1-C7FF-4805-0861-4861408E0EC4}"/>
-              </a:ext>
-            </a:extLst>
-          </p:cNvPr>
-          <p:cNvSpPr>
-            <a:spLocks noGrp="1"/>
-          </p:cNvSpPr>
-          <p:nvPr>
-            <p:ph type="dt" sz="half" idx="10"/>
-          </p:nvPr>
-        </p:nvSpPr>
-        <p:spPr/>
-        <p:txBody>
-          <a:bodyPr/>
-          <a:lstStyle/>
-          <a:p>
-            <a:r>
-              <a:rPr lang="en-US"/>
-              <a:t>Februrary 2024</a:t>
-            </a:r>
-            <a:endParaRPr lang="en-CA"/>
-          </a:p>
-        </p:txBody>
-      </p:sp>
-      <p:sp>
-        <p:nvSpPr>
-          <p:cNvPr id="4" name="Footer Placeholder 3">
-            <a:extLst>
-              <a:ext uri="{FF2B5EF4-FFF2-40B4-BE49-F238E27FC236}">
-                <a16:creationId xmlns:a16="http://schemas.microsoft.com/office/drawing/2014/main" id="{266C4277-48EC-BF0C-74B9-C93544D4FB1D}"/>
-              </a:ext>
-            </a:extLst>
-          </p:cNvPr>
-          <p:cNvSpPr>
-            <a:spLocks noGrp="1"/>
-          </p:cNvSpPr>
-          <p:nvPr>
-            <p:ph type="ftr" sz="quarter" idx="11"/>
-          </p:nvPr>
-        </p:nvSpPr>
-        <p:spPr/>
-        <p:txBody>
-          <a:bodyPr/>
-          <a:lstStyle/>
-          <a:p>
-            <a:r>
-              <a:rPr lang="en-US"/>
-              <a:t>Production 3 - Working with Training Data</a:t>
-            </a:r>
-            <a:endParaRPr lang="en-CA"/>
-          </a:p>
-        </p:txBody>
-      </p:sp>
-      <p:sp>
-        <p:nvSpPr>
-          <p:cNvPr id="5" name="Slide Number Placeholder 4">
-            <a:extLst>
-              <a:ext uri="{FF2B5EF4-FFF2-40B4-BE49-F238E27FC236}">
-                <a16:creationId xmlns:a16="http://schemas.microsoft.com/office/drawing/2014/main" id="{17AB1CE6-8E47-9FF5-E296-5AF714007AE7}"/>
-              </a:ext>
-            </a:extLst>
-          </p:cNvPr>
-          <p:cNvSpPr>
-            <a:spLocks noGrp="1"/>
-          </p:cNvSpPr>
-          <p:nvPr>
-            <p:ph type="sldNum" sz="quarter" idx="12"/>
-          </p:nvPr>
-        </p:nvSpPr>
-        <p:spPr/>
-        <p:txBody>
-          <a:bodyPr/>
-          <a:lstStyle/>
-          <a:p>
-            <a:fld id="{4F4BDF5D-830C-4829-B676-EE421164B1C8}" type="slidenum">
-              <a:rPr lang="en-CA" smtClean="0"/>
-              <a:t>2</a:t>
-            </a:fld>
-            <a:endParaRPr lang="en-CA"/>
-          </a:p>
-        </p:txBody>
-      </p:sp>
-    </p:spTree>
-  </p:cSld>
-  <p:clrMapOvr>
-    <a:masterClrMapping/>
-  </p:clrMapOvr>
-</p:sld>
-</file>
-
-<file path=ppt/slides/slide20.xml><?xml version="1.0" encoding="utf-8"?>
+<file path=ppt/slides/slide22.xml><?xml version="1.0" encoding="utf-8"?>
 <p:sld xmlns:a="http://schemas.openxmlformats.org/drawingml/2006/main" xmlns:r="http://schemas.openxmlformats.org/officeDocument/2006/relationships" xmlns:p="http://schemas.openxmlformats.org/presentationml/2006/main">
   <p:cSld>
     <p:spTree>
@@ -6669,7 +7429,7 @@
           <p:cNvPr id="5" name="Date Placeholder 4">
             <a:extLst>
               <a:ext uri="{FF2B5EF4-FFF2-40B4-BE49-F238E27FC236}">
-                <a16:creationId xmlns:a16="http://schemas.microsoft.com/office/drawing/2014/main" id="{D40FB4FE-FD41-6B96-7F93-3972407DB444}"/>
+                <a16:creationId xmlns:a16="http://schemas.microsoft.com/office/drawing/2014/main" id="{0303156B-C715-867A-6A00-15975021FC90}"/>
               </a:ext>
             </a:extLst>
           </p:cNvPr>
@@ -6686,10 +7446,9 @@
           <a:lstStyle/>
           <a:p>
             <a:r>
-              <a:rPr lang="en-US"/>
-              <a:t>Februrary 2024</a:t>
-            </a:r>
-            <a:endParaRPr lang="en-CA"/>
+              <a:rPr lang="en-CA"/>
+              <a:t>February 2024</a:t>
+            </a:r>
           </a:p>
         </p:txBody>
       </p:sp>
@@ -6698,7 +7457,7 @@
           <p:cNvPr id="6" name="Footer Placeholder 5">
             <a:extLst>
               <a:ext uri="{FF2B5EF4-FFF2-40B4-BE49-F238E27FC236}">
-                <a16:creationId xmlns:a16="http://schemas.microsoft.com/office/drawing/2014/main" id="{17DA0F86-3CD6-8813-3EBC-814AF94EDC8B}"/>
+                <a16:creationId xmlns:a16="http://schemas.microsoft.com/office/drawing/2014/main" id="{667381F1-B8CE-A0F9-E8AE-1CEF631DCA15}"/>
               </a:ext>
             </a:extLst>
           </p:cNvPr>
@@ -6727,948 +7486,7 @@
           <p:cNvPr id="7" name="Slide Number Placeholder 6">
             <a:extLst>
               <a:ext uri="{FF2B5EF4-FFF2-40B4-BE49-F238E27FC236}">
-                <a16:creationId xmlns:a16="http://schemas.microsoft.com/office/drawing/2014/main" id="{78219A92-3B52-6A32-8047-D40EABDE08FC}"/>
-              </a:ext>
-            </a:extLst>
-          </p:cNvPr>
-          <p:cNvSpPr>
-            <a:spLocks noGrp="1"/>
-          </p:cNvSpPr>
-          <p:nvPr>
-            <p:ph type="sldNum" sz="quarter" idx="12"/>
-          </p:nvPr>
-        </p:nvSpPr>
-        <p:spPr/>
-        <p:txBody>
-          <a:bodyPr/>
-          <a:lstStyle/>
-          <a:p>
-            <a:fld id="{4F4BDF5D-830C-4829-B676-EE421164B1C8}" type="slidenum">
-              <a:rPr lang="en-CA" smtClean="0"/>
-              <a:t>20</a:t>
-            </a:fld>
-            <a:endParaRPr lang="en-CA"/>
-          </a:p>
-        </p:txBody>
-      </p:sp>
-    </p:spTree>
-  </p:cSld>
-  <p:clrMapOvr>
-    <a:masterClrMapping/>
-  </p:clrMapOvr>
-</p:sld>
-</file>
-
-<file path=ppt/slides/slide21.xml><?xml version="1.0" encoding="utf-8"?>
-<p:sld xmlns:a="http://schemas.openxmlformats.org/drawingml/2006/main" xmlns:r="http://schemas.openxmlformats.org/officeDocument/2006/relationships" xmlns:p="http://schemas.openxmlformats.org/presentationml/2006/main">
-  <p:cSld>
-    <p:spTree>
-      <p:nvGrpSpPr>
-        <p:cNvPr id="1" name=""/>
-        <p:cNvGrpSpPr/>
-        <p:nvPr/>
-      </p:nvGrpSpPr>
-      <p:grpSpPr>
-        <a:xfrm>
-          <a:off x="0" y="0"/>
-          <a:ext cx="0" cy="0"/>
-          <a:chOff x="0" y="0"/>
-          <a:chExt cx="0" cy="0"/>
-        </a:xfrm>
-      </p:grpSpPr>
-      <p:sp>
-        <p:nvSpPr>
-          <p:cNvPr id="2" name="Title 1"/>
-          <p:cNvSpPr>
-            <a:spLocks noGrp="1"/>
-          </p:cNvSpPr>
-          <p:nvPr>
-            <p:ph type="title"/>
-          </p:nvPr>
-        </p:nvSpPr>
-        <p:spPr/>
-        <p:txBody>
-          <a:bodyPr/>
-          <a:lstStyle/>
-          <a:p>
-            <a:pPr marL="0" lvl="0" indent="0">
-              <a:buNone/>
-            </a:pPr>
-            <a:r>
-              <a:t>Cross-entropy, Negative Log-Loss, and Log-Likelihood</a:t>
-            </a:r>
-          </a:p>
-        </p:txBody>
-      </p:sp>
-      <mc:AlternateContent xmlns:mc="http://schemas.openxmlformats.org/markup-compatibility/2006" xmlns:a14="http://schemas.microsoft.com/office/drawing/2010/main">
-        <mc:Choice Requires="a14">
-          <p:sp>
-            <p:nvSpPr>
-              <p:cNvPr id="3" name="Content Placeholder 2"/>
-              <p:cNvSpPr>
-                <a:spLocks noGrp="1"/>
-              </p:cNvSpPr>
-              <p:nvPr>
-                <p:ph sz="half" idx="1"/>
-              </p:nvPr>
-            </p:nvSpPr>
-            <p:spPr/>
-            <p:txBody>
-              <a:bodyPr>
-                <a:normAutofit fontScale="70000" lnSpcReduction="20000"/>
-              </a:bodyPr>
-              <a:lstStyle/>
-              <a:p>
-                <a:pPr lvl="0"/>
-                <a:r>
-                  <a:t>Log loss or cross-entropy loss is a performance metric that quantifies the difference between predicted and actual probabilities.</a:t>
-                </a:r>
-              </a:p>
-              <a:p>
-                <a:pPr lvl="0"/>
-                <a:r>
-                  <a:t>In a two-class setting, it is given by:</a:t>
-                </a:r>
-              </a:p>
-              <a:p>
-                <a:pPr marL="0" lvl="0" indent="0">
-                  <a:buNone/>
-                </a:pPr>
-                <a14:m>
-                  <m:oMathPara xmlns:m="http://schemas.openxmlformats.org/officeDocument/2006/math">
-                    <m:oMathParaPr>
-                      <m:jc m:val="center"/>
-                    </m:oMathParaPr>
-                    <m:oMath xmlns:m="http://schemas.openxmlformats.org/officeDocument/2006/math">
-                      <m:r>
-                        <a:rPr>
-                          <a:latin typeface="Cambria Math" panose="02040503050406030204" pitchFamily="18" charset="0"/>
-                        </a:rPr>
-                        <m:t>𝐻</m:t>
-                      </m:r>
-                      <m:d>
-                        <m:dPr>
-                          <m:ctrlPr>
-                            <a:rPr i="1">
-                              <a:latin typeface="Cambria Math" panose="02040503050406030204" pitchFamily="18" charset="0"/>
-                            </a:rPr>
-                          </m:ctrlPr>
-                        </m:dPr>
-                        <m:e>
-                          <m:r>
-                            <a:rPr>
-                              <a:latin typeface="Cambria Math" panose="02040503050406030204" pitchFamily="18" charset="0"/>
-                            </a:rPr>
-                            <m:t>𝑝</m:t>
-                          </m:r>
-                          <m:r>
-                            <a:rPr>
-                              <a:latin typeface="Cambria Math" panose="02040503050406030204" pitchFamily="18" charset="0"/>
-                            </a:rPr>
-                            <m:t>,</m:t>
-                          </m:r>
-                          <m:r>
-                            <a:rPr>
-                              <a:latin typeface="Cambria Math" panose="02040503050406030204" pitchFamily="18" charset="0"/>
-                            </a:rPr>
-                            <m:t>𝑞</m:t>
-                          </m:r>
-                        </m:e>
-                      </m:d>
-                      <m:r>
-                        <a:rPr>
-                          <a:latin typeface="Cambria Math" panose="02040503050406030204" pitchFamily="18" charset="0"/>
-                        </a:rPr>
-                        <m:t>=−</m:t>
-                      </m:r>
-                      <m:nary>
-                        <m:naryPr>
-                          <m:chr m:val="∑"/>
-                          <m:limLoc m:val="undOvr"/>
-                          <m:ctrlPr>
-                            <a:rPr i="1">
-                              <a:latin typeface="Cambria Math" panose="02040503050406030204" pitchFamily="18" charset="0"/>
-                            </a:rPr>
-                          </m:ctrlPr>
-                        </m:naryPr>
-                        <m:sub>
-                          <m:r>
-                            <a:rPr>
-                              <a:latin typeface="Cambria Math" panose="02040503050406030204" pitchFamily="18" charset="0"/>
-                            </a:rPr>
-                            <m:t>𝑖</m:t>
-                          </m:r>
-                          <m:r>
-                            <a:rPr>
-                              <a:latin typeface="Cambria Math" panose="02040503050406030204" pitchFamily="18" charset="0"/>
-                            </a:rPr>
-                            <m:t>=1</m:t>
-                          </m:r>
-                        </m:sub>
-                        <m:sup>
-                          <m:r>
-                            <a:rPr>
-                              <a:latin typeface="Cambria Math" panose="02040503050406030204" pitchFamily="18" charset="0"/>
-                            </a:rPr>
-                            <m:t>𝑛</m:t>
-                          </m:r>
-                        </m:sup>
-                        <m:e>
-                          <m:d>
-                            <m:dPr>
-                              <m:ctrlPr>
-                                <a:rPr i="1">
-                                  <a:latin typeface="Cambria Math" panose="02040503050406030204" pitchFamily="18" charset="0"/>
-                                </a:rPr>
-                              </m:ctrlPr>
-                            </m:dPr>
-                            <m:e>
-                              <m:sSub>
-                                <m:sSubPr>
-                                  <m:ctrlPr>
-                                    <a:rPr i="1">
-                                      <a:latin typeface="Cambria Math" panose="02040503050406030204" pitchFamily="18" charset="0"/>
-                                    </a:rPr>
-                                  </m:ctrlPr>
-                                </m:sSubPr>
-                                <m:e>
-                                  <m:r>
-                                    <a:rPr>
-                                      <a:latin typeface="Cambria Math" panose="02040503050406030204" pitchFamily="18" charset="0"/>
-                                    </a:rPr>
-                                    <m:t>𝑦</m:t>
-                                  </m:r>
-                                </m:e>
-                                <m:sub>
-                                  <m:r>
-                                    <a:rPr>
-                                      <a:latin typeface="Cambria Math" panose="02040503050406030204" pitchFamily="18" charset="0"/>
-                                    </a:rPr>
-                                    <m:t>𝑖</m:t>
-                                  </m:r>
-                                </m:sub>
-                              </m:sSub>
-                              <m:r>
-                                <a:rPr>
-                                  <a:latin typeface="Cambria Math" panose="02040503050406030204" pitchFamily="18" charset="0"/>
-                                </a:rPr>
-                                <m:t>𝑙𝑜𝑔</m:t>
-                              </m:r>
-                              <m:d>
-                                <m:dPr>
-                                  <m:ctrlPr>
-                                    <a:rPr i="1">
-                                      <a:latin typeface="Cambria Math" panose="02040503050406030204" pitchFamily="18" charset="0"/>
-                                    </a:rPr>
-                                  </m:ctrlPr>
-                                </m:dPr>
-                                <m:e>
-                                  <m:sSub>
-                                    <m:sSubPr>
-                                      <m:ctrlPr>
-                                        <a:rPr i="1">
-                                          <a:latin typeface="Cambria Math" panose="02040503050406030204" pitchFamily="18" charset="0"/>
-                                        </a:rPr>
-                                      </m:ctrlPr>
-                                    </m:sSubPr>
-                                    <m:e>
-                                      <m:acc>
-                                        <m:accPr>
-                                          <m:chr m:val="̂"/>
-                                          <m:ctrlPr>
-                                            <a:rPr i="1">
-                                              <a:latin typeface="Cambria Math" panose="02040503050406030204" pitchFamily="18" charset="0"/>
-                                            </a:rPr>
-                                          </m:ctrlPr>
-                                        </m:accPr>
-                                        <m:e>
-                                          <m:r>
-                                            <a:rPr>
-                                              <a:latin typeface="Cambria Math" panose="02040503050406030204" pitchFamily="18" charset="0"/>
-                                            </a:rPr>
-                                            <m:t>𝑦</m:t>
-                                          </m:r>
-                                        </m:e>
-                                      </m:acc>
-                                    </m:e>
-                                    <m:sub>
-                                      <m:r>
-                                        <a:rPr>
-                                          <a:latin typeface="Cambria Math" panose="02040503050406030204" pitchFamily="18" charset="0"/>
-                                        </a:rPr>
-                                        <m:t>𝜃</m:t>
-                                      </m:r>
-                                      <m:r>
-                                        <a:rPr>
-                                          <a:latin typeface="Cambria Math" panose="02040503050406030204" pitchFamily="18" charset="0"/>
-                                        </a:rPr>
-                                        <m:t>,</m:t>
-                                      </m:r>
-                                      <m:r>
-                                        <a:rPr>
-                                          <a:latin typeface="Cambria Math" panose="02040503050406030204" pitchFamily="18" charset="0"/>
-                                        </a:rPr>
-                                        <m:t>𝑖</m:t>
-                                      </m:r>
-                                    </m:sub>
-                                  </m:sSub>
-                                </m:e>
-                              </m:d>
-                              <m:r>
-                                <a:rPr>
-                                  <a:latin typeface="Cambria Math" panose="02040503050406030204" pitchFamily="18" charset="0"/>
-                                </a:rPr>
-                                <m:t>+</m:t>
-                              </m:r>
-                              <m:d>
-                                <m:dPr>
-                                  <m:ctrlPr>
-                                    <a:rPr i="1">
-                                      <a:latin typeface="Cambria Math" panose="02040503050406030204" pitchFamily="18" charset="0"/>
-                                    </a:rPr>
-                                  </m:ctrlPr>
-                                </m:dPr>
-                                <m:e>
-                                  <m:r>
-                                    <a:rPr>
-                                      <a:latin typeface="Cambria Math" panose="02040503050406030204" pitchFamily="18" charset="0"/>
-                                    </a:rPr>
-                                    <m:t>1−</m:t>
-                                  </m:r>
-                                  <m:sSub>
-                                    <m:sSubPr>
-                                      <m:ctrlPr>
-                                        <a:rPr i="1">
-                                          <a:latin typeface="Cambria Math" panose="02040503050406030204" pitchFamily="18" charset="0"/>
-                                        </a:rPr>
-                                      </m:ctrlPr>
-                                    </m:sSubPr>
-                                    <m:e>
-                                      <m:r>
-                                        <a:rPr>
-                                          <a:latin typeface="Cambria Math" panose="02040503050406030204" pitchFamily="18" charset="0"/>
-                                        </a:rPr>
-                                        <m:t>𝑦</m:t>
-                                      </m:r>
-                                    </m:e>
-                                    <m:sub>
-                                      <m:r>
-                                        <a:rPr>
-                                          <a:latin typeface="Cambria Math" panose="02040503050406030204" pitchFamily="18" charset="0"/>
-                                        </a:rPr>
-                                        <m:t>𝑖</m:t>
-                                      </m:r>
-                                    </m:sub>
-                                  </m:sSub>
-                                </m:e>
-                              </m:d>
-                              <m:r>
-                                <a:rPr>
-                                  <a:latin typeface="Cambria Math" panose="02040503050406030204" pitchFamily="18" charset="0"/>
-                                </a:rPr>
-                                <m:t>𝑙𝑜𝑔</m:t>
-                              </m:r>
-                              <m:d>
-                                <m:dPr>
-                                  <m:ctrlPr>
-                                    <a:rPr i="1">
-                                      <a:latin typeface="Cambria Math" panose="02040503050406030204" pitchFamily="18" charset="0"/>
-                                    </a:rPr>
-                                  </m:ctrlPr>
-                                </m:dPr>
-                                <m:e>
-                                  <m:r>
-                                    <a:rPr>
-                                      <a:latin typeface="Cambria Math" panose="02040503050406030204" pitchFamily="18" charset="0"/>
-                                    </a:rPr>
-                                    <m:t>1−</m:t>
-                                  </m:r>
-                                  <m:sSub>
-                                    <m:sSubPr>
-                                      <m:ctrlPr>
-                                        <a:rPr i="1">
-                                          <a:latin typeface="Cambria Math" panose="02040503050406030204" pitchFamily="18" charset="0"/>
-                                        </a:rPr>
-                                      </m:ctrlPr>
-                                    </m:sSubPr>
-                                    <m:e>
-                                      <m:acc>
-                                        <m:accPr>
-                                          <m:chr m:val="̂"/>
-                                          <m:ctrlPr>
-                                            <a:rPr i="1">
-                                              <a:latin typeface="Cambria Math" panose="02040503050406030204" pitchFamily="18" charset="0"/>
-                                            </a:rPr>
-                                          </m:ctrlPr>
-                                        </m:accPr>
-                                        <m:e>
-                                          <m:r>
-                                            <a:rPr>
-                                              <a:latin typeface="Cambria Math" panose="02040503050406030204" pitchFamily="18" charset="0"/>
-                                            </a:rPr>
-                                            <m:t>𝑦</m:t>
-                                          </m:r>
-                                        </m:e>
-                                      </m:acc>
-                                    </m:e>
-                                    <m:sub>
-                                      <m:r>
-                                        <a:rPr>
-                                          <a:latin typeface="Cambria Math" panose="02040503050406030204" pitchFamily="18" charset="0"/>
-                                        </a:rPr>
-                                        <m:t>𝜃</m:t>
-                                      </m:r>
-                                      <m:r>
-                                        <a:rPr>
-                                          <a:latin typeface="Cambria Math" panose="02040503050406030204" pitchFamily="18" charset="0"/>
-                                        </a:rPr>
-                                        <m:t>,</m:t>
-                                      </m:r>
-                                      <m:r>
-                                        <a:rPr>
-                                          <a:latin typeface="Cambria Math" panose="02040503050406030204" pitchFamily="18" charset="0"/>
-                                        </a:rPr>
-                                        <m:t>𝑖</m:t>
-                                      </m:r>
-                                    </m:sub>
-                                  </m:sSub>
-                                </m:e>
-                              </m:d>
-                            </m:e>
-                          </m:d>
-                        </m:e>
-                      </m:nary>
-                    </m:oMath>
-                  </m:oMathPara>
-                </a14:m>
-                <a:endParaRPr/>
-              </a:p>
-              <a:p>
-                <a:pPr marL="0" lvl="0" indent="0">
-                  <a:buNone/>
-                </a:pPr>
-                <a:r>
-                  <a:t>+ Formulation is related to maximum likelihood: minimizing negative log-likelihood is the “same” as minimizing log loss.</a:t>
-                </a:r>
-              </a:p>
-            </p:txBody>
-          </p:sp>
-        </mc:Choice>
-        <mc:Fallback xmlns="">
-          <p:sp>
-            <p:nvSpPr>
-              <p:cNvPr id="3" name="Content Placeholder 2"/>
-              <p:cNvSpPr>
-                <a:spLocks noGrp="1" noRot="1" noChangeAspect="1" noMove="1" noResize="1" noEditPoints="1" noAdjustHandles="1" noChangeArrowheads="1" noChangeShapeType="1" noTextEdit="1"/>
-              </p:cNvSpPr>
-              <p:nvPr>
-                <p:ph sz="half" idx="1"/>
-              </p:nvPr>
-            </p:nvSpPr>
-            <p:spPr>
-              <a:blipFill>
-                <a:blip r:embed="rId2"/>
-                <a:stretch>
-                  <a:fillRect l="-784" t="-971"/>
-                </a:stretch>
-              </a:blipFill>
-            </p:spPr>
-            <p:txBody>
-              <a:bodyPr/>
-              <a:lstStyle/>
-              <a:p>
-                <a:r>
-                  <a:rPr lang="en-CA">
-                    <a:noFill/>
-                  </a:rPr>
-                  <a:t> </a:t>
-                </a:r>
-              </a:p>
-            </p:txBody>
-          </p:sp>
-        </mc:Fallback>
-      </mc:AlternateContent>
-      <p:sp>
-        <p:nvSpPr>
-          <p:cNvPr id="4" name="Content Placeholder 3"/>
-          <p:cNvSpPr>
-            <a:spLocks noGrp="1"/>
-          </p:cNvSpPr>
-          <p:nvPr>
-            <p:ph sz="half" idx="2"/>
-          </p:nvPr>
-        </p:nvSpPr>
-        <p:spPr/>
-        <p:txBody>
-          <a:bodyPr>
-            <a:normAutofit fontScale="70000" lnSpcReduction="20000"/>
-          </a:bodyPr>
-          <a:lstStyle/>
-          <a:p>
-            <a:pPr lvl="0"/>
-            <a:r>
-              <a:t>Assume the actual value is 1.</a:t>
-            </a:r>
-          </a:p>
-          <a:p>
-            <a:pPr lvl="0"/>
-            <a:r>
-              <a:t>If the model is confident and correctly predicted 0.9, then </a:t>
-            </a:r>
-            <a:r>
-              <a:rPr>
-                <a:latin typeface="Courier"/>
-              </a:rPr>
-              <a:t>Loss = -(1*log(0.9)) = 0.10536</a:t>
-            </a:r>
-          </a:p>
-          <a:p>
-            <a:pPr lvl="0"/>
-            <a:r>
-              <a:t>If the model is unsure and predicted 0.5, then </a:t>
-            </a:r>
-            <a:r>
-              <a:rPr>
-                <a:latin typeface="Courier"/>
-              </a:rPr>
-              <a:t>Loss = -(1*log(0.5)) = 0.6931</a:t>
-            </a:r>
-            <a:r>
-              <a:t>.</a:t>
-            </a:r>
-          </a:p>
-          <a:p>
-            <a:pPr lvl="0"/>
-            <a:r>
-              <a:t>If the model is confident but incorrectly predicted 0.1, then </a:t>
-            </a:r>
-            <a:r>
-              <a:rPr>
-                <a:latin typeface="Courier"/>
-              </a:rPr>
-              <a:t>Loss = -(1*log(0.1)) = 2.0258</a:t>
-            </a:r>
-          </a:p>
-        </p:txBody>
-      </p:sp>
-      <p:sp>
-        <p:nvSpPr>
-          <p:cNvPr id="5" name="Date Placeholder 4">
-            <a:extLst>
-              <a:ext uri="{FF2B5EF4-FFF2-40B4-BE49-F238E27FC236}">
-                <a16:creationId xmlns:a16="http://schemas.microsoft.com/office/drawing/2014/main" id="{6CA29888-A630-3224-DDAA-5BBCD9979715}"/>
-              </a:ext>
-            </a:extLst>
-          </p:cNvPr>
-          <p:cNvSpPr>
-            <a:spLocks noGrp="1"/>
-          </p:cNvSpPr>
-          <p:nvPr>
-            <p:ph type="dt" sz="half" idx="10"/>
-          </p:nvPr>
-        </p:nvSpPr>
-        <p:spPr/>
-        <p:txBody>
-          <a:bodyPr/>
-          <a:lstStyle/>
-          <a:p>
-            <a:r>
-              <a:rPr lang="en-US"/>
-              <a:t>Februrary 2024</a:t>
-            </a:r>
-            <a:endParaRPr lang="en-CA"/>
-          </a:p>
-        </p:txBody>
-      </p:sp>
-      <p:sp>
-        <p:nvSpPr>
-          <p:cNvPr id="6" name="Footer Placeholder 5">
-            <a:extLst>
-              <a:ext uri="{FF2B5EF4-FFF2-40B4-BE49-F238E27FC236}">
-                <a16:creationId xmlns:a16="http://schemas.microsoft.com/office/drawing/2014/main" id="{B8102A81-0DB1-35FA-0F31-58AA77B7FC86}"/>
-              </a:ext>
-            </a:extLst>
-          </p:cNvPr>
-          <p:cNvSpPr>
-            <a:spLocks noGrp="1"/>
-          </p:cNvSpPr>
-          <p:nvPr>
-            <p:ph type="ftr" sz="quarter" idx="11"/>
-          </p:nvPr>
-        </p:nvSpPr>
-        <p:spPr/>
-        <p:txBody>
-          <a:bodyPr/>
-          <a:lstStyle/>
-          <a:p>
-            <a:r>
-              <a:rPr lang="en-US"/>
-              <a:t>Production 3 - Working with Training Data</a:t>
-            </a:r>
-            <a:endParaRPr lang="en-CA"/>
-          </a:p>
-        </p:txBody>
-      </p:sp>
-      <p:sp>
-        <p:nvSpPr>
-          <p:cNvPr id="7" name="Slide Number Placeholder 6">
-            <a:extLst>
-              <a:ext uri="{FF2B5EF4-FFF2-40B4-BE49-F238E27FC236}">
-                <a16:creationId xmlns:a16="http://schemas.microsoft.com/office/drawing/2014/main" id="{DE37AA3B-0E6C-1EE6-51CA-F184A13B3209}"/>
-              </a:ext>
-            </a:extLst>
-          </p:cNvPr>
-          <p:cNvSpPr>
-            <a:spLocks noGrp="1"/>
-          </p:cNvSpPr>
-          <p:nvPr>
-            <p:ph type="sldNum" sz="quarter" idx="12"/>
-          </p:nvPr>
-        </p:nvSpPr>
-        <p:spPr/>
-        <p:txBody>
-          <a:bodyPr/>
-          <a:lstStyle/>
-          <a:p>
-            <a:fld id="{4F4BDF5D-830C-4829-B676-EE421164B1C8}" type="slidenum">
-              <a:rPr lang="en-CA" smtClean="0"/>
-              <a:t>21</a:t>
-            </a:fld>
-            <a:endParaRPr lang="en-CA"/>
-          </a:p>
-        </p:txBody>
-      </p:sp>
-    </p:spTree>
-  </p:cSld>
-  <p:clrMapOvr>
-    <a:masterClrMapping/>
-  </p:clrMapOvr>
-</p:sld>
-</file>
-
-<file path=ppt/slides/slide22.xml><?xml version="1.0" encoding="utf-8"?>
-<p:sld xmlns:a="http://schemas.openxmlformats.org/drawingml/2006/main" xmlns:r="http://schemas.openxmlformats.org/officeDocument/2006/relationships" xmlns:p="http://schemas.openxmlformats.org/presentationml/2006/main">
-  <p:cSld>
-    <p:spTree>
-      <p:nvGrpSpPr>
-        <p:cNvPr id="1" name=""/>
-        <p:cNvGrpSpPr/>
-        <p:nvPr/>
-      </p:nvGrpSpPr>
-      <p:grpSpPr>
-        <a:xfrm>
-          <a:off x="0" y="0"/>
-          <a:ext cx="0" cy="0"/>
-          <a:chOff x="0" y="0"/>
-          <a:chExt cx="0" cy="0"/>
-        </a:xfrm>
-      </p:grpSpPr>
-      <p:sp>
-        <p:nvSpPr>
-          <p:cNvPr id="2" name="Title 1"/>
-          <p:cNvSpPr>
-            <a:spLocks noGrp="1"/>
-          </p:cNvSpPr>
-          <p:nvPr>
-            <p:ph type="title"/>
-          </p:nvPr>
-        </p:nvSpPr>
-        <p:spPr/>
-        <p:txBody>
-          <a:bodyPr/>
-          <a:lstStyle/>
-          <a:p>
-            <a:pPr marL="0" lvl="0" indent="0">
-              <a:buNone/>
-            </a:pPr>
-            <a:r>
-              <a:t>Class Weights</a:t>
-            </a:r>
-          </a:p>
-        </p:txBody>
-      </p:sp>
-      <p:sp>
-        <p:nvSpPr>
-          <p:cNvPr id="3" name="Content Placeholder 2"/>
-          <p:cNvSpPr>
-            <a:spLocks noGrp="1"/>
-          </p:cNvSpPr>
-          <p:nvPr>
-            <p:ph sz="half" idx="1"/>
-          </p:nvPr>
-        </p:nvSpPr>
-        <p:spPr/>
-        <p:txBody>
-          <a:bodyPr>
-            <a:normAutofit lnSpcReduction="10000"/>
-          </a:bodyPr>
-          <a:lstStyle/>
-          <a:p>
-            <a:pPr lvl="0"/>
-            <a:r>
-              <a:t>Some models can optimize a cost or loss function that differentiates for specific types of errors.</a:t>
-            </a:r>
-          </a:p>
-          <a:p>
-            <a:pPr lvl="0"/>
-            <a:r>
-              <a:t>In some instances, one can assume that misclassifying minority events (false negatives) is more costly than incorrectly predicting non-events (false positives).</a:t>
-            </a:r>
-          </a:p>
-        </p:txBody>
-      </p:sp>
-      <mc:AlternateContent xmlns:mc="http://schemas.openxmlformats.org/markup-compatibility/2006" xmlns:a14="http://schemas.microsoft.com/office/drawing/2010/main">
-        <mc:Choice Requires="a14">
-          <p:sp>
-            <p:nvSpPr>
-              <p:cNvPr id="4" name="Content Placeholder 3"/>
-              <p:cNvSpPr>
-                <a:spLocks noGrp="1"/>
-              </p:cNvSpPr>
-              <p:nvPr>
-                <p:ph sz="half" idx="2"/>
-              </p:nvPr>
-            </p:nvSpPr>
-            <p:spPr/>
-            <p:txBody>
-              <a:bodyPr>
-                <a:normAutofit lnSpcReduction="10000"/>
-              </a:bodyPr>
-              <a:lstStyle/>
-              <a:p>
-                <a:pPr lvl="0"/>
-                <a:r>
-                  <a:t>Relative cost or class weights can be determined by</a:t>
-                </a:r>
-              </a:p>
-              <a:p>
-                <a:pPr lvl="1"/>
-                <a:r>
-                  <a:t>Consulting a Cost Specialist or Subject Matter Expert</a:t>
-                </a:r>
-              </a:p>
-              <a:p>
-                <a:pPr lvl="1"/>
-                <a:r>
-                  <a:t>Balance function</a:t>
-                </a:r>
-              </a:p>
-              <a:p>
-                <a:pPr marL="0" lvl="0" indent="0">
-                  <a:buNone/>
-                </a:pPr>
-                <a14:m>
-                  <m:oMathPara xmlns:m="http://schemas.openxmlformats.org/officeDocument/2006/math">
-                    <m:oMathParaPr>
-                      <m:jc m:val="center"/>
-                    </m:oMathParaPr>
-                    <m:oMath xmlns:m="http://schemas.openxmlformats.org/officeDocument/2006/math">
-                      <m:sSub>
-                        <m:sSubPr>
-                          <m:ctrlPr>
-                            <a:rPr i="1">
-                              <a:latin typeface="Cambria Math" panose="02040503050406030204" pitchFamily="18" charset="0"/>
-                            </a:rPr>
-                          </m:ctrlPr>
-                        </m:sSubPr>
-                        <m:e>
-                          <m:r>
-                            <a:rPr>
-                              <a:latin typeface="Cambria Math" panose="02040503050406030204" pitchFamily="18" charset="0"/>
-                            </a:rPr>
-                            <m:t>𝑊</m:t>
-                          </m:r>
-                        </m:e>
-                        <m:sub>
-                          <m:r>
-                            <a:rPr>
-                              <a:latin typeface="Cambria Math" panose="02040503050406030204" pitchFamily="18" charset="0"/>
-                            </a:rPr>
-                            <m:t>𝑦</m:t>
-                          </m:r>
-                        </m:sub>
-                      </m:sSub>
-                      <m:r>
-                        <a:rPr>
-                          <a:latin typeface="Cambria Math" panose="02040503050406030204" pitchFamily="18" charset="0"/>
-                        </a:rPr>
-                        <m:t>=</m:t>
-                      </m:r>
-                      <m:f>
-                        <m:fPr>
-                          <m:ctrlPr>
-                            <a:rPr i="1">
-                              <a:latin typeface="Cambria Math" panose="02040503050406030204" pitchFamily="18" charset="0"/>
-                            </a:rPr>
-                          </m:ctrlPr>
-                        </m:fPr>
-                        <m:num>
-                          <m:sSub>
-                            <m:sSubPr>
-                              <m:ctrlPr>
-                                <a:rPr i="1">
-                                  <a:latin typeface="Cambria Math" panose="02040503050406030204" pitchFamily="18" charset="0"/>
-                                </a:rPr>
-                              </m:ctrlPr>
-                            </m:sSubPr>
-                            <m:e>
-                              <m:r>
-                                <a:rPr>
-                                  <a:latin typeface="Cambria Math" panose="02040503050406030204" pitchFamily="18" charset="0"/>
-                                </a:rPr>
-                                <m:t>𝑁</m:t>
-                              </m:r>
-                            </m:e>
-                            <m:sub>
-                              <m:r>
-                                <a:rPr>
-                                  <a:latin typeface="Cambria Math" panose="02040503050406030204" pitchFamily="18" charset="0"/>
-                                </a:rPr>
-                                <m:t>𝑠𝑎𝑚𝑝𝑙𝑒𝑠</m:t>
-                              </m:r>
-                            </m:sub>
-                          </m:sSub>
-                        </m:num>
-                        <m:den>
-                          <m:sSub>
-                            <m:sSubPr>
-                              <m:ctrlPr>
-                                <a:rPr i="1">
-                                  <a:latin typeface="Cambria Math" panose="02040503050406030204" pitchFamily="18" charset="0"/>
-                                </a:rPr>
-                              </m:ctrlPr>
-                            </m:sSubPr>
-                            <m:e>
-                              <m:r>
-                                <a:rPr>
-                                  <a:latin typeface="Cambria Math" panose="02040503050406030204" pitchFamily="18" charset="0"/>
-                                </a:rPr>
-                                <m:t>𝑀</m:t>
-                              </m:r>
-                            </m:e>
-                            <m:sub>
-                              <m:r>
-                                <a:rPr>
-                                  <a:latin typeface="Cambria Math" panose="02040503050406030204" pitchFamily="18" charset="0"/>
-                                </a:rPr>
-                                <m:t>𝑐𝑙𝑎𝑠𝑠𝑒𝑠</m:t>
-                              </m:r>
-                            </m:sub>
-                          </m:sSub>
-                          <m:r>
-                            <a:rPr>
-                              <a:latin typeface="Cambria Math" panose="02040503050406030204" pitchFamily="18" charset="0"/>
-                            </a:rPr>
-                            <m:t>𝑁𝑦</m:t>
-                          </m:r>
-                        </m:den>
-                      </m:f>
-                    </m:oMath>
-                  </m:oMathPara>
-                </a14:m>
-                <a:endParaRPr/>
-              </a:p>
-            </p:txBody>
-          </p:sp>
-        </mc:Choice>
-        <mc:Fallback xmlns="">
-          <p:sp>
-            <p:nvSpPr>
-              <p:cNvPr id="4" name="Content Placeholder 3"/>
-              <p:cNvSpPr>
-                <a:spLocks noGrp="1" noRot="1" noChangeAspect="1" noMove="1" noResize="1" noEditPoints="1" noAdjustHandles="1" noChangeArrowheads="1" noChangeShapeType="1" noTextEdit="1"/>
-              </p:cNvSpPr>
-              <p:nvPr>
-                <p:ph sz="half" idx="2"/>
-              </p:nvPr>
-            </p:nvSpPr>
-            <p:spPr>
-              <a:blipFill>
-                <a:blip r:embed="rId2"/>
-                <a:stretch>
-                  <a:fillRect l="-1699" t="-1294"/>
-                </a:stretch>
-              </a:blipFill>
-            </p:spPr>
-            <p:txBody>
-              <a:bodyPr/>
-              <a:lstStyle/>
-              <a:p>
-                <a:r>
-                  <a:rPr lang="en-CA">
-                    <a:noFill/>
-                  </a:rPr>
-                  <a:t> </a:t>
-                </a:r>
-              </a:p>
-            </p:txBody>
-          </p:sp>
-        </mc:Fallback>
-      </mc:AlternateContent>
-      <p:sp>
-        <p:nvSpPr>
-          <p:cNvPr id="5" name="Date Placeholder 4">
-            <a:extLst>
-              <a:ext uri="{FF2B5EF4-FFF2-40B4-BE49-F238E27FC236}">
-                <a16:creationId xmlns:a16="http://schemas.microsoft.com/office/drawing/2014/main" id="{0D149738-20FE-1A6A-CEBE-86F26DA5B80A}"/>
-              </a:ext>
-            </a:extLst>
-          </p:cNvPr>
-          <p:cNvSpPr>
-            <a:spLocks noGrp="1"/>
-          </p:cNvSpPr>
-          <p:nvPr>
-            <p:ph type="dt" sz="half" idx="10"/>
-          </p:nvPr>
-        </p:nvSpPr>
-        <p:spPr/>
-        <p:txBody>
-          <a:bodyPr/>
-          <a:lstStyle/>
-          <a:p>
-            <a:r>
-              <a:rPr lang="en-US"/>
-              <a:t>Februrary 2024</a:t>
-            </a:r>
-            <a:endParaRPr lang="en-CA"/>
-          </a:p>
-        </p:txBody>
-      </p:sp>
-      <p:sp>
-        <p:nvSpPr>
-          <p:cNvPr id="6" name="Footer Placeholder 5">
-            <a:extLst>
-              <a:ext uri="{FF2B5EF4-FFF2-40B4-BE49-F238E27FC236}">
-                <a16:creationId xmlns:a16="http://schemas.microsoft.com/office/drawing/2014/main" id="{A22D83E3-9554-9A8F-097A-31E41F00AAEA}"/>
-              </a:ext>
-            </a:extLst>
-          </p:cNvPr>
-          <p:cNvSpPr>
-            <a:spLocks noGrp="1"/>
-          </p:cNvSpPr>
-          <p:nvPr>
-            <p:ph type="ftr" sz="quarter" idx="11"/>
-          </p:nvPr>
-        </p:nvSpPr>
-        <p:spPr/>
-        <p:txBody>
-          <a:bodyPr/>
-          <a:lstStyle/>
-          <a:p>
-            <a:r>
-              <a:rPr lang="en-US"/>
-              <a:t>Production 3 - Working with Training Data</a:t>
-            </a:r>
-            <a:endParaRPr lang="en-CA"/>
-          </a:p>
-        </p:txBody>
-      </p:sp>
-      <p:sp>
-        <p:nvSpPr>
-          <p:cNvPr id="7" name="Slide Number Placeholder 6">
-            <a:extLst>
-              <a:ext uri="{FF2B5EF4-FFF2-40B4-BE49-F238E27FC236}">
-                <a16:creationId xmlns:a16="http://schemas.microsoft.com/office/drawing/2014/main" id="{CEFB976F-7DCC-6202-46DF-D02E54DA5929}"/>
+                <a16:creationId xmlns:a16="http://schemas.microsoft.com/office/drawing/2014/main" id="{111C99D8-5C35-C0CE-15D0-D4BD6289C4A2}"/>
               </a:ext>
             </a:extLst>
           </p:cNvPr>
@@ -7736,41 +7554,402 @@
               <a:buNone/>
             </a:pPr>
             <a:r>
-              <a:t>Class Weights and Performance</a:t>
-            </a:r>
-          </a:p>
-        </p:txBody>
-      </p:sp>
-      <p:pic>
-        <p:nvPicPr>
-          <p:cNvPr id="3" name="Picture 1" descr="./img/performance_class_weights.png"/>
-          <p:cNvPicPr>
-            <a:picLocks noGrp="1" noChangeAspect="1"/>
-          </p:cNvPicPr>
-          <p:nvPr/>
-        </p:nvPicPr>
-        <p:blipFill>
-          <a:blip r:embed="rId2"/>
-          <a:stretch>
-            <a:fillRect/>
-          </a:stretch>
-        </p:blipFill>
-        <p:spPr bwMode="auto">
-          <a:xfrm>
-            <a:off x="673100" y="2146300"/>
-            <a:ext cx="4660900" cy="3467100"/>
-          </a:xfrm>
-          <a:prstGeom prst="rect">
-            <a:avLst/>
-          </a:prstGeom>
-          <a:noFill/>
-          <a:ln w="9525">
-            <a:noFill/>
-            <a:headEnd/>
-            <a:tailEnd/>
-          </a:ln>
-        </p:spPr>
-      </p:pic>
+              <a:t>Cross-entropy, Negative Log-Loss, and Log-Likelihood</a:t>
+            </a:r>
+          </a:p>
+        </p:txBody>
+      </p:sp>
+      <mc:AlternateContent xmlns:mc="http://schemas.openxmlformats.org/markup-compatibility/2006">
+        <mc:Choice xmlns:a14="http://schemas.microsoft.com/office/drawing/2010/main" Requires="a14">
+          <p:sp>
+            <p:nvSpPr>
+              <p:cNvPr id="3" name="Content Placeholder 2"/>
+              <p:cNvSpPr>
+                <a:spLocks noGrp="1"/>
+              </p:cNvSpPr>
+              <p:nvPr>
+                <p:ph sz="half" idx="1"/>
+              </p:nvPr>
+            </p:nvSpPr>
+            <p:spPr/>
+            <p:txBody>
+              <a:bodyPr>
+                <a:normAutofit/>
+              </a:bodyPr>
+              <a:lstStyle/>
+              <a:p>
+                <a:pPr lvl="0"/>
+                <a:r>
+                  <a:rPr sz="1400" dirty="0"/>
+                  <a:t>Log loss or cross-entropy loss is a performance metric that quantifies the difference between predicted and actual probabilities.</a:t>
+                </a:r>
+              </a:p>
+              <a:p>
+                <a:pPr lvl="0"/>
+                <a:r>
+                  <a:rPr sz="1400" dirty="0"/>
+                  <a:t>In a two-class setting, it is given by:</a:t>
+                </a:r>
+              </a:p>
+              <a:p>
+                <a:pPr marL="0" lvl="0" indent="0">
+                  <a:buNone/>
+                </a:pPr>
+                <a14:m>
+                  <m:oMathPara xmlns:m="http://schemas.openxmlformats.org/officeDocument/2006/math">
+                    <m:oMathParaPr>
+                      <m:jc m:val="center"/>
+                    </m:oMathParaPr>
+                    <m:oMath xmlns:m="http://schemas.openxmlformats.org/officeDocument/2006/math">
+                      <m:r>
+                        <a:rPr sz="1400">
+                          <a:latin typeface="Cambria Math" panose="02040503050406030204" pitchFamily="18" charset="0"/>
+                        </a:rPr>
+                        <m:t>𝐻</m:t>
+                      </m:r>
+                      <m:d>
+                        <m:dPr>
+                          <m:ctrlPr>
+                            <a:rPr sz="1400" i="1">
+                              <a:latin typeface="Cambria Math" panose="02040503050406030204" pitchFamily="18" charset="0"/>
+                            </a:rPr>
+                          </m:ctrlPr>
+                        </m:dPr>
+                        <m:e>
+                          <m:r>
+                            <a:rPr sz="1400">
+                              <a:latin typeface="Cambria Math" panose="02040503050406030204" pitchFamily="18" charset="0"/>
+                            </a:rPr>
+                            <m:t>𝑝</m:t>
+                          </m:r>
+                          <m:r>
+                            <a:rPr sz="1400">
+                              <a:latin typeface="Cambria Math" panose="02040503050406030204" pitchFamily="18" charset="0"/>
+                            </a:rPr>
+                            <m:t>,</m:t>
+                          </m:r>
+                          <m:r>
+                            <a:rPr sz="1400">
+                              <a:latin typeface="Cambria Math" panose="02040503050406030204" pitchFamily="18" charset="0"/>
+                            </a:rPr>
+                            <m:t>𝑞</m:t>
+                          </m:r>
+                        </m:e>
+                      </m:d>
+                      <m:r>
+                        <a:rPr sz="1400">
+                          <a:latin typeface="Cambria Math" panose="02040503050406030204" pitchFamily="18" charset="0"/>
+                        </a:rPr>
+                        <m:t>=−</m:t>
+                      </m:r>
+                      <m:nary>
+                        <m:naryPr>
+                          <m:chr m:val="∑"/>
+                          <m:limLoc m:val="undOvr"/>
+                          <m:ctrlPr>
+                            <a:rPr sz="1400" i="1">
+                              <a:latin typeface="Cambria Math" panose="02040503050406030204" pitchFamily="18" charset="0"/>
+                            </a:rPr>
+                          </m:ctrlPr>
+                        </m:naryPr>
+                        <m:sub>
+                          <m:r>
+                            <a:rPr sz="1400">
+                              <a:latin typeface="Cambria Math" panose="02040503050406030204" pitchFamily="18" charset="0"/>
+                            </a:rPr>
+                            <m:t>𝑖</m:t>
+                          </m:r>
+                          <m:r>
+                            <a:rPr sz="1400">
+                              <a:latin typeface="Cambria Math" panose="02040503050406030204" pitchFamily="18" charset="0"/>
+                            </a:rPr>
+                            <m:t>=1</m:t>
+                          </m:r>
+                        </m:sub>
+                        <m:sup>
+                          <m:r>
+                            <a:rPr sz="1400">
+                              <a:latin typeface="Cambria Math" panose="02040503050406030204" pitchFamily="18" charset="0"/>
+                            </a:rPr>
+                            <m:t>𝑛</m:t>
+                          </m:r>
+                        </m:sup>
+                        <m:e>
+                          <m:d>
+                            <m:dPr>
+                              <m:ctrlPr>
+                                <a:rPr sz="1400" i="1">
+                                  <a:latin typeface="Cambria Math" panose="02040503050406030204" pitchFamily="18" charset="0"/>
+                                </a:rPr>
+                              </m:ctrlPr>
+                            </m:dPr>
+                            <m:e>
+                              <m:sSub>
+                                <m:sSubPr>
+                                  <m:ctrlPr>
+                                    <a:rPr sz="1400" i="1">
+                                      <a:latin typeface="Cambria Math" panose="02040503050406030204" pitchFamily="18" charset="0"/>
+                                    </a:rPr>
+                                  </m:ctrlPr>
+                                </m:sSubPr>
+                                <m:e>
+                                  <m:r>
+                                    <a:rPr sz="1400">
+                                      <a:latin typeface="Cambria Math" panose="02040503050406030204" pitchFamily="18" charset="0"/>
+                                    </a:rPr>
+                                    <m:t>𝑦</m:t>
+                                  </m:r>
+                                </m:e>
+                                <m:sub>
+                                  <m:r>
+                                    <a:rPr sz="1400">
+                                      <a:latin typeface="Cambria Math" panose="02040503050406030204" pitchFamily="18" charset="0"/>
+                                    </a:rPr>
+                                    <m:t>𝑖</m:t>
+                                  </m:r>
+                                </m:sub>
+                              </m:sSub>
+                              <m:r>
+                                <a:rPr sz="1400">
+                                  <a:latin typeface="Cambria Math" panose="02040503050406030204" pitchFamily="18" charset="0"/>
+                                </a:rPr>
+                                <m:t>𝑙𝑜𝑔</m:t>
+                              </m:r>
+                              <m:d>
+                                <m:dPr>
+                                  <m:ctrlPr>
+                                    <a:rPr sz="1400" i="1">
+                                      <a:latin typeface="Cambria Math" panose="02040503050406030204" pitchFamily="18" charset="0"/>
+                                    </a:rPr>
+                                  </m:ctrlPr>
+                                </m:dPr>
+                                <m:e>
+                                  <m:sSub>
+                                    <m:sSubPr>
+                                      <m:ctrlPr>
+                                        <a:rPr sz="1400" i="1">
+                                          <a:latin typeface="Cambria Math" panose="02040503050406030204" pitchFamily="18" charset="0"/>
+                                        </a:rPr>
+                                      </m:ctrlPr>
+                                    </m:sSubPr>
+                                    <m:e>
+                                      <m:acc>
+                                        <m:accPr>
+                                          <m:chr m:val="̂"/>
+                                          <m:ctrlPr>
+                                            <a:rPr sz="1400" i="1">
+                                              <a:latin typeface="Cambria Math" panose="02040503050406030204" pitchFamily="18" charset="0"/>
+                                            </a:rPr>
+                                          </m:ctrlPr>
+                                        </m:accPr>
+                                        <m:e>
+                                          <m:r>
+                                            <a:rPr sz="1400">
+                                              <a:latin typeface="Cambria Math" panose="02040503050406030204" pitchFamily="18" charset="0"/>
+                                            </a:rPr>
+                                            <m:t>𝑦</m:t>
+                                          </m:r>
+                                        </m:e>
+                                      </m:acc>
+                                    </m:e>
+                                    <m:sub>
+                                      <m:r>
+                                        <a:rPr sz="1400">
+                                          <a:latin typeface="Cambria Math" panose="02040503050406030204" pitchFamily="18" charset="0"/>
+                                        </a:rPr>
+                                        <m:t>𝜃</m:t>
+                                      </m:r>
+                                      <m:r>
+                                        <a:rPr sz="1400">
+                                          <a:latin typeface="Cambria Math" panose="02040503050406030204" pitchFamily="18" charset="0"/>
+                                        </a:rPr>
+                                        <m:t>,</m:t>
+                                      </m:r>
+                                      <m:r>
+                                        <a:rPr sz="1400">
+                                          <a:latin typeface="Cambria Math" panose="02040503050406030204" pitchFamily="18" charset="0"/>
+                                        </a:rPr>
+                                        <m:t>𝑖</m:t>
+                                      </m:r>
+                                    </m:sub>
+                                  </m:sSub>
+                                </m:e>
+                              </m:d>
+                              <m:r>
+                                <a:rPr sz="1400">
+                                  <a:latin typeface="Cambria Math" panose="02040503050406030204" pitchFamily="18" charset="0"/>
+                                </a:rPr>
+                                <m:t>+</m:t>
+                              </m:r>
+                              <m:d>
+                                <m:dPr>
+                                  <m:ctrlPr>
+                                    <a:rPr sz="1400" i="1">
+                                      <a:latin typeface="Cambria Math" panose="02040503050406030204" pitchFamily="18" charset="0"/>
+                                    </a:rPr>
+                                  </m:ctrlPr>
+                                </m:dPr>
+                                <m:e>
+                                  <m:r>
+                                    <a:rPr sz="1400">
+                                      <a:latin typeface="Cambria Math" panose="02040503050406030204" pitchFamily="18" charset="0"/>
+                                    </a:rPr>
+                                    <m:t>1−</m:t>
+                                  </m:r>
+                                  <m:sSub>
+                                    <m:sSubPr>
+                                      <m:ctrlPr>
+                                        <a:rPr sz="1400" i="1">
+                                          <a:latin typeface="Cambria Math" panose="02040503050406030204" pitchFamily="18" charset="0"/>
+                                        </a:rPr>
+                                      </m:ctrlPr>
+                                    </m:sSubPr>
+                                    <m:e>
+                                      <m:r>
+                                        <a:rPr sz="1400">
+                                          <a:latin typeface="Cambria Math" panose="02040503050406030204" pitchFamily="18" charset="0"/>
+                                        </a:rPr>
+                                        <m:t>𝑦</m:t>
+                                      </m:r>
+                                    </m:e>
+                                    <m:sub>
+                                      <m:r>
+                                        <a:rPr sz="1400">
+                                          <a:latin typeface="Cambria Math" panose="02040503050406030204" pitchFamily="18" charset="0"/>
+                                        </a:rPr>
+                                        <m:t>𝑖</m:t>
+                                      </m:r>
+                                    </m:sub>
+                                  </m:sSub>
+                                </m:e>
+                              </m:d>
+                              <m:r>
+                                <a:rPr sz="1400">
+                                  <a:latin typeface="Cambria Math" panose="02040503050406030204" pitchFamily="18" charset="0"/>
+                                </a:rPr>
+                                <m:t>𝑙𝑜𝑔</m:t>
+                              </m:r>
+                              <m:d>
+                                <m:dPr>
+                                  <m:ctrlPr>
+                                    <a:rPr sz="1400" i="1">
+                                      <a:latin typeface="Cambria Math" panose="02040503050406030204" pitchFamily="18" charset="0"/>
+                                    </a:rPr>
+                                  </m:ctrlPr>
+                                </m:dPr>
+                                <m:e>
+                                  <m:r>
+                                    <a:rPr sz="1400">
+                                      <a:latin typeface="Cambria Math" panose="02040503050406030204" pitchFamily="18" charset="0"/>
+                                    </a:rPr>
+                                    <m:t>1−</m:t>
+                                  </m:r>
+                                  <m:sSub>
+                                    <m:sSubPr>
+                                      <m:ctrlPr>
+                                        <a:rPr sz="1400" i="1">
+                                          <a:latin typeface="Cambria Math" panose="02040503050406030204" pitchFamily="18" charset="0"/>
+                                        </a:rPr>
+                                      </m:ctrlPr>
+                                    </m:sSubPr>
+                                    <m:e>
+                                      <m:acc>
+                                        <m:accPr>
+                                          <m:chr m:val="̂"/>
+                                          <m:ctrlPr>
+                                            <a:rPr sz="1400" i="1">
+                                              <a:latin typeface="Cambria Math" panose="02040503050406030204" pitchFamily="18" charset="0"/>
+                                            </a:rPr>
+                                          </m:ctrlPr>
+                                        </m:accPr>
+                                        <m:e>
+                                          <m:r>
+                                            <a:rPr sz="1400">
+                                              <a:latin typeface="Cambria Math" panose="02040503050406030204" pitchFamily="18" charset="0"/>
+                                            </a:rPr>
+                                            <m:t>𝑦</m:t>
+                                          </m:r>
+                                        </m:e>
+                                      </m:acc>
+                                    </m:e>
+                                    <m:sub>
+                                      <m:r>
+                                        <a:rPr sz="1400">
+                                          <a:latin typeface="Cambria Math" panose="02040503050406030204" pitchFamily="18" charset="0"/>
+                                        </a:rPr>
+                                        <m:t>𝜃</m:t>
+                                      </m:r>
+                                      <m:r>
+                                        <a:rPr sz="1400">
+                                          <a:latin typeface="Cambria Math" panose="02040503050406030204" pitchFamily="18" charset="0"/>
+                                        </a:rPr>
+                                        <m:t>,</m:t>
+                                      </m:r>
+                                      <m:r>
+                                        <a:rPr sz="1400">
+                                          <a:latin typeface="Cambria Math" panose="02040503050406030204" pitchFamily="18" charset="0"/>
+                                        </a:rPr>
+                                        <m:t>𝑖</m:t>
+                                      </m:r>
+                                    </m:sub>
+                                  </m:sSub>
+                                </m:e>
+                              </m:d>
+                            </m:e>
+                          </m:d>
+                        </m:e>
+                      </m:nary>
+                    </m:oMath>
+                  </m:oMathPara>
+                </a14:m>
+                <a:endParaRPr sz="1400" dirty="0"/>
+              </a:p>
+              <a:p>
+                <a:pPr marL="0" lvl="0" indent="0">
+                  <a:buNone/>
+                </a:pPr>
+                <a:r>
+                  <a:rPr sz="1400" dirty="0"/>
+                  <a:t>+ Formulation is related to maximum likelihood: minimizing negative log-likelihood is the “same” as minimizing log loss.</a:t>
+                </a:r>
+              </a:p>
+            </p:txBody>
+          </p:sp>
+        </mc:Choice>
+        <mc:Fallback>
+          <p:sp>
+            <p:nvSpPr>
+              <p:cNvPr id="3" name="Content Placeholder 2"/>
+              <p:cNvSpPr>
+                <a:spLocks noGrp="1" noRot="1" noChangeAspect="1" noMove="1" noResize="1" noEditPoints="1" noAdjustHandles="1" noChangeArrowheads="1" noChangeShapeType="1" noTextEdit="1"/>
+              </p:cNvSpPr>
+              <p:nvPr>
+                <p:ph sz="half" idx="1"/>
+              </p:nvPr>
+            </p:nvSpPr>
+            <p:spPr>
+              <a:blipFill>
+                <a:blip r:embed="rId2"/>
+                <a:stretch>
+                  <a:fillRect l="-392"/>
+                </a:stretch>
+              </a:blipFill>
+            </p:spPr>
+            <p:txBody>
+              <a:bodyPr/>
+              <a:lstStyle/>
+              <a:p>
+                <a:r>
+                  <a:rPr lang="en-CA">
+                    <a:noFill/>
+                  </a:rPr>
+                  <a:t> </a:t>
+                </a:r>
+              </a:p>
+            </p:txBody>
+          </p:sp>
+        </mc:Fallback>
+      </mc:AlternateContent>
       <p:sp>
         <p:nvSpPr>
           <p:cNvPr id="4" name="Content Placeholder 3"/>
@@ -7783,18 +7962,61 @@
         </p:nvSpPr>
         <p:spPr/>
         <p:txBody>
-          <a:bodyPr/>
+          <a:bodyPr>
+            <a:normAutofit/>
+          </a:bodyPr>
           <a:lstStyle/>
           <a:p>
             <a:pPr lvl="0"/>
             <a:r>
-              <a:t>Class weights (unequal costs) can affect model parameters and performance.</a:t>
+              <a:rPr sz="1400" dirty="0"/>
+              <a:t>Assume the actual value is 1.</a:t>
             </a:r>
           </a:p>
           <a:p>
             <a:pPr lvl="0"/>
             <a:r>
-              <a:t>Not every model will be equally affected by class weight strategies.</a:t>
+              <a:rPr sz="1400" dirty="0"/>
+              <a:t>If the model is confident and correctly predicted 0.9, then </a:t>
+            </a:r>
+            <a:r>
+              <a:rPr sz="1400" dirty="0">
+                <a:latin typeface="Courier"/>
+              </a:rPr>
+              <a:t>Loss = -(1*log(0.9)) = 0.10536</a:t>
+            </a:r>
+          </a:p>
+          <a:p>
+            <a:pPr lvl="0"/>
+            <a:r>
+              <a:rPr sz="1400" dirty="0"/>
+              <a:t>If the model is unsure and predicted 0.5, then </a:t>
+            </a:r>
+            <a:br>
+              <a:rPr lang="en-US" sz="1400" dirty="0"/>
+            </a:br>
+            <a:r>
+              <a:rPr sz="1400" dirty="0">
+                <a:latin typeface="Courier"/>
+              </a:rPr>
+              <a:t>Loss = -(1*log(0.5)) = 0.6931</a:t>
+            </a:r>
+            <a:r>
+              <a:rPr sz="1400" dirty="0"/>
+              <a:t>.</a:t>
+            </a:r>
+          </a:p>
+          <a:p>
+            <a:pPr lvl="0"/>
+            <a:r>
+              <a:rPr sz="1400" dirty="0"/>
+              <a:t>If the model is confident but incorrectly predicted 0.1, then </a:t>
+            </a:r>
+            <a:r>
+              <a:rPr sz="1400" dirty="0">
+                <a:latin typeface="Courier"/>
+              </a:rPr>
+              <a:t>Loss = -(1*log(0.1)) = 2.0258</a:t>
             </a:r>
           </a:p>
         </p:txBody>
@@ -7804,7 +8026,7 @@
           <p:cNvPr id="5" name="Date Placeholder 4">
             <a:extLst>
               <a:ext uri="{FF2B5EF4-FFF2-40B4-BE49-F238E27FC236}">
-                <a16:creationId xmlns:a16="http://schemas.microsoft.com/office/drawing/2014/main" id="{B66A0CD2-8AED-6BD7-32F5-8543E0DFAFD8}"/>
+                <a16:creationId xmlns:a16="http://schemas.microsoft.com/office/drawing/2014/main" id="{5C926452-0952-E6B2-825E-F43F97348423}"/>
               </a:ext>
             </a:extLst>
           </p:cNvPr>
@@ -7821,10 +8043,9 @@
           <a:lstStyle/>
           <a:p>
             <a:r>
-              <a:rPr lang="en-US"/>
-              <a:t>Februrary 2024</a:t>
-            </a:r>
-            <a:endParaRPr lang="en-CA"/>
+              <a:rPr lang="en-CA"/>
+              <a:t>February 2024</a:t>
+            </a:r>
           </a:p>
         </p:txBody>
       </p:sp>
@@ -7833,7 +8054,7 @@
           <p:cNvPr id="6" name="Footer Placeholder 5">
             <a:extLst>
               <a:ext uri="{FF2B5EF4-FFF2-40B4-BE49-F238E27FC236}">
-                <a16:creationId xmlns:a16="http://schemas.microsoft.com/office/drawing/2014/main" id="{7FCE8834-15EB-3C39-AE1B-F5F7004B8360}"/>
+                <a16:creationId xmlns:a16="http://schemas.microsoft.com/office/drawing/2014/main" id="{E88BADC5-3502-EF29-90D3-DD9B4AA8FA70}"/>
               </a:ext>
             </a:extLst>
           </p:cNvPr>
@@ -7862,7 +8083,7 @@
           <p:cNvPr id="7" name="Slide Number Placeholder 6">
             <a:extLst>
               <a:ext uri="{FF2B5EF4-FFF2-40B4-BE49-F238E27FC236}">
-                <a16:creationId xmlns:a16="http://schemas.microsoft.com/office/drawing/2014/main" id="{2B951723-A5AF-8D3F-6F63-83C42EEFDD67}"/>
+                <a16:creationId xmlns:a16="http://schemas.microsoft.com/office/drawing/2014/main" id="{0E0041C1-5571-2C0D-DDB8-FF84BF48E285}"/>
               </a:ext>
             </a:extLst>
           </p:cNvPr>
@@ -7930,6 +8151,566 @@
               <a:buNone/>
             </a:pPr>
             <a:r>
+              <a:t>Class Weights</a:t>
+            </a:r>
+          </a:p>
+        </p:txBody>
+      </p:sp>
+      <p:sp>
+        <p:nvSpPr>
+          <p:cNvPr id="3" name="Content Placeholder 2"/>
+          <p:cNvSpPr>
+            <a:spLocks noGrp="1"/>
+          </p:cNvSpPr>
+          <p:nvPr>
+            <p:ph sz="half" idx="1"/>
+          </p:nvPr>
+        </p:nvSpPr>
+        <p:spPr/>
+        <p:txBody>
+          <a:bodyPr>
+            <a:normAutofit/>
+          </a:bodyPr>
+          <a:lstStyle/>
+          <a:p>
+            <a:pPr lvl="0"/>
+            <a:r>
+              <a:rPr sz="2000" dirty="0"/>
+              <a:t>Some models can optimize a cost or loss function that differentiates for specific types of errors.</a:t>
+            </a:r>
+          </a:p>
+          <a:p>
+            <a:pPr lvl="0"/>
+            <a:r>
+              <a:rPr sz="2000" dirty="0"/>
+              <a:t>In some instances, one can assume that misclassifying minority events (false negatives) is more costly than incorrectly predicting non-events (false positives).</a:t>
+            </a:r>
+          </a:p>
+        </p:txBody>
+      </p:sp>
+      <mc:AlternateContent xmlns:mc="http://schemas.openxmlformats.org/markup-compatibility/2006">
+        <mc:Choice xmlns:a14="http://schemas.microsoft.com/office/drawing/2010/main" Requires="a14">
+          <p:sp>
+            <p:nvSpPr>
+              <p:cNvPr id="4" name="Content Placeholder 3"/>
+              <p:cNvSpPr>
+                <a:spLocks noGrp="1"/>
+              </p:cNvSpPr>
+              <p:nvPr>
+                <p:ph sz="half" idx="2"/>
+              </p:nvPr>
+            </p:nvSpPr>
+            <p:spPr/>
+            <p:txBody>
+              <a:bodyPr>
+                <a:normAutofit/>
+              </a:bodyPr>
+              <a:lstStyle/>
+              <a:p>
+                <a:pPr lvl="0"/>
+                <a:r>
+                  <a:rPr sz="2000"/>
+                  <a:t>Relative cost or class weights can be determined by</a:t>
+                </a:r>
+              </a:p>
+              <a:p>
+                <a:pPr lvl="1"/>
+                <a:r>
+                  <a:rPr sz="1800"/>
+                  <a:t>Consulting a Cost Specialist or Subject Matter Expert</a:t>
+                </a:r>
+              </a:p>
+              <a:p>
+                <a:pPr lvl="1"/>
+                <a:r>
+                  <a:rPr sz="1800"/>
+                  <a:t>Balance function</a:t>
+                </a:r>
+              </a:p>
+              <a:p>
+                <a:pPr marL="0" lvl="0" indent="0">
+                  <a:buNone/>
+                </a:pPr>
+                <a14:m>
+                  <m:oMathPara xmlns:m="http://schemas.openxmlformats.org/officeDocument/2006/math">
+                    <m:oMathParaPr>
+                      <m:jc m:val="center"/>
+                    </m:oMathParaPr>
+                    <m:oMath xmlns:m="http://schemas.openxmlformats.org/officeDocument/2006/math">
+                      <m:sSub>
+                        <m:sSubPr>
+                          <m:ctrlPr>
+                            <a:rPr sz="2000">
+                              <a:latin typeface="Cambria Math" panose="02040503050406030204" pitchFamily="18" charset="0"/>
+                            </a:rPr>
+                          </m:ctrlPr>
+                        </m:sSubPr>
+                        <m:e>
+                          <m:r>
+                            <a:rPr sz="2000">
+                              <a:latin typeface="Cambria Math" panose="02040503050406030204" pitchFamily="18" charset="0"/>
+                            </a:rPr>
+                            <m:t>𝑊</m:t>
+                          </m:r>
+                        </m:e>
+                        <m:sub>
+                          <m:r>
+                            <a:rPr sz="2000">
+                              <a:latin typeface="Cambria Math" panose="02040503050406030204" pitchFamily="18" charset="0"/>
+                            </a:rPr>
+                            <m:t>𝑦</m:t>
+                          </m:r>
+                        </m:sub>
+                      </m:sSub>
+                      <m:r>
+                        <a:rPr sz="2000">
+                          <a:latin typeface="Cambria Math" panose="02040503050406030204" pitchFamily="18" charset="0"/>
+                        </a:rPr>
+                        <m:t>=</m:t>
+                      </m:r>
+                      <m:f>
+                        <m:fPr>
+                          <m:ctrlPr>
+                            <a:rPr sz="2000" i="1">
+                              <a:latin typeface="Cambria Math" panose="02040503050406030204" pitchFamily="18" charset="0"/>
+                            </a:rPr>
+                          </m:ctrlPr>
+                        </m:fPr>
+                        <m:num>
+                          <m:sSub>
+                            <m:sSubPr>
+                              <m:ctrlPr>
+                                <a:rPr sz="2000" i="1">
+                                  <a:latin typeface="Cambria Math" panose="02040503050406030204" pitchFamily="18" charset="0"/>
+                                </a:rPr>
+                              </m:ctrlPr>
+                            </m:sSubPr>
+                            <m:e>
+                              <m:r>
+                                <a:rPr sz="2000">
+                                  <a:latin typeface="Cambria Math" panose="02040503050406030204" pitchFamily="18" charset="0"/>
+                                </a:rPr>
+                                <m:t>𝑁</m:t>
+                              </m:r>
+                            </m:e>
+                            <m:sub>
+                              <m:r>
+                                <a:rPr sz="2000">
+                                  <a:latin typeface="Cambria Math" panose="02040503050406030204" pitchFamily="18" charset="0"/>
+                                </a:rPr>
+                                <m:t>𝑠𝑎𝑚𝑝𝑙𝑒𝑠</m:t>
+                              </m:r>
+                            </m:sub>
+                          </m:sSub>
+                        </m:num>
+                        <m:den>
+                          <m:sSub>
+                            <m:sSubPr>
+                              <m:ctrlPr>
+                                <a:rPr sz="2000" i="1">
+                                  <a:latin typeface="Cambria Math" panose="02040503050406030204" pitchFamily="18" charset="0"/>
+                                </a:rPr>
+                              </m:ctrlPr>
+                            </m:sSubPr>
+                            <m:e>
+                              <m:r>
+                                <a:rPr sz="2000">
+                                  <a:latin typeface="Cambria Math" panose="02040503050406030204" pitchFamily="18" charset="0"/>
+                                </a:rPr>
+                                <m:t>𝑀</m:t>
+                              </m:r>
+                            </m:e>
+                            <m:sub>
+                              <m:r>
+                                <a:rPr sz="2000">
+                                  <a:latin typeface="Cambria Math" panose="02040503050406030204" pitchFamily="18" charset="0"/>
+                                </a:rPr>
+                                <m:t>𝑐𝑙𝑎𝑠𝑠𝑒𝑠</m:t>
+                              </m:r>
+                            </m:sub>
+                          </m:sSub>
+                          <m:r>
+                            <a:rPr sz="2000">
+                              <a:latin typeface="Cambria Math" panose="02040503050406030204" pitchFamily="18" charset="0"/>
+                            </a:rPr>
+                            <m:t>𝑁𝑦</m:t>
+                          </m:r>
+                        </m:den>
+                      </m:f>
+                    </m:oMath>
+                  </m:oMathPara>
+                </a14:m>
+                <a:endParaRPr sz="2000"/>
+              </a:p>
+            </p:txBody>
+          </p:sp>
+        </mc:Choice>
+        <mc:Fallback>
+          <p:sp>
+            <p:nvSpPr>
+              <p:cNvPr id="4" name="Content Placeholder 3"/>
+              <p:cNvSpPr>
+                <a:spLocks noGrp="1" noRot="1" noChangeAspect="1" noMove="1" noResize="1" noEditPoints="1" noAdjustHandles="1" noChangeArrowheads="1" noChangeShapeType="1" noTextEdit="1"/>
+              </p:cNvSpPr>
+              <p:nvPr>
+                <p:ph sz="half" idx="2"/>
+              </p:nvPr>
+            </p:nvSpPr>
+            <p:spPr>
+              <a:blipFill>
+                <a:blip r:embed="rId2"/>
+                <a:stretch>
+                  <a:fillRect l="-1176" t="-324"/>
+                </a:stretch>
+              </a:blipFill>
+            </p:spPr>
+            <p:txBody>
+              <a:bodyPr/>
+              <a:lstStyle/>
+              <a:p>
+                <a:r>
+                  <a:rPr lang="en-CA">
+                    <a:noFill/>
+                  </a:rPr>
+                  <a:t> </a:t>
+                </a:r>
+              </a:p>
+            </p:txBody>
+          </p:sp>
+        </mc:Fallback>
+      </mc:AlternateContent>
+      <p:sp>
+        <p:nvSpPr>
+          <p:cNvPr id="5" name="Date Placeholder 4">
+            <a:extLst>
+              <a:ext uri="{FF2B5EF4-FFF2-40B4-BE49-F238E27FC236}">
+                <a16:creationId xmlns:a16="http://schemas.microsoft.com/office/drawing/2014/main" id="{7A7A00A0-85F3-0D49-C3B0-E2FE05FB3BC6}"/>
+              </a:ext>
+            </a:extLst>
+          </p:cNvPr>
+          <p:cNvSpPr>
+            <a:spLocks noGrp="1"/>
+          </p:cNvSpPr>
+          <p:nvPr>
+            <p:ph type="dt" sz="half" idx="10"/>
+          </p:nvPr>
+        </p:nvSpPr>
+        <p:spPr/>
+        <p:txBody>
+          <a:bodyPr/>
+          <a:lstStyle/>
+          <a:p>
+            <a:r>
+              <a:rPr lang="en-CA"/>
+              <a:t>February 2024</a:t>
+            </a:r>
+          </a:p>
+        </p:txBody>
+      </p:sp>
+      <p:sp>
+        <p:nvSpPr>
+          <p:cNvPr id="6" name="Footer Placeholder 5">
+            <a:extLst>
+              <a:ext uri="{FF2B5EF4-FFF2-40B4-BE49-F238E27FC236}">
+                <a16:creationId xmlns:a16="http://schemas.microsoft.com/office/drawing/2014/main" id="{C0B745FA-0D33-243A-AC69-4E523A416ED3}"/>
+              </a:ext>
+            </a:extLst>
+          </p:cNvPr>
+          <p:cNvSpPr>
+            <a:spLocks noGrp="1"/>
+          </p:cNvSpPr>
+          <p:nvPr>
+            <p:ph type="ftr" sz="quarter" idx="11"/>
+          </p:nvPr>
+        </p:nvSpPr>
+        <p:spPr/>
+        <p:txBody>
+          <a:bodyPr/>
+          <a:lstStyle/>
+          <a:p>
+            <a:r>
+              <a:rPr lang="en-US"/>
+              <a:t>Production 3 - Working with Training Data</a:t>
+            </a:r>
+            <a:endParaRPr lang="en-CA"/>
+          </a:p>
+        </p:txBody>
+      </p:sp>
+      <p:sp>
+        <p:nvSpPr>
+          <p:cNvPr id="7" name="Slide Number Placeholder 6">
+            <a:extLst>
+              <a:ext uri="{FF2B5EF4-FFF2-40B4-BE49-F238E27FC236}">
+                <a16:creationId xmlns:a16="http://schemas.microsoft.com/office/drawing/2014/main" id="{F1C06605-3E52-B7A8-737F-E014EEFD4260}"/>
+              </a:ext>
+            </a:extLst>
+          </p:cNvPr>
+          <p:cNvSpPr>
+            <a:spLocks noGrp="1"/>
+          </p:cNvSpPr>
+          <p:nvPr>
+            <p:ph type="sldNum" sz="quarter" idx="12"/>
+          </p:nvPr>
+        </p:nvSpPr>
+        <p:spPr/>
+        <p:txBody>
+          <a:bodyPr/>
+          <a:lstStyle/>
+          <a:p>
+            <a:fld id="{4F4BDF5D-830C-4829-B676-EE421164B1C8}" type="slidenum">
+              <a:rPr lang="en-CA" smtClean="0"/>
+              <a:t>24</a:t>
+            </a:fld>
+            <a:endParaRPr lang="en-CA"/>
+          </a:p>
+        </p:txBody>
+      </p:sp>
+    </p:spTree>
+  </p:cSld>
+  <p:clrMapOvr>
+    <a:masterClrMapping/>
+  </p:clrMapOvr>
+</p:sld>
+</file>
+
+<file path=ppt/slides/slide25.xml><?xml version="1.0" encoding="utf-8"?>
+<p:sld xmlns:a="http://schemas.openxmlformats.org/drawingml/2006/main" xmlns:r="http://schemas.openxmlformats.org/officeDocument/2006/relationships" xmlns:p="http://schemas.openxmlformats.org/presentationml/2006/main">
+  <p:cSld>
+    <p:spTree>
+      <p:nvGrpSpPr>
+        <p:cNvPr id="1" name=""/>
+        <p:cNvGrpSpPr/>
+        <p:nvPr/>
+      </p:nvGrpSpPr>
+      <p:grpSpPr>
+        <a:xfrm>
+          <a:off x="0" y="0"/>
+          <a:ext cx="0" cy="0"/>
+          <a:chOff x="0" y="0"/>
+          <a:chExt cx="0" cy="0"/>
+        </a:xfrm>
+      </p:grpSpPr>
+      <p:pic>
+        <p:nvPicPr>
+          <p:cNvPr id="3" name="Picture 1" descr="./img/performance_class_weights.png"/>
+          <p:cNvPicPr>
+            <a:picLocks noGrp="1" noChangeAspect="1"/>
+          </p:cNvPicPr>
+          <p:nvPr/>
+        </p:nvPicPr>
+        <p:blipFill>
+          <a:blip r:embed="rId2"/>
+          <a:stretch>
+            <a:fillRect/>
+          </a:stretch>
+        </p:blipFill>
+        <p:spPr bwMode="auto">
+          <a:xfrm>
+            <a:off x="273050" y="1506357"/>
+            <a:ext cx="6718300" cy="4997536"/>
+          </a:xfrm>
+          <a:prstGeom prst="rect">
+            <a:avLst/>
+          </a:prstGeom>
+          <a:noFill/>
+          <a:ln w="9525">
+            <a:noFill/>
+            <a:headEnd/>
+            <a:tailEnd/>
+          </a:ln>
+        </p:spPr>
+      </p:pic>
+      <p:sp>
+        <p:nvSpPr>
+          <p:cNvPr id="2" name="Title 1"/>
+          <p:cNvSpPr>
+            <a:spLocks noGrp="1"/>
+          </p:cNvSpPr>
+          <p:nvPr>
+            <p:ph type="title"/>
+          </p:nvPr>
+        </p:nvSpPr>
+        <p:spPr/>
+        <p:txBody>
+          <a:bodyPr/>
+          <a:lstStyle/>
+          <a:p>
+            <a:pPr marL="0" lvl="0" indent="0">
+              <a:buNone/>
+            </a:pPr>
+            <a:r>
+              <a:t>Class Weights and Performance</a:t>
+            </a:r>
+          </a:p>
+        </p:txBody>
+      </p:sp>
+      <p:sp>
+        <p:nvSpPr>
+          <p:cNvPr id="4" name="Content Placeholder 3"/>
+          <p:cNvSpPr>
+            <a:spLocks noGrp="1"/>
+          </p:cNvSpPr>
+          <p:nvPr>
+            <p:ph sz="half" idx="2"/>
+          </p:nvPr>
+        </p:nvSpPr>
+        <p:spPr>
+          <a:xfrm>
+            <a:off x="7543800" y="1998134"/>
+            <a:ext cx="3130970" cy="3767328"/>
+          </a:xfrm>
+        </p:spPr>
+        <p:txBody>
+          <a:bodyPr>
+            <a:normAutofit/>
+          </a:bodyPr>
+          <a:lstStyle/>
+          <a:p>
+            <a:pPr lvl="0"/>
+            <a:r>
+              <a:rPr sz="1600" dirty="0"/>
+              <a:t>Class weights (unequal costs) can affect model parameters and performance.</a:t>
+            </a:r>
+          </a:p>
+          <a:p>
+            <a:pPr lvl="0"/>
+            <a:r>
+              <a:rPr sz="1600" dirty="0"/>
+              <a:t>Not every model will be equally affected by class weight strategies.</a:t>
+            </a:r>
+          </a:p>
+        </p:txBody>
+      </p:sp>
+      <p:sp>
+        <p:nvSpPr>
+          <p:cNvPr id="5" name="Date Placeholder 4">
+            <a:extLst>
+              <a:ext uri="{FF2B5EF4-FFF2-40B4-BE49-F238E27FC236}">
+                <a16:creationId xmlns:a16="http://schemas.microsoft.com/office/drawing/2014/main" id="{314F8719-B666-4DBC-F3B3-10BA05A58E80}"/>
+              </a:ext>
+            </a:extLst>
+          </p:cNvPr>
+          <p:cNvSpPr>
+            <a:spLocks noGrp="1"/>
+          </p:cNvSpPr>
+          <p:nvPr>
+            <p:ph type="dt" sz="half" idx="10"/>
+          </p:nvPr>
+        </p:nvSpPr>
+        <p:spPr/>
+        <p:txBody>
+          <a:bodyPr/>
+          <a:lstStyle/>
+          <a:p>
+            <a:r>
+              <a:rPr lang="en-CA"/>
+              <a:t>February 2024</a:t>
+            </a:r>
+          </a:p>
+        </p:txBody>
+      </p:sp>
+      <p:sp>
+        <p:nvSpPr>
+          <p:cNvPr id="6" name="Footer Placeholder 5">
+            <a:extLst>
+              <a:ext uri="{FF2B5EF4-FFF2-40B4-BE49-F238E27FC236}">
+                <a16:creationId xmlns:a16="http://schemas.microsoft.com/office/drawing/2014/main" id="{1CBD98D0-38B1-F380-BE04-8735F2FF982C}"/>
+              </a:ext>
+            </a:extLst>
+          </p:cNvPr>
+          <p:cNvSpPr>
+            <a:spLocks noGrp="1"/>
+          </p:cNvSpPr>
+          <p:nvPr>
+            <p:ph type="ftr" sz="quarter" idx="11"/>
+          </p:nvPr>
+        </p:nvSpPr>
+        <p:spPr/>
+        <p:txBody>
+          <a:bodyPr/>
+          <a:lstStyle/>
+          <a:p>
+            <a:r>
+              <a:rPr lang="en-US"/>
+              <a:t>Production 3 - Working with Training Data</a:t>
+            </a:r>
+            <a:endParaRPr lang="en-CA"/>
+          </a:p>
+        </p:txBody>
+      </p:sp>
+      <p:sp>
+        <p:nvSpPr>
+          <p:cNvPr id="7" name="Slide Number Placeholder 6">
+            <a:extLst>
+              <a:ext uri="{FF2B5EF4-FFF2-40B4-BE49-F238E27FC236}">
+                <a16:creationId xmlns:a16="http://schemas.microsoft.com/office/drawing/2014/main" id="{61DDD74F-CCDB-6F15-0DFF-46B5F106C4E2}"/>
+              </a:ext>
+            </a:extLst>
+          </p:cNvPr>
+          <p:cNvSpPr>
+            <a:spLocks noGrp="1"/>
+          </p:cNvSpPr>
+          <p:nvPr>
+            <p:ph type="sldNum" sz="quarter" idx="12"/>
+          </p:nvPr>
+        </p:nvSpPr>
+        <p:spPr/>
+        <p:txBody>
+          <a:bodyPr/>
+          <a:lstStyle/>
+          <a:p>
+            <a:fld id="{4F4BDF5D-830C-4829-B676-EE421164B1C8}" type="slidenum">
+              <a:rPr lang="en-CA" smtClean="0"/>
+              <a:t>25</a:t>
+            </a:fld>
+            <a:endParaRPr lang="en-CA"/>
+          </a:p>
+        </p:txBody>
+      </p:sp>
+    </p:spTree>
+  </p:cSld>
+  <p:clrMapOvr>
+    <a:masterClrMapping/>
+  </p:clrMapOvr>
+</p:sld>
+</file>
+
+<file path=ppt/slides/slide26.xml><?xml version="1.0" encoding="utf-8"?>
+<p:sld xmlns:a="http://schemas.openxmlformats.org/drawingml/2006/main" xmlns:r="http://schemas.openxmlformats.org/officeDocument/2006/relationships" xmlns:p="http://schemas.openxmlformats.org/presentationml/2006/main">
+  <p:cSld>
+    <p:spTree>
+      <p:nvGrpSpPr>
+        <p:cNvPr id="1" name=""/>
+        <p:cNvGrpSpPr/>
+        <p:nvPr/>
+      </p:nvGrpSpPr>
+      <p:grpSpPr>
+        <a:xfrm>
+          <a:off x="0" y="0"/>
+          <a:ext cx="0" cy="0"/>
+          <a:chOff x="0" y="0"/>
+          <a:chExt cx="0" cy="0"/>
+        </a:xfrm>
+      </p:grpSpPr>
+      <p:sp>
+        <p:nvSpPr>
+          <p:cNvPr id="2" name="Title 1"/>
+          <p:cNvSpPr>
+            <a:spLocks noGrp="1"/>
+          </p:cNvSpPr>
+          <p:nvPr>
+            <p:ph type="title"/>
+          </p:nvPr>
+        </p:nvSpPr>
+        <p:spPr/>
+        <p:txBody>
+          <a:bodyPr/>
+          <a:lstStyle/>
+          <a:p>
+            <a:pPr marL="0" lvl="0" indent="0">
+              <a:buNone/>
+            </a:pPr>
+            <a:r>
               <a:t>SMOTE</a:t>
             </a:r>
           </a:p>
@@ -7945,39 +8726,54 @@
             <p:ph sz="half" idx="1"/>
           </p:nvPr>
         </p:nvSpPr>
-        <p:spPr/>
+        <p:spPr>
+          <a:xfrm>
+            <a:off x="676656" y="1998134"/>
+            <a:ext cx="3714369" cy="3767328"/>
+          </a:xfrm>
+        </p:spPr>
         <p:txBody>
           <a:bodyPr>
-            <a:normAutofit fontScale="77500" lnSpcReduction="20000"/>
+            <a:normAutofit fontScale="70000" lnSpcReduction="20000"/>
           </a:bodyPr>
           <a:lstStyle/>
           <a:p>
             <a:pPr lvl="0"/>
             <a:r>
-              <a:t>SMOTE: Synthetic Minority Oversampling TEchnique</a:t>
-            </a:r>
+              <a:rPr dirty="0"/>
+              <a:t>SMOTE: Synthetic Minority Oversampling </a:t>
+            </a:r>
+            <a:r>
+              <a:rPr dirty="0" err="1"/>
+              <a:t>TEchnique</a:t>
+            </a:r>
+            <a:endParaRPr dirty="0"/>
           </a:p>
           <a:p>
             <a:pPr lvl="1"/>
             <a:r>
+              <a:rPr dirty="0"/>
               <a:t>Creates new instances based on random linear combinations of existing cases.</a:t>
             </a:r>
           </a:p>
           <a:p>
             <a:pPr lvl="0"/>
             <a:r>
+              <a:rPr dirty="0"/>
               <a:t>ADASYN: Adaptive Synthetic Sampling Method</a:t>
             </a:r>
           </a:p>
           <a:p>
             <a:pPr lvl="1"/>
             <a:r>
+              <a:rPr dirty="0"/>
               <a:t>Similar to SMOTE, but new instances are generated based on density.</a:t>
             </a:r>
           </a:p>
           <a:p>
             <a:pPr lvl="0"/>
             <a:r>
+              <a:rPr dirty="0"/>
               <a:t>With the availability of conformal prediction and advanced ML methods, synthetic oversampling is challenging to justify.</a:t>
             </a:r>
           </a:p>
@@ -7999,8 +8795,8 @@
         </p:blipFill>
         <p:spPr bwMode="auto">
           <a:xfrm>
-            <a:off x="6007100" y="2832100"/>
-            <a:ext cx="4660900" cy="1562100"/>
+            <a:off x="5083180" y="2403696"/>
+            <a:ext cx="7108820" cy="2382520"/>
           </a:xfrm>
           <a:prstGeom prst="rect">
             <a:avLst/>
@@ -8021,8 +8817,8 @@
         </p:nvSpPr>
         <p:spPr>
           <a:xfrm>
-            <a:off x="6007100" y="5245100"/>
-            <a:ext cx="4660900" cy="508000"/>
+            <a:off x="10763249" y="4617941"/>
+            <a:ext cx="1333500" cy="336550"/>
           </a:xfrm>
           <a:prstGeom prst="rect">
             <a:avLst/>
@@ -8037,21 +8833,22 @@
               <a:buNone/>
             </a:pPr>
             <a:r>
+              <a:rPr dirty="0"/>
               <a:t>(</a:t>
             </a:r>
             <a:r>
-              <a:rPr>
+              <a:rPr dirty="0">
                 <a:hlinkClick r:id="rId3"/>
               </a:rPr>
               <a:t>Source</a:t>
             </a:r>
             <a:r>
-              <a:rPr lang="en-US">
+              <a:rPr lang="en-US" dirty="0">
                 <a:hlinkClick r:id="rId3"/>
               </a:rPr>
               <a:t>)</a:t>
             </a:r>
-            <a:endParaRPr>
+            <a:endParaRPr dirty="0">
               <a:hlinkClick r:id="rId3"/>
             </a:endParaRPr>
           </a:p>
@@ -8062,7 +8859,7 @@
           <p:cNvPr id="6" name="Date Placeholder 5">
             <a:extLst>
               <a:ext uri="{FF2B5EF4-FFF2-40B4-BE49-F238E27FC236}">
-                <a16:creationId xmlns:a16="http://schemas.microsoft.com/office/drawing/2014/main" id="{E3203FB3-838B-A004-3BBC-2F7BEE9B8C79}"/>
+                <a16:creationId xmlns:a16="http://schemas.microsoft.com/office/drawing/2014/main" id="{C6B21136-5BC6-7930-E905-D7A39C02E2E3}"/>
               </a:ext>
             </a:extLst>
           </p:cNvPr>
@@ -8079,10 +8876,9 @@
           <a:lstStyle/>
           <a:p>
             <a:r>
-              <a:rPr lang="en-US"/>
-              <a:t>Februrary 2024</a:t>
-            </a:r>
-            <a:endParaRPr lang="en-CA"/>
+              <a:rPr lang="en-CA"/>
+              <a:t>February 2024</a:t>
+            </a:r>
           </a:p>
         </p:txBody>
       </p:sp>
@@ -8091,7 +8887,7 @@
           <p:cNvPr id="7" name="Footer Placeholder 6">
             <a:extLst>
               <a:ext uri="{FF2B5EF4-FFF2-40B4-BE49-F238E27FC236}">
-                <a16:creationId xmlns:a16="http://schemas.microsoft.com/office/drawing/2014/main" id="{AF042CB5-0284-62C8-5556-1CA14160C615}"/>
+                <a16:creationId xmlns:a16="http://schemas.microsoft.com/office/drawing/2014/main" id="{94020D37-EC49-0C81-84D9-67DA411C018D}"/>
               </a:ext>
             </a:extLst>
           </p:cNvPr>
@@ -8120,7 +8916,7 @@
           <p:cNvPr id="8" name="Slide Number Placeholder 7">
             <a:extLst>
               <a:ext uri="{FF2B5EF4-FFF2-40B4-BE49-F238E27FC236}">
-                <a16:creationId xmlns:a16="http://schemas.microsoft.com/office/drawing/2014/main" id="{26ED60A7-6042-833D-B3A2-7177E15B4543}"/>
+                <a16:creationId xmlns:a16="http://schemas.microsoft.com/office/drawing/2014/main" id="{0DFECB2A-0135-7716-006F-36809AB485B0}"/>
               </a:ext>
             </a:extLst>
           </p:cNvPr>
@@ -8138,7 +8934,310 @@
           <a:p>
             <a:fld id="{4F4BDF5D-830C-4829-B676-EE421164B1C8}" type="slidenum">
               <a:rPr lang="en-CA" smtClean="0"/>
-              <a:t>24</a:t>
+              <a:t>26</a:t>
+            </a:fld>
+            <a:endParaRPr lang="en-CA"/>
+          </a:p>
+        </p:txBody>
+      </p:sp>
+    </p:spTree>
+  </p:cSld>
+  <p:clrMapOvr>
+    <a:masterClrMapping/>
+  </p:clrMapOvr>
+</p:sld>
+</file>
+
+<file path=ppt/slides/slide27.xml><?xml version="1.0" encoding="utf-8"?>
+<p:sld xmlns:a="http://schemas.openxmlformats.org/drawingml/2006/main" xmlns:r="http://schemas.openxmlformats.org/officeDocument/2006/relationships" xmlns:p="http://schemas.openxmlformats.org/presentationml/2006/main">
+  <p:cSld>
+    <p:spTree>
+      <p:nvGrpSpPr>
+        <p:cNvPr id="1" name=""/>
+        <p:cNvGrpSpPr/>
+        <p:nvPr/>
+      </p:nvGrpSpPr>
+      <p:grpSpPr>
+        <a:xfrm>
+          <a:off x="0" y="0"/>
+          <a:ext cx="0" cy="0"/>
+          <a:chOff x="0" y="0"/>
+          <a:chExt cx="0" cy="0"/>
+        </a:xfrm>
+      </p:grpSpPr>
+      <p:sp>
+        <p:nvSpPr>
+          <p:cNvPr id="2" name="Title 1"/>
+          <p:cNvSpPr>
+            <a:spLocks noGrp="1"/>
+          </p:cNvSpPr>
+          <p:nvPr>
+            <p:ph type="title"/>
+          </p:nvPr>
+        </p:nvSpPr>
+        <p:spPr>
+          <a:xfrm>
+            <a:off x="603504" y="767419"/>
+            <a:ext cx="10780776" cy="3355848"/>
+          </a:xfrm>
+        </p:spPr>
+        <p:txBody>
+          <a:bodyPr/>
+          <a:lstStyle/>
+          <a:p>
+            <a:pPr marL="0" lvl="0" indent="0">
+              <a:buNone/>
+            </a:pPr>
+            <a:r>
+              <a:t>References</a:t>
+            </a:r>
+          </a:p>
+        </p:txBody>
+      </p:sp>
+      <p:sp>
+        <p:nvSpPr>
+          <p:cNvPr id="3" name="Date Placeholder 2">
+            <a:extLst>
+              <a:ext uri="{FF2B5EF4-FFF2-40B4-BE49-F238E27FC236}">
+                <a16:creationId xmlns:a16="http://schemas.microsoft.com/office/drawing/2014/main" id="{1EA83243-C593-15FE-588F-513C334F0A19}"/>
+              </a:ext>
+            </a:extLst>
+          </p:cNvPr>
+          <p:cNvSpPr>
+            <a:spLocks noGrp="1"/>
+          </p:cNvSpPr>
+          <p:nvPr>
+            <p:ph type="dt" sz="half" idx="10"/>
+          </p:nvPr>
+        </p:nvSpPr>
+        <p:spPr/>
+        <p:txBody>
+          <a:bodyPr/>
+          <a:lstStyle/>
+          <a:p>
+            <a:r>
+              <a:rPr lang="en-CA"/>
+              <a:t>February 2024</a:t>
+            </a:r>
+          </a:p>
+        </p:txBody>
+      </p:sp>
+      <p:sp>
+        <p:nvSpPr>
+          <p:cNvPr id="4" name="Footer Placeholder 3">
+            <a:extLst>
+              <a:ext uri="{FF2B5EF4-FFF2-40B4-BE49-F238E27FC236}">
+                <a16:creationId xmlns:a16="http://schemas.microsoft.com/office/drawing/2014/main" id="{BA4FB86D-0674-DB34-0EA2-1FFB5743AF07}"/>
+              </a:ext>
+            </a:extLst>
+          </p:cNvPr>
+          <p:cNvSpPr>
+            <a:spLocks noGrp="1"/>
+          </p:cNvSpPr>
+          <p:nvPr>
+            <p:ph type="ftr" sz="quarter" idx="11"/>
+          </p:nvPr>
+        </p:nvSpPr>
+        <p:spPr/>
+        <p:txBody>
+          <a:bodyPr/>
+          <a:lstStyle/>
+          <a:p>
+            <a:r>
+              <a:rPr lang="en-US"/>
+              <a:t>Production 3 - Working with Training Data</a:t>
+            </a:r>
+            <a:endParaRPr lang="en-CA"/>
+          </a:p>
+        </p:txBody>
+      </p:sp>
+      <p:sp>
+        <p:nvSpPr>
+          <p:cNvPr id="5" name="Slide Number Placeholder 4">
+            <a:extLst>
+              <a:ext uri="{FF2B5EF4-FFF2-40B4-BE49-F238E27FC236}">
+                <a16:creationId xmlns:a16="http://schemas.microsoft.com/office/drawing/2014/main" id="{D50D9806-1B60-3665-61FA-6B886F9254B4}"/>
+              </a:ext>
+            </a:extLst>
+          </p:cNvPr>
+          <p:cNvSpPr>
+            <a:spLocks noGrp="1"/>
+          </p:cNvSpPr>
+          <p:nvPr>
+            <p:ph type="sldNum" sz="quarter" idx="12"/>
+          </p:nvPr>
+        </p:nvSpPr>
+        <p:spPr/>
+        <p:txBody>
+          <a:bodyPr/>
+          <a:lstStyle/>
+          <a:p>
+            <a:fld id="{4F4BDF5D-830C-4829-B676-EE421164B1C8}" type="slidenum">
+              <a:rPr lang="en-CA" smtClean="0"/>
+              <a:t>27</a:t>
+            </a:fld>
+            <a:endParaRPr lang="en-CA"/>
+          </a:p>
+        </p:txBody>
+      </p:sp>
+    </p:spTree>
+  </p:cSld>
+  <p:clrMapOvr>
+    <a:masterClrMapping/>
+  </p:clrMapOvr>
+</p:sld>
+</file>
+
+<file path=ppt/slides/slide28.xml><?xml version="1.0" encoding="utf-8"?>
+<p:sld xmlns:a="http://schemas.openxmlformats.org/drawingml/2006/main" xmlns:r="http://schemas.openxmlformats.org/officeDocument/2006/relationships" xmlns:p="http://schemas.openxmlformats.org/presentationml/2006/main">
+  <p:cSld>
+    <p:spTree>
+      <p:nvGrpSpPr>
+        <p:cNvPr id="1" name=""/>
+        <p:cNvGrpSpPr/>
+        <p:nvPr/>
+      </p:nvGrpSpPr>
+      <p:grpSpPr>
+        <a:xfrm>
+          <a:off x="0" y="0"/>
+          <a:ext cx="0" cy="0"/>
+          <a:chOff x="0" y="0"/>
+          <a:chExt cx="0" cy="0"/>
+        </a:xfrm>
+      </p:grpSpPr>
+      <p:sp>
+        <p:nvSpPr>
+          <p:cNvPr id="2" name="Title 1"/>
+          <p:cNvSpPr>
+            <a:spLocks noGrp="1"/>
+          </p:cNvSpPr>
+          <p:nvPr>
+            <p:ph type="title"/>
+          </p:nvPr>
+        </p:nvSpPr>
+        <p:spPr/>
+        <p:txBody>
+          <a:bodyPr/>
+          <a:lstStyle/>
+          <a:p>
+            <a:pPr marL="0" lvl="0" indent="0">
+              <a:buNone/>
+            </a:pPr>
+            <a:r>
+              <a:t>References</a:t>
+            </a:r>
+          </a:p>
+        </p:txBody>
+      </p:sp>
+      <p:sp>
+        <p:nvSpPr>
+          <p:cNvPr id="3" name="Content Placeholder 2"/>
+          <p:cNvSpPr>
+            <a:spLocks noGrp="1"/>
+          </p:cNvSpPr>
+          <p:nvPr>
+            <p:ph idx="1"/>
+          </p:nvPr>
+        </p:nvSpPr>
+        <p:spPr/>
+        <p:txBody>
+          <a:bodyPr/>
+          <a:lstStyle/>
+          <a:p>
+            <a:pPr lvl="0"/>
+            <a:r>
+              <a:t>Agrawal, A. et al. “Cloudy with high chance of DBMS: A 10-year prediction for Enterprise-Grade ML.” arXiv preprint arXiv:1909.00084 (2019).</a:t>
+            </a:r>
+          </a:p>
+          <a:p>
+            <a:pPr lvl="0"/>
+            <a:r>
+              <a:t>Huyen, Chip. “Designing machine learning systems.” O’Reilly Media, Inc.(2022).</a:t>
+            </a:r>
+          </a:p>
+        </p:txBody>
+      </p:sp>
+      <p:sp>
+        <p:nvSpPr>
+          <p:cNvPr id="4" name="Date Placeholder 3">
+            <a:extLst>
+              <a:ext uri="{FF2B5EF4-FFF2-40B4-BE49-F238E27FC236}">
+                <a16:creationId xmlns:a16="http://schemas.microsoft.com/office/drawing/2014/main" id="{5C006E21-407B-E14E-9B43-85EE2497AEAA}"/>
+              </a:ext>
+            </a:extLst>
+          </p:cNvPr>
+          <p:cNvSpPr>
+            <a:spLocks noGrp="1"/>
+          </p:cNvSpPr>
+          <p:nvPr>
+            <p:ph type="dt" sz="half" idx="10"/>
+          </p:nvPr>
+        </p:nvSpPr>
+        <p:spPr/>
+        <p:txBody>
+          <a:bodyPr/>
+          <a:lstStyle/>
+          <a:p>
+            <a:r>
+              <a:rPr lang="en-CA"/>
+              <a:t>February 2024</a:t>
+            </a:r>
+          </a:p>
+        </p:txBody>
+      </p:sp>
+      <p:sp>
+        <p:nvSpPr>
+          <p:cNvPr id="5" name="Footer Placeholder 4">
+            <a:extLst>
+              <a:ext uri="{FF2B5EF4-FFF2-40B4-BE49-F238E27FC236}">
+                <a16:creationId xmlns:a16="http://schemas.microsoft.com/office/drawing/2014/main" id="{878E38AE-8084-57E3-DE49-456B0EB49BB7}"/>
+              </a:ext>
+            </a:extLst>
+          </p:cNvPr>
+          <p:cNvSpPr>
+            <a:spLocks noGrp="1"/>
+          </p:cNvSpPr>
+          <p:nvPr>
+            <p:ph type="ftr" sz="quarter" idx="11"/>
+          </p:nvPr>
+        </p:nvSpPr>
+        <p:spPr/>
+        <p:txBody>
+          <a:bodyPr/>
+          <a:lstStyle/>
+          <a:p>
+            <a:r>
+              <a:rPr lang="en-US"/>
+              <a:t>Production 3 - Working with Training Data</a:t>
+            </a:r>
+            <a:endParaRPr lang="en-CA"/>
+          </a:p>
+        </p:txBody>
+      </p:sp>
+      <p:sp>
+        <p:nvSpPr>
+          <p:cNvPr id="6" name="Slide Number Placeholder 5">
+            <a:extLst>
+              <a:ext uri="{FF2B5EF4-FFF2-40B4-BE49-F238E27FC236}">
+                <a16:creationId xmlns:a16="http://schemas.microsoft.com/office/drawing/2014/main" id="{8331FB4C-B671-426F-618B-08BACB108B07}"/>
+              </a:ext>
+            </a:extLst>
+          </p:cNvPr>
+          <p:cNvSpPr>
+            <a:spLocks noGrp="1"/>
+          </p:cNvSpPr>
+          <p:nvPr>
+            <p:ph type="sldNum" sz="quarter" idx="12"/>
+          </p:nvPr>
+        </p:nvSpPr>
+        <p:spPr/>
+        <p:txBody>
+          <a:bodyPr/>
+          <a:lstStyle/>
+          <a:p>
+            <a:fld id="{4F4BDF5D-830C-4829-B676-EE421164B1C8}" type="slidenum">
+              <a:rPr lang="en-CA" smtClean="0"/>
+              <a:t>28</a:t>
             </a:fld>
             <a:endParaRPr lang="en-CA"/>
           </a:p>
@@ -8296,7 +9395,7 @@
           <p:cNvPr id="5" name="Date Placeholder 4">
             <a:extLst>
               <a:ext uri="{FF2B5EF4-FFF2-40B4-BE49-F238E27FC236}">
-                <a16:creationId xmlns:a16="http://schemas.microsoft.com/office/drawing/2014/main" id="{A4085F6F-F809-12EA-BCB1-A9A33168E193}"/>
+                <a16:creationId xmlns:a16="http://schemas.microsoft.com/office/drawing/2014/main" id="{06BEAB28-53AE-DD53-3ADD-2726CC8639A8}"/>
               </a:ext>
             </a:extLst>
           </p:cNvPr>
@@ -8313,10 +9412,9 @@
           <a:lstStyle/>
           <a:p>
             <a:r>
-              <a:rPr lang="en-US"/>
-              <a:t>Februrary 2024</a:t>
-            </a:r>
-            <a:endParaRPr lang="en-CA"/>
+              <a:rPr lang="en-CA"/>
+              <a:t>February 2024</a:t>
+            </a:r>
           </a:p>
         </p:txBody>
       </p:sp>
@@ -8325,7 +9423,7 @@
           <p:cNvPr id="6" name="Footer Placeholder 5">
             <a:extLst>
               <a:ext uri="{FF2B5EF4-FFF2-40B4-BE49-F238E27FC236}">
-                <a16:creationId xmlns:a16="http://schemas.microsoft.com/office/drawing/2014/main" id="{D84600EF-6C76-9ED7-6759-0CA7DFF89370}"/>
+                <a16:creationId xmlns:a16="http://schemas.microsoft.com/office/drawing/2014/main" id="{B6784AA8-C4B9-0C27-E855-CBDA536B9C7D}"/>
               </a:ext>
             </a:extLst>
           </p:cNvPr>
@@ -8354,7 +9452,7 @@
           <p:cNvPr id="7" name="Slide Number Placeholder 6">
             <a:extLst>
               <a:ext uri="{FF2B5EF4-FFF2-40B4-BE49-F238E27FC236}">
-                <a16:creationId xmlns:a16="http://schemas.microsoft.com/office/drawing/2014/main" id="{8191CC5E-2D39-8412-C0EE-91609D82287F}"/>
+                <a16:creationId xmlns:a16="http://schemas.microsoft.com/office/drawing/2014/main" id="{0CC7B1DD-BA64-36FB-F26A-C362C7B00E4E}"/>
               </a:ext>
             </a:extLst>
           </p:cNvPr>
@@ -8422,7 +9520,7 @@
               <a:buNone/>
             </a:pPr>
             <a:r>
-              <a:t>About These Notes</a:t>
+              <a:t>Slides, Notebooks, and Code</a:t>
             </a:r>
           </a:p>
         </p:txBody>
@@ -8439,12 +9537,12 @@
         </p:nvSpPr>
         <p:spPr/>
         <p:txBody>
-          <a:bodyPr/>
-          <a:lstStyle/>
-          <a:p>
-            <a:pPr marL="0" lvl="0" indent="0">
-              <a:buNone/>
-            </a:pPr>
+          <a:bodyPr>
+            <a:normAutofit fontScale="62500" lnSpcReduction="20000"/>
+          </a:bodyPr>
+          <a:lstStyle/>
+          <a:p>
+            <a:pPr lvl="0"/>
             <a:r>
               <a:t>These notes are based on Chapter 4 of </a:t>
             </a:r>
@@ -8469,42 +9567,99 @@
           </a:p>
         </p:txBody>
       </p:sp>
-      <p:pic>
-        <p:nvPicPr>
-          <p:cNvPr id="4" name="Picture 1" descr="../img/book_cover.png"/>
-          <p:cNvPicPr>
-            <a:picLocks noGrp="1" noChangeAspect="1"/>
-          </p:cNvPicPr>
-          <p:nvPr/>
-        </p:nvPicPr>
-        <p:blipFill>
-          <a:blip r:embed="rId4"/>
-          <a:stretch>
-            <a:fillRect/>
-          </a:stretch>
-        </p:blipFill>
-        <p:spPr bwMode="auto">
-          <a:xfrm>
-            <a:off x="6007100" y="499533"/>
-            <a:ext cx="4660900" cy="5858934"/>
-          </a:xfrm>
-          <a:prstGeom prst="rect">
-            <a:avLst/>
-          </a:prstGeom>
-          <a:noFill/>
-          <a:ln w="9525">
-            <a:noFill/>
-            <a:headEnd/>
-            <a:tailEnd/>
-          </a:ln>
-        </p:spPr>
-      </p:pic>
+      <p:sp>
+        <p:nvSpPr>
+          <p:cNvPr id="4" name="Content Placeholder 3"/>
+          <p:cNvSpPr>
+            <a:spLocks noGrp="1"/>
+          </p:cNvSpPr>
+          <p:nvPr>
+            <p:ph sz="half" idx="2"/>
+          </p:nvPr>
+        </p:nvSpPr>
+        <p:spPr/>
+        <p:txBody>
+          <a:bodyPr>
+            <a:normAutofit fontScale="62500" lnSpcReduction="20000"/>
+          </a:bodyPr>
+          <a:lstStyle/>
+          <a:p>
+            <a:pPr marL="0" lvl="0" indent="0">
+              <a:buNone/>
+            </a:pPr>
+            <a:r>
+              <a:rPr b="1"/>
+              <a:t>Notebooks</a:t>
+            </a:r>
+          </a:p>
+          <a:p>
+            <a:pPr lvl="0"/>
+            <a:r>
+              <a:rPr>
+                <a:latin typeface="Courier"/>
+              </a:rPr>
+              <a:t>./notebooks/production_3_1_sampling.ipynb</a:t>
+            </a:r>
+          </a:p>
+          <a:p>
+            <a:pPr lvl="0"/>
+            <a:r>
+              <a:rPr>
+                <a:latin typeface="Courier"/>
+              </a:rPr>
+              <a:t>./notebooks/production_3_2_pipeline.ipynb</a:t>
+            </a:r>
+          </a:p>
+          <a:p>
+            <a:pPr marL="0" lvl="0" indent="0">
+              <a:buNone/>
+            </a:pPr>
+            <a:r>
+              <a:rPr b="1"/>
+              <a:t>Code</a:t>
+            </a:r>
+          </a:p>
+          <a:p>
+            <a:pPr lvl="0"/>
+            <a:r>
+              <a:rPr>
+                <a:latin typeface="Courier"/>
+              </a:rPr>
+              <a:t>./src/credit_experiment_nb.py</a:t>
+            </a:r>
+          </a:p>
+          <a:p>
+            <a:pPr lvl="0"/>
+            <a:r>
+              <a:rPr>
+                <a:latin typeface="Courier"/>
+              </a:rPr>
+              <a:t>./src/credit_preproc_ingredient.py</a:t>
+            </a:r>
+          </a:p>
+          <a:p>
+            <a:pPr lvl="0"/>
+            <a:r>
+              <a:t>`./src/</a:t>
+            </a:r>
+          </a:p>
+          <a:p>
+            <a:pPr lvl="0"/>
+            <a:r>
+              <a:rPr>
+                <a:latin typeface="Courier"/>
+              </a:rPr>
+              <a:t>./src/.env</a:t>
+            </a:r>
+          </a:p>
+        </p:txBody>
+      </p:sp>
       <p:sp>
         <p:nvSpPr>
           <p:cNvPr id="5" name="Date Placeholder 4">
             <a:extLst>
               <a:ext uri="{FF2B5EF4-FFF2-40B4-BE49-F238E27FC236}">
-                <a16:creationId xmlns:a16="http://schemas.microsoft.com/office/drawing/2014/main" id="{DCE54F8A-D5B1-68EB-7075-62FE8692F138}"/>
+                <a16:creationId xmlns:a16="http://schemas.microsoft.com/office/drawing/2014/main" id="{EDB333C5-D158-C9A4-B3CF-C28BBE4C7924}"/>
               </a:ext>
             </a:extLst>
           </p:cNvPr>
@@ -8521,10 +9676,9 @@
           <a:lstStyle/>
           <a:p>
             <a:r>
-              <a:rPr lang="en-US"/>
-              <a:t>Februrary 2024</a:t>
-            </a:r>
-            <a:endParaRPr lang="en-CA"/>
+              <a:rPr lang="en-CA"/>
+              <a:t>February 2024</a:t>
+            </a:r>
           </a:p>
         </p:txBody>
       </p:sp>
@@ -8533,7 +9687,7 @@
           <p:cNvPr id="6" name="Footer Placeholder 5">
             <a:extLst>
               <a:ext uri="{FF2B5EF4-FFF2-40B4-BE49-F238E27FC236}">
-                <a16:creationId xmlns:a16="http://schemas.microsoft.com/office/drawing/2014/main" id="{BD094E3F-6218-8B02-7D10-64AB0294AC41}"/>
+                <a16:creationId xmlns:a16="http://schemas.microsoft.com/office/drawing/2014/main" id="{91269A7C-D8F4-8C13-6216-E19AEBC385B3}"/>
               </a:ext>
             </a:extLst>
           </p:cNvPr>
@@ -8562,7 +9716,7 @@
           <p:cNvPr id="7" name="Slide Number Placeholder 6">
             <a:extLst>
               <a:ext uri="{FF2B5EF4-FFF2-40B4-BE49-F238E27FC236}">
-                <a16:creationId xmlns:a16="http://schemas.microsoft.com/office/drawing/2014/main" id="{6F4E6002-11B4-C196-1A22-B7E53C58AC04}"/>
+                <a16:creationId xmlns:a16="http://schemas.microsoft.com/office/drawing/2014/main" id="{12F69F2A-8A24-12FF-42DD-300A9FE80FDD}"/>
               </a:ext>
             </a:extLst>
           </p:cNvPr>
@@ -8635,7 +9789,7 @@
               <a:buNone/>
             </a:pPr>
             <a:r>
-              <a:t>Sampling</a:t>
+              <a:t>Our Reference Architecture</a:t>
             </a:r>
           </a:p>
         </p:txBody>
@@ -8645,7 +9799,7 @@
           <p:cNvPr id="3" name="Date Placeholder 2">
             <a:extLst>
               <a:ext uri="{FF2B5EF4-FFF2-40B4-BE49-F238E27FC236}">
-                <a16:creationId xmlns:a16="http://schemas.microsoft.com/office/drawing/2014/main" id="{7548A3E1-BB29-D70D-38ED-9922804B1320}"/>
+                <a16:creationId xmlns:a16="http://schemas.microsoft.com/office/drawing/2014/main" id="{A4826EA9-3249-F3F6-C069-819F05732888}"/>
               </a:ext>
             </a:extLst>
           </p:cNvPr>
@@ -8662,10 +9816,9 @@
           <a:lstStyle/>
           <a:p>
             <a:r>
-              <a:rPr lang="en-US"/>
-              <a:t>Februrary 2024</a:t>
-            </a:r>
-            <a:endParaRPr lang="en-CA"/>
+              <a:rPr lang="en-CA"/>
+              <a:t>February 2024</a:t>
+            </a:r>
           </a:p>
         </p:txBody>
       </p:sp>
@@ -8674,7 +9827,7 @@
           <p:cNvPr id="4" name="Footer Placeholder 3">
             <a:extLst>
               <a:ext uri="{FF2B5EF4-FFF2-40B4-BE49-F238E27FC236}">
-                <a16:creationId xmlns:a16="http://schemas.microsoft.com/office/drawing/2014/main" id="{D5D832E4-E2DD-71DD-FB65-F802D8D37B75}"/>
+                <a16:creationId xmlns:a16="http://schemas.microsoft.com/office/drawing/2014/main" id="{5E4DACCF-9A23-C621-BD2F-9F6F82DAF695}"/>
               </a:ext>
             </a:extLst>
           </p:cNvPr>
@@ -8703,7 +9856,7 @@
           <p:cNvPr id="5" name="Slide Number Placeholder 4">
             <a:extLst>
               <a:ext uri="{FF2B5EF4-FFF2-40B4-BE49-F238E27FC236}">
-                <a16:creationId xmlns:a16="http://schemas.microsoft.com/office/drawing/2014/main" id="{E1C1AE94-9C7C-BE18-CC42-CFE59D9AF38F}"/>
+                <a16:creationId xmlns:a16="http://schemas.microsoft.com/office/drawing/2014/main" id="{70684BC6-4F41-5A9B-6138-3E6EC6851239}"/>
               </a:ext>
             </a:extLst>
           </p:cNvPr>
@@ -8752,6 +9905,36 @@
           <a:chExt cx="0" cy="0"/>
         </a:xfrm>
       </p:grpSpPr>
+      <p:pic>
+        <p:nvPicPr>
+          <p:cNvPr id="3" name="Picture 1" descr="../img/flock_ref_arhitecture.png"/>
+          <p:cNvPicPr>
+            <a:picLocks noGrp="1" noChangeAspect="1"/>
+          </p:cNvPicPr>
+          <p:nvPr/>
+        </p:nvPicPr>
+        <p:blipFill>
+          <a:blip r:embed="rId2"/>
+          <a:stretch>
+            <a:fillRect/>
+          </a:stretch>
+        </p:blipFill>
+        <p:spPr bwMode="auto">
+          <a:xfrm>
+            <a:off x="1289050" y="1334890"/>
+            <a:ext cx="9512300" cy="4594620"/>
+          </a:xfrm>
+          <a:prstGeom prst="rect">
+            <a:avLst/>
+          </a:prstGeom>
+          <a:noFill/>
+          <a:ln w="9525">
+            <a:noFill/>
+            <a:headEnd/>
+            <a:tailEnd/>
+          </a:ln>
+        </p:spPr>
+      </p:pic>
       <p:sp>
         <p:nvSpPr>
           <p:cNvPr id="2" name="Title 1"/>
@@ -8771,93 +9954,37 @@
               <a:buNone/>
             </a:pPr>
             <a:r>
-              <a:t>Why Sample?</a:t>
-            </a:r>
-          </a:p>
-        </p:txBody>
-      </p:sp>
-      <p:sp>
-        <p:nvSpPr>
-          <p:cNvPr id="3" name="Content Placeholder 2"/>
-          <p:cNvSpPr>
-            <a:spLocks noGrp="1"/>
-          </p:cNvSpPr>
-          <p:nvPr>
-            <p:ph sz="half" idx="1"/>
-          </p:nvPr>
-        </p:nvSpPr>
-        <p:spPr/>
-        <p:txBody>
-          <a:bodyPr>
-            <a:normAutofit fontScale="92500" lnSpcReduction="20000"/>
-          </a:bodyPr>
-          <a:lstStyle/>
-          <a:p>
-            <a:pPr lvl="0"/>
-            <a:r>
-              <a:t>Sampling is embedded across the ML lifecycle: data exploration, train/validation/test split, etc.</a:t>
-            </a:r>
-          </a:p>
-          <a:p>
-            <a:pPr lvl="0"/>
-            <a:r>
-              <a:t>Sometimes, sampling is necessary:</a:t>
-            </a:r>
-          </a:p>
-          <a:p>
-            <a:pPr lvl="1"/>
-            <a:r>
-              <a:t>We cannot access all possible data in the real world.</a:t>
-            </a:r>
-          </a:p>
-          <a:p>
-            <a:pPr lvl="1"/>
-            <a:r>
-              <a:t>Using all data is unfeasible, costly, or otherwise impractical.</a:t>
-            </a:r>
-          </a:p>
-          <a:p>
-            <a:pPr lvl="1"/>
-            <a:r>
-              <a:t>Accomplish a task faster and cheaper: experiment with a new model, explore data, etc.</a:t>
-            </a:r>
-          </a:p>
-        </p:txBody>
-      </p:sp>
-      <p:sp>
-        <p:nvSpPr>
-          <p:cNvPr id="4" name="Content Placeholder 3"/>
-          <p:cNvSpPr>
-            <a:spLocks noGrp="1"/>
-          </p:cNvSpPr>
-          <p:nvPr>
-            <p:ph sz="half" idx="2"/>
-          </p:nvPr>
-        </p:nvSpPr>
-        <p:spPr/>
-        <p:txBody>
-          <a:bodyPr>
-            <a:normAutofit fontScale="92500" lnSpcReduction="20000"/>
-          </a:bodyPr>
-          <a:lstStyle/>
-          <a:p>
-            <a:pPr marL="0" lvl="0" indent="0">
+              <a:t>The Flock Reference Architecture</a:t>
+            </a:r>
+          </a:p>
+        </p:txBody>
+      </p:sp>
+      <p:sp>
+        <p:nvSpPr>
+          <p:cNvPr id="4" name="TextBox 3"/>
+          <p:cNvSpPr txBox="1"/>
+          <p:nvPr/>
+        </p:nvSpPr>
+        <p:spPr>
+          <a:xfrm>
+            <a:off x="673100" y="5867400"/>
+            <a:ext cx="10744200" cy="508000"/>
+          </a:xfrm>
+          <a:prstGeom prst="rect">
+            <a:avLst/>
+          </a:prstGeom>
+          <a:noFill/>
+        </p:spPr>
+        <p:txBody>
+          <a:bodyPr/>
+          <a:lstStyle/>
+          <a:p>
+            <a:pPr marL="0" lvl="0" indent="0" algn="ctr">
               <a:buNone/>
             </a:pPr>
             <a:r>
-              <a:t>There are two families of sampling:</a:t>
-            </a:r>
-          </a:p>
-          <a:p>
-            <a:pPr lvl="0"/>
-            <a:r>
-              <a:t>Nonprobability sampling.</a:t>
-            </a:r>
-          </a:p>
-          <a:p>
-            <a:pPr lvl="0"/>
-            <a:r>
-              <a:t>Random sampling.</a:t>
+              <a:rPr sz="1100"/>
+              <a:t>Agrawal et al (2019)</a:t>
             </a:r>
           </a:p>
         </p:txBody>
@@ -8867,7 +9994,7 @@
           <p:cNvPr id="5" name="Date Placeholder 4">
             <a:extLst>
               <a:ext uri="{FF2B5EF4-FFF2-40B4-BE49-F238E27FC236}">
-                <a16:creationId xmlns:a16="http://schemas.microsoft.com/office/drawing/2014/main" id="{2F41606D-AD88-2516-D7F4-26B5955487EC}"/>
+                <a16:creationId xmlns:a16="http://schemas.microsoft.com/office/drawing/2014/main" id="{723AF6A3-EA88-BE8F-9BB8-D3F624E3AED8}"/>
               </a:ext>
             </a:extLst>
           </p:cNvPr>
@@ -8884,10 +10011,9 @@
           <a:lstStyle/>
           <a:p>
             <a:r>
-              <a:rPr lang="en-US"/>
-              <a:t>Februrary 2024</a:t>
-            </a:r>
-            <a:endParaRPr lang="en-CA"/>
+              <a:rPr lang="en-CA"/>
+              <a:t>February 2024</a:t>
+            </a:r>
           </a:p>
         </p:txBody>
       </p:sp>
@@ -8896,7 +10022,7 @@
           <p:cNvPr id="6" name="Footer Placeholder 5">
             <a:extLst>
               <a:ext uri="{FF2B5EF4-FFF2-40B4-BE49-F238E27FC236}">
-                <a16:creationId xmlns:a16="http://schemas.microsoft.com/office/drawing/2014/main" id="{C6200C05-9474-0D3E-15BE-6EA4EE3E3603}"/>
+                <a16:creationId xmlns:a16="http://schemas.microsoft.com/office/drawing/2014/main" id="{83A776A1-86FF-6479-7636-D72D9232F68F}"/>
               </a:ext>
             </a:extLst>
           </p:cNvPr>
@@ -8925,7 +10051,7 @@
           <p:cNvPr id="7" name="Slide Number Placeholder 6">
             <a:extLst>
               <a:ext uri="{FF2B5EF4-FFF2-40B4-BE49-F238E27FC236}">
-                <a16:creationId xmlns:a16="http://schemas.microsoft.com/office/drawing/2014/main" id="{39435DB7-5CCD-1862-FA43-D455DD56B976}"/>
+                <a16:creationId xmlns:a16="http://schemas.microsoft.com/office/drawing/2014/main" id="{7AB7F61C-A2DE-2CAD-7793-9137DD78F4CD}"/>
               </a:ext>
             </a:extLst>
           </p:cNvPr>
@@ -8945,6 +10071,62 @@
               <a:rPr lang="en-CA" smtClean="0"/>
               <a:t>6</a:t>
             </a:fld>
+            <a:endParaRPr lang="en-CA"/>
+          </a:p>
+        </p:txBody>
+      </p:sp>
+      <p:sp>
+        <p:nvSpPr>
+          <p:cNvPr id="8" name="Rectangle: Rounded Corners 7">
+            <a:extLst>
+              <a:ext uri="{FF2B5EF4-FFF2-40B4-BE49-F238E27FC236}">
+                <a16:creationId xmlns:a16="http://schemas.microsoft.com/office/drawing/2014/main" id="{DCD0C582-96C7-FA33-D4EE-2988C1824FE3}"/>
+              </a:ext>
+            </a:extLst>
+          </p:cNvPr>
+          <p:cNvSpPr/>
+          <p:nvPr/>
+        </p:nvSpPr>
+        <p:spPr>
+          <a:xfrm>
+            <a:off x="3905250" y="2153930"/>
+            <a:ext cx="1981200" cy="1512147"/>
+          </a:xfrm>
+          <a:prstGeom prst="roundRect">
+            <a:avLst/>
+          </a:prstGeom>
+          <a:solidFill>
+            <a:srgbClr val="FFC000">
+              <a:alpha val="25098"/>
+            </a:srgbClr>
+          </a:solidFill>
+          <a:ln w="57150">
+            <a:solidFill>
+              <a:srgbClr val="FF0000"/>
+            </a:solidFill>
+          </a:ln>
+        </p:spPr>
+        <p:style>
+          <a:lnRef idx="2">
+            <a:schemeClr val="accent1">
+              <a:shade val="15000"/>
+            </a:schemeClr>
+          </a:lnRef>
+          <a:fillRef idx="1">
+            <a:schemeClr val="accent1"/>
+          </a:fillRef>
+          <a:effectRef idx="0">
+            <a:schemeClr val="accent1"/>
+          </a:effectRef>
+          <a:fontRef idx="minor">
+            <a:schemeClr val="lt1"/>
+          </a:fontRef>
+        </p:style>
+        <p:txBody>
+          <a:bodyPr rtlCol="0" anchor="ctr"/>
+          <a:lstStyle/>
+          <a:p>
+            <a:pPr algn="ctr"/>
             <a:endParaRPr lang="en-CA"/>
           </a:p>
         </p:txBody>
@@ -8984,7 +10166,12 @@
             <p:ph type="title"/>
           </p:nvPr>
         </p:nvSpPr>
-        <p:spPr/>
+        <p:spPr>
+          <a:xfrm>
+            <a:off x="603504" y="767419"/>
+            <a:ext cx="10780776" cy="3355848"/>
+          </a:xfrm>
+        </p:spPr>
         <p:txBody>
           <a:bodyPr/>
           <a:lstStyle/>
@@ -8993,137 +10180,17 @@
               <a:buNone/>
             </a:pPr>
             <a:r>
-              <a:t>Nonprobability Sampling</a:t>
-            </a:r>
-          </a:p>
-        </p:txBody>
-      </p:sp>
-      <p:sp>
-        <p:nvSpPr>
-          <p:cNvPr id="3" name="Content Placeholder 2"/>
-          <p:cNvSpPr>
-            <a:spLocks noGrp="1"/>
-          </p:cNvSpPr>
-          <p:nvPr>
-            <p:ph sz="half" idx="1"/>
-          </p:nvPr>
-        </p:nvSpPr>
-        <p:spPr/>
-        <p:txBody>
-          <a:bodyPr>
-            <a:normAutofit fontScale="70000" lnSpcReduction="20000"/>
-          </a:bodyPr>
-          <a:lstStyle/>
-          <a:p>
-            <a:pPr lvl="0"/>
-            <a:r>
-              <a:t>Generally, selecting data to train ML methods using this family of sampling methods is a bad idea, but some of them are popular.</a:t>
-            </a:r>
-          </a:p>
-          <a:p>
-            <a:pPr lvl="0"/>
-            <a:r>
-              <a:t>Convenience sampling</a:t>
-            </a:r>
-          </a:p>
-          <a:p>
-            <a:pPr lvl="1"/>
-            <a:r>
-              <a:t>Select data based on their availability.</a:t>
-            </a:r>
-          </a:p>
-          <a:p>
-            <a:pPr lvl="1"/>
-            <a:r>
-              <a:t>Popular and convenient: fast, inexpensive, practical.</a:t>
-            </a:r>
-          </a:p>
-          <a:p>
-            <a:pPr lvl="1"/>
-            <a:r>
-              <a:t>Not scientific and does not offer guarantees.</a:t>
-            </a:r>
-          </a:p>
-          <a:p>
-            <a:pPr lvl="0"/>
-            <a:r>
-              <a:t>Snowball sampling</a:t>
-            </a:r>
-          </a:p>
-          <a:p>
-            <a:pPr lvl="1"/>
-            <a:r>
-              <a:t>Future samples are selected based on existing samples.</a:t>
-            </a:r>
-          </a:p>
-          <a:p>
-            <a:pPr lvl="1"/>
-            <a:r>
-              <a:t>Sampling in social media (or other) networks: select a base sample of accounts, then expand the sample by adding the accounts they follow, and so on.</a:t>
-            </a:r>
-          </a:p>
-        </p:txBody>
-      </p:sp>
-      <p:sp>
-        <p:nvSpPr>
-          <p:cNvPr id="4" name="Content Placeholder 3"/>
-          <p:cNvSpPr>
-            <a:spLocks noGrp="1"/>
-          </p:cNvSpPr>
-          <p:nvPr>
-            <p:ph sz="half" idx="2"/>
-          </p:nvPr>
-        </p:nvSpPr>
-        <p:spPr/>
-        <p:txBody>
-          <a:bodyPr>
-            <a:normAutofit fontScale="70000" lnSpcReduction="20000"/>
-          </a:bodyPr>
-          <a:lstStyle/>
-          <a:p>
-            <a:pPr lvl="0"/>
-            <a:r>
-              <a:t>Judgement sampling</a:t>
-            </a:r>
-          </a:p>
-          <a:p>
-            <a:pPr lvl="1"/>
-            <a:r>
-              <a:t>Experts decide what samples to include.</a:t>
-            </a:r>
-          </a:p>
-          <a:p>
-            <a:pPr lvl="1"/>
-            <a:r>
-              <a:t>AKA: risk-based, SME, subjective, etc.</a:t>
-            </a:r>
-          </a:p>
-          <a:p>
-            <a:pPr lvl="0"/>
-            <a:r>
-              <a:t>Quota sampling</a:t>
-            </a:r>
-          </a:p>
-          <a:p>
-            <a:pPr lvl="1"/>
-            <a:r>
-              <a:t>Select samples based on predefined and heuristic quotas.</a:t>
-            </a:r>
-          </a:p>
-          <a:p>
-            <a:pPr lvl="1"/>
-            <a:r>
-              <a:t>Example: select 100 responses from all age groups without considering the proportional representation of age groups.</a:t>
-            </a:r>
-          </a:p>
-        </p:txBody>
-      </p:sp>
-      <p:sp>
-        <p:nvSpPr>
-          <p:cNvPr id="5" name="Date Placeholder 4">
+              <a:t>Sampling</a:t>
+            </a:r>
+          </a:p>
+        </p:txBody>
+      </p:sp>
+      <p:sp>
+        <p:nvSpPr>
+          <p:cNvPr id="3" name="Date Placeholder 2">
             <a:extLst>
               <a:ext uri="{FF2B5EF4-FFF2-40B4-BE49-F238E27FC236}">
-                <a16:creationId xmlns:a16="http://schemas.microsoft.com/office/drawing/2014/main" id="{6B8DD68A-D62C-4BAA-08EF-17314E74C475}"/>
+                <a16:creationId xmlns:a16="http://schemas.microsoft.com/office/drawing/2014/main" id="{43BFA773-300E-A19A-DE95-3EE071B44A65}"/>
               </a:ext>
             </a:extLst>
           </p:cNvPr>
@@ -9140,19 +10207,18 @@
           <a:lstStyle/>
           <a:p>
             <a:r>
-              <a:rPr lang="en-US"/>
-              <a:t>Februrary 2024</a:t>
-            </a:r>
-            <a:endParaRPr lang="en-CA"/>
-          </a:p>
-        </p:txBody>
-      </p:sp>
-      <p:sp>
-        <p:nvSpPr>
-          <p:cNvPr id="6" name="Footer Placeholder 5">
+              <a:rPr lang="en-CA"/>
+              <a:t>February 2024</a:t>
+            </a:r>
+          </a:p>
+        </p:txBody>
+      </p:sp>
+      <p:sp>
+        <p:nvSpPr>
+          <p:cNvPr id="4" name="Footer Placeholder 3">
             <a:extLst>
               <a:ext uri="{FF2B5EF4-FFF2-40B4-BE49-F238E27FC236}">
-                <a16:creationId xmlns:a16="http://schemas.microsoft.com/office/drawing/2014/main" id="{DD642030-FE0F-6D67-257C-2F769EB801A4}"/>
+                <a16:creationId xmlns:a16="http://schemas.microsoft.com/office/drawing/2014/main" id="{81BE3BA7-A03B-ED24-DEF0-62096A7B9807}"/>
               </a:ext>
             </a:extLst>
           </p:cNvPr>
@@ -9178,10 +10244,10 @@
       </p:sp>
       <p:sp>
         <p:nvSpPr>
-          <p:cNvPr id="7" name="Slide Number Placeholder 6">
+          <p:cNvPr id="5" name="Slide Number Placeholder 4">
             <a:extLst>
               <a:ext uri="{FF2B5EF4-FFF2-40B4-BE49-F238E27FC236}">
-                <a16:creationId xmlns:a16="http://schemas.microsoft.com/office/drawing/2014/main" id="{B2A97FBB-356D-1F87-09BA-7047E026200F}"/>
+                <a16:creationId xmlns:a16="http://schemas.microsoft.com/office/drawing/2014/main" id="{E762F3E9-662F-AD9C-4F9D-3890EA45C207}"/>
               </a:ext>
             </a:extLst>
           </p:cNvPr>
@@ -9249,7 +10315,7 @@
               <a:buNone/>
             </a:pPr>
             <a:r>
-              <a:t>Random Sampling</a:t>
+              <a:t>Why Sample?</a:t>
             </a:r>
           </a:p>
         </p:txBody>
@@ -9267,141 +10333,75 @@
         <p:spPr/>
         <p:txBody>
           <a:bodyPr>
-            <a:normAutofit fontScale="55000" lnSpcReduction="20000"/>
+            <a:normAutofit fontScale="92500" lnSpcReduction="20000"/>
           </a:bodyPr>
           <a:lstStyle/>
           <a:p>
             <a:pPr lvl="0"/>
             <a:r>
-              <a:t>Simple Random Sampling</a:t>
+              <a:t>Sampling is embedded across the ML lifecycle: data exploration, train/validation/test split, etc.</a:t>
+            </a:r>
+          </a:p>
+          <a:p>
+            <a:pPr lvl="0"/>
+            <a:r>
+              <a:t>Sometimes, sampling is necessary:</a:t>
             </a:r>
           </a:p>
           <a:p>
             <a:pPr lvl="1"/>
             <a:r>
-              <a:t>All potential samples in the population have equal probabilities of being selected.</a:t>
+              <a:t>We cannot access all possible data in the real world.</a:t>
             </a:r>
           </a:p>
           <a:p>
             <a:pPr lvl="1"/>
             <a:r>
-              <a:t>Advantage: Easy to implement.</a:t>
+              <a:t>Using all data is unfeasible, costly, or otherwise impractical.</a:t>
             </a:r>
           </a:p>
           <a:p>
             <a:pPr lvl="1"/>
             <a:r>
-              <a:t>Disadvantage: Rare categories of data may not appear in the selection: if a class appears in 0.01% of the data and we randomly select 1% of the population, we may not get a representation of this minority class.</a:t>
+              <a:t>Accomplish a task faster and cheaper: experiment with a new model, explore data, etc.</a:t>
+            </a:r>
+          </a:p>
+        </p:txBody>
+      </p:sp>
+      <p:sp>
+        <p:nvSpPr>
+          <p:cNvPr id="4" name="Content Placeholder 3"/>
+          <p:cNvSpPr>
+            <a:spLocks noGrp="1"/>
+          </p:cNvSpPr>
+          <p:nvPr>
+            <p:ph sz="half" idx="2"/>
+          </p:nvPr>
+        </p:nvSpPr>
+        <p:spPr/>
+        <p:txBody>
+          <a:bodyPr>
+            <a:normAutofit fontScale="92500" lnSpcReduction="20000"/>
+          </a:bodyPr>
+          <a:lstStyle/>
+          <a:p>
+            <a:pPr marL="0" lvl="0" indent="0">
+              <a:buNone/>
+            </a:pPr>
+            <a:r>
+              <a:t>There are two families of sampling:</a:t>
             </a:r>
           </a:p>
           <a:p>
             <a:pPr lvl="0"/>
             <a:r>
-              <a:t>Stratified Sampling</a:t>
-            </a:r>
-          </a:p>
-          <a:p>
-            <a:pPr lvl="1"/>
-            <a:r>
-              <a:t>First, divide the population into groups we care about, then sample from each group separately.</a:t>
-            </a:r>
-          </a:p>
-          <a:p>
-            <a:pPr lvl="1"/>
-            <a:r>
-              <a:t>Each group is called a </a:t>
-            </a:r>
-            <a:r>
-              <a:rPr i="1"/>
-              <a:t>stratum</a:t>
-            </a:r>
-            <a:r>
-              <a:t> and this method is called </a:t>
-            </a:r>
-            <a:r>
-              <a:rPr i="1"/>
-              <a:t>stratified sampling</a:t>
-            </a:r>
-            <a:r>
-              <a:t>.</a:t>
-            </a:r>
-          </a:p>
-          <a:p>
-            <a:pPr lvl="1"/>
-            <a:r>
-              <a:t>Advantage: the distribution of groups in the population is reflected in the sample.</a:t>
-            </a:r>
-          </a:p>
-          <a:p>
-            <a:pPr lvl="1"/>
-            <a:r>
-              <a:t>Particularly important for selecting training, validation, and test sets.</a:t>
-            </a:r>
-          </a:p>
-          <a:p>
-            <a:pPr lvl="1"/>
-            <a:r>
-              <a:t>This method is only sometimes possible (multilabel cases, for example, may not be treated).</a:t>
-            </a:r>
-          </a:p>
-        </p:txBody>
-      </p:sp>
-      <p:sp>
-        <p:nvSpPr>
-          <p:cNvPr id="4" name="Content Placeholder 3"/>
-          <p:cNvSpPr>
-            <a:spLocks noGrp="1"/>
-          </p:cNvSpPr>
-          <p:nvPr>
-            <p:ph sz="half" idx="2"/>
-          </p:nvPr>
-        </p:nvSpPr>
-        <p:spPr/>
-        <p:txBody>
-          <a:bodyPr>
-            <a:normAutofit fontScale="55000" lnSpcReduction="20000"/>
-          </a:bodyPr>
-          <a:lstStyle/>
+              <a:t>Nonprobability sampling.</a:t>
+            </a:r>
+          </a:p>
           <a:p>
             <a:pPr lvl="0"/>
             <a:r>
-              <a:t>Weighted Sampling</a:t>
-            </a:r>
-          </a:p>
-          <a:p>
-            <a:pPr lvl="1"/>
-            <a:r>
-              <a:t>Each sample is given a weight, determining the probability of being selected.</a:t>
-            </a:r>
-          </a:p>
-          <a:p>
-            <a:pPr lvl="1"/>
-            <a:r>
-              <a:t>This method allows us to leverage domain expertise.</a:t>
-            </a:r>
-          </a:p>
-          <a:p>
-            <a:pPr lvl="1"/>
-            <a:r>
-              <a:t>Can be used to adjust samples that are coming from a different distribution than the original data:</a:t>
-            </a:r>
-          </a:p>
-          <a:p>
-            <a:pPr lvl="2"/>
-            <a:r>
-              <a:t>Assume the data contains 25% red samples and 75% blue samples.</a:t>
-            </a:r>
-          </a:p>
-          <a:p>
-            <a:pPr lvl="2"/>
-            <a:r>
-              <a:t>We know the actual distribution is closer to 50% red and 50% blue.</a:t>
-            </a:r>
-          </a:p>
-          <a:p>
-            <a:pPr lvl="2"/>
-            <a:r>
-              <a:t>We can apply red weights that are three times higher than blue weights.</a:t>
+              <a:t>Random sampling.</a:t>
             </a:r>
           </a:p>
         </p:txBody>
@@ -9411,7 +10411,7 @@
           <p:cNvPr id="5" name="Date Placeholder 4">
             <a:extLst>
               <a:ext uri="{FF2B5EF4-FFF2-40B4-BE49-F238E27FC236}">
-                <a16:creationId xmlns:a16="http://schemas.microsoft.com/office/drawing/2014/main" id="{3A74733B-64DA-EE09-346D-BE9FDFE4F2D7}"/>
+                <a16:creationId xmlns:a16="http://schemas.microsoft.com/office/drawing/2014/main" id="{AE5F45C1-90D1-B80B-B668-964DE3CF63A4}"/>
               </a:ext>
             </a:extLst>
           </p:cNvPr>
@@ -9428,10 +10428,9 @@
           <a:lstStyle/>
           <a:p>
             <a:r>
-              <a:rPr lang="en-US"/>
-              <a:t>Februrary 2024</a:t>
-            </a:r>
-            <a:endParaRPr lang="en-CA"/>
+              <a:rPr lang="en-CA"/>
+              <a:t>February 2024</a:t>
+            </a:r>
           </a:p>
         </p:txBody>
       </p:sp>
@@ -9440,7 +10439,7 @@
           <p:cNvPr id="6" name="Footer Placeholder 5">
             <a:extLst>
               <a:ext uri="{FF2B5EF4-FFF2-40B4-BE49-F238E27FC236}">
-                <a16:creationId xmlns:a16="http://schemas.microsoft.com/office/drawing/2014/main" id="{4D965046-EB9E-CF02-C1EB-83EDD4854346}"/>
+                <a16:creationId xmlns:a16="http://schemas.microsoft.com/office/drawing/2014/main" id="{4BC4C7B0-313C-934D-4A54-61DDB584D99B}"/>
               </a:ext>
             </a:extLst>
           </p:cNvPr>
@@ -9469,7 +10468,7 @@
           <p:cNvPr id="7" name="Slide Number Placeholder 6">
             <a:extLst>
               <a:ext uri="{FF2B5EF4-FFF2-40B4-BE49-F238E27FC236}">
-                <a16:creationId xmlns:a16="http://schemas.microsoft.com/office/drawing/2014/main" id="{8151EFD0-2D19-9C5A-8226-C214D9FEA6A5}"/>
+                <a16:creationId xmlns:a16="http://schemas.microsoft.com/office/drawing/2014/main" id="{BDFA9AE6-B5B7-E6FF-F905-DBF41799FE6A}"/>
               </a:ext>
             </a:extLst>
           </p:cNvPr>
@@ -9537,7 +10536,7 @@
               <a:buNone/>
             </a:pPr>
             <a:r>
-              <a:t>Reservoir Sampling</a:t>
+              <a:t>Nonprobability Sampling</a:t>
             </a:r>
           </a:p>
         </p:txBody>
@@ -9555,136 +10554,119 @@
         <p:spPr/>
         <p:txBody>
           <a:bodyPr>
-            <a:normAutofit fontScale="47500" lnSpcReduction="20000"/>
+            <a:normAutofit fontScale="70000" lnSpcReduction="20000"/>
           </a:bodyPr>
           <a:lstStyle/>
           <a:p>
             <a:pPr lvl="0"/>
             <a:r>
-              <a:t>Useful for streaming data where the concept of “universe” is difficult to implement.</a:t>
+              <a:t>Generally, selecting data to train ML methods using this family of sampling methods is a bad idea, but some of them are popular.</a:t>
             </a:r>
           </a:p>
           <a:p>
             <a:pPr lvl="0"/>
             <a:r>
-              <a:t>Motivation: we want samples from a Tweeter feed with equal probability.</a:t>
+              <a:t>Convenience sampling</a:t>
+            </a:r>
+          </a:p>
+          <a:p>
+            <a:pPr lvl="1"/>
+            <a:r>
+              <a:t>Select data based on their availability.</a:t>
+            </a:r>
+          </a:p>
+          <a:p>
+            <a:pPr lvl="1"/>
+            <a:r>
+              <a:t>Popular and convenient: fast, inexpensive, practical.</a:t>
+            </a:r>
+          </a:p>
+          <a:p>
+            <a:pPr lvl="1"/>
+            <a:r>
+              <a:t>Not scientific and does not offer guarantees.</a:t>
             </a:r>
           </a:p>
           <a:p>
             <a:pPr lvl="0"/>
             <a:r>
-              <a:t>Objectives:</a:t>
+              <a:t>Snowball sampling</a:t>
             </a:r>
           </a:p>
           <a:p>
             <a:pPr lvl="1"/>
             <a:r>
-              <a:t>Every tweet has an equal probability of being selected.</a:t>
+              <a:t>Future samples are selected based on existing samples.</a:t>
             </a:r>
           </a:p>
           <a:p>
             <a:pPr lvl="1"/>
             <a:r>
-              <a:t>You can stop the algorithm at any time, and the tweets are sampled with the correct probability.</a:t>
-            </a:r>
-          </a:p>
+              <a:t>Sampling in social media (or other) networks: select a base sample of accounts, then expand the sample by adding the accounts they follow, and so on.</a:t>
+            </a:r>
+          </a:p>
+        </p:txBody>
+      </p:sp>
+      <p:sp>
+        <p:nvSpPr>
+          <p:cNvPr id="4" name="Content Placeholder 3"/>
+          <p:cNvSpPr>
+            <a:spLocks noGrp="1"/>
+          </p:cNvSpPr>
+          <p:nvPr>
+            <p:ph sz="half" idx="2"/>
+          </p:nvPr>
+        </p:nvSpPr>
+        <p:spPr/>
+        <p:txBody>
+          <a:bodyPr>
+            <a:normAutofit fontScale="70000" lnSpcReduction="20000"/>
+          </a:bodyPr>
+          <a:lstStyle/>
           <a:p>
             <a:pPr lvl="0"/>
             <a:r>
-              <a:t>Reservoir sampling:</a:t>
+              <a:t>Judgement sampling</a:t>
             </a:r>
           </a:p>
           <a:p>
             <a:pPr lvl="1"/>
             <a:r>
-              <a:t>Put the first k elements into the reservoir.</a:t>
+              <a:t>Experts decide what samples to include.</a:t>
             </a:r>
           </a:p>
           <a:p>
             <a:pPr lvl="1"/>
             <a:r>
-              <a:t>For each incoming nth element, generate a random number i such that 1 ≤ i ≤ n.</a:t>
+              <a:t>AKA: risk-based, SME, subjective, etc.</a:t>
+            </a:r>
+          </a:p>
+          <a:p>
+            <a:pPr lvl="0"/>
+            <a:r>
+              <a:t>Quota sampling</a:t>
             </a:r>
           </a:p>
           <a:p>
             <a:pPr lvl="1"/>
             <a:r>
-              <a:t>If 1 ≤ i ≤ k: replace the ith element in the reservoir with the nth element. Else, do nothing.</a:t>
-            </a:r>
-          </a:p>
-          <a:p>
-            <a:pPr lvl="0"/>
-            <a:r>
-              <a:t>Each incoming nth element has a k/n probability of being in the reservoir.</a:t>
-            </a:r>
-          </a:p>
-        </p:txBody>
-      </p:sp>
-      <p:pic>
-        <p:nvPicPr>
-          <p:cNvPr id="4" name="Picture 1" descr="./img/reservoir.png"/>
-          <p:cNvPicPr>
-            <a:picLocks noGrp="1" noChangeAspect="1"/>
-          </p:cNvPicPr>
-          <p:nvPr/>
-        </p:nvPicPr>
-        <p:blipFill>
-          <a:blip r:embed="rId2"/>
-          <a:stretch>
-            <a:fillRect/>
-          </a:stretch>
-        </p:blipFill>
-        <p:spPr bwMode="auto">
-          <a:xfrm>
-            <a:off x="6007100" y="3124200"/>
-            <a:ext cx="4660900" cy="990600"/>
-          </a:xfrm>
-          <a:prstGeom prst="rect">
-            <a:avLst/>
-          </a:prstGeom>
-          <a:noFill/>
-          <a:ln w="9525">
-            <a:noFill/>
-            <a:headEnd/>
-            <a:tailEnd/>
-          </a:ln>
-        </p:spPr>
-      </p:pic>
-      <p:sp>
-        <p:nvSpPr>
-          <p:cNvPr id="5" name="TextBox 3"/>
-          <p:cNvSpPr txBox="1"/>
-          <p:nvPr/>
-        </p:nvSpPr>
-        <p:spPr>
-          <a:xfrm>
-            <a:off x="6007100" y="5245100"/>
-            <a:ext cx="4660900" cy="508000"/>
-          </a:xfrm>
-          <a:prstGeom prst="rect">
-            <a:avLst/>
-          </a:prstGeom>
-          <a:noFill/>
-        </p:spPr>
-        <p:txBody>
-          <a:bodyPr/>
-          <a:lstStyle/>
-          <a:p>
-            <a:pPr marL="0" lvl="0" indent="0" algn="ctr">
-              <a:buNone/>
-            </a:pPr>
-            <a:r>
-              <a:t>Reservoir Sampling (Huyen, 2021)</a:t>
-            </a:r>
-          </a:p>
-        </p:txBody>
-      </p:sp>
-      <p:sp>
-        <p:nvSpPr>
-          <p:cNvPr id="6" name="Date Placeholder 5">
+              <a:t>Select samples based on predefined and heuristic quotas.</a:t>
+            </a:r>
+          </a:p>
+          <a:p>
+            <a:pPr lvl="1"/>
+            <a:r>
+              <a:t>Example: select 100 responses from all age groups without considering the proportional representation of age groups.</a:t>
+            </a:r>
+          </a:p>
+        </p:txBody>
+      </p:sp>
+      <p:sp>
+        <p:nvSpPr>
+          <p:cNvPr id="5" name="Date Placeholder 4">
             <a:extLst>
               <a:ext uri="{FF2B5EF4-FFF2-40B4-BE49-F238E27FC236}">
-                <a16:creationId xmlns:a16="http://schemas.microsoft.com/office/drawing/2014/main" id="{86C9EC70-566E-DDEA-A274-4D95ECF5ABF1}"/>
+                <a16:creationId xmlns:a16="http://schemas.microsoft.com/office/drawing/2014/main" id="{F26AD008-2CEF-F68C-26B1-35FAADD2B3DF}"/>
               </a:ext>
             </a:extLst>
           </p:cNvPr>
@@ -9701,19 +10683,18 @@
           <a:lstStyle/>
           <a:p>
             <a:r>
-              <a:rPr lang="en-US"/>
-              <a:t>Februrary 2024</a:t>
-            </a:r>
-            <a:endParaRPr lang="en-CA"/>
-          </a:p>
-        </p:txBody>
-      </p:sp>
-      <p:sp>
-        <p:nvSpPr>
-          <p:cNvPr id="7" name="Footer Placeholder 6">
+              <a:rPr lang="en-CA"/>
+              <a:t>February 2024</a:t>
+            </a:r>
+          </a:p>
+        </p:txBody>
+      </p:sp>
+      <p:sp>
+        <p:nvSpPr>
+          <p:cNvPr id="6" name="Footer Placeholder 5">
             <a:extLst>
               <a:ext uri="{FF2B5EF4-FFF2-40B4-BE49-F238E27FC236}">
-                <a16:creationId xmlns:a16="http://schemas.microsoft.com/office/drawing/2014/main" id="{9885134E-4599-8BC7-B7CE-38134F898965}"/>
+                <a16:creationId xmlns:a16="http://schemas.microsoft.com/office/drawing/2014/main" id="{4E5A8C12-DE3B-F853-64C4-1626A200EC81}"/>
               </a:ext>
             </a:extLst>
           </p:cNvPr>
@@ -9739,10 +10720,10 @@
       </p:sp>
       <p:sp>
         <p:nvSpPr>
-          <p:cNvPr id="8" name="Slide Number Placeholder 7">
+          <p:cNvPr id="7" name="Slide Number Placeholder 6">
             <a:extLst>
               <a:ext uri="{FF2B5EF4-FFF2-40B4-BE49-F238E27FC236}">
-                <a16:creationId xmlns:a16="http://schemas.microsoft.com/office/drawing/2014/main" id="{7930390C-1DC7-9BF6-1ACB-0B0613540AEF}"/>
+                <a16:creationId xmlns:a16="http://schemas.microsoft.com/office/drawing/2014/main" id="{C86D1E6F-7F53-FC56-0CEC-CD78556E6BA6}"/>
               </a:ext>
             </a:extLst>
           </p:cNvPr>
